--- a/Projeto/DC-ML aplicado a predição de variáveis de manufatura.pptx
+++ b/Projeto/DC-ML aplicado a predição de variáveis de manufatura.pptx
@@ -18,7 +18,7 @@
     <p:sldId id="262" r:id="rId12"/>
     <p:sldId id="273" r:id="rId13"/>
     <p:sldId id="274" r:id="rId14"/>
-    <p:sldId id="276" r:id="rId15"/>
+    <p:sldId id="278" r:id="rId15"/>
     <p:sldId id="263" r:id="rId16"/>
     <p:sldId id="277" r:id="rId17"/>
     <p:sldId id="264" r:id="rId18"/>
@@ -259,7 +259,7 @@
           <a:p>
             <a:fld id="{5DF85A27-AB50-4177-8829-772C85687C60}" type="datetimeFigureOut">
               <a:rPr lang="pt-BR" smtClean="0"/>
-              <a:t>20/06/2020</a:t>
+              <a:t>22/06/2020</a:t>
             </a:fld>
             <a:endParaRPr lang="pt-BR"/>
           </a:p>
@@ -429,7 +429,7 @@
           <a:p>
             <a:fld id="{5DF85A27-AB50-4177-8829-772C85687C60}" type="datetimeFigureOut">
               <a:rPr lang="pt-BR" smtClean="0"/>
-              <a:t>20/06/2020</a:t>
+              <a:t>22/06/2020</a:t>
             </a:fld>
             <a:endParaRPr lang="pt-BR"/>
           </a:p>
@@ -609,7 +609,7 @@
           <a:p>
             <a:fld id="{5DF85A27-AB50-4177-8829-772C85687C60}" type="datetimeFigureOut">
               <a:rPr lang="pt-BR" smtClean="0"/>
-              <a:t>20/06/2020</a:t>
+              <a:t>22/06/2020</a:t>
             </a:fld>
             <a:endParaRPr lang="pt-BR"/>
           </a:p>
@@ -779,7 +779,7 @@
           <a:p>
             <a:fld id="{5DF85A27-AB50-4177-8829-772C85687C60}" type="datetimeFigureOut">
               <a:rPr lang="pt-BR" smtClean="0"/>
-              <a:t>20/06/2020</a:t>
+              <a:t>22/06/2020</a:t>
             </a:fld>
             <a:endParaRPr lang="pt-BR"/>
           </a:p>
@@ -1025,7 +1025,7 @@
           <a:p>
             <a:fld id="{5DF85A27-AB50-4177-8829-772C85687C60}" type="datetimeFigureOut">
               <a:rPr lang="pt-BR" smtClean="0"/>
-              <a:t>20/06/2020</a:t>
+              <a:t>22/06/2020</a:t>
             </a:fld>
             <a:endParaRPr lang="pt-BR"/>
           </a:p>
@@ -1257,7 +1257,7 @@
           <a:p>
             <a:fld id="{5DF85A27-AB50-4177-8829-772C85687C60}" type="datetimeFigureOut">
               <a:rPr lang="pt-BR" smtClean="0"/>
-              <a:t>20/06/2020</a:t>
+              <a:t>22/06/2020</a:t>
             </a:fld>
             <a:endParaRPr lang="pt-BR"/>
           </a:p>
@@ -1624,7 +1624,7 @@
           <a:p>
             <a:fld id="{5DF85A27-AB50-4177-8829-772C85687C60}" type="datetimeFigureOut">
               <a:rPr lang="pt-BR" smtClean="0"/>
-              <a:t>20/06/2020</a:t>
+              <a:t>22/06/2020</a:t>
             </a:fld>
             <a:endParaRPr lang="pt-BR"/>
           </a:p>
@@ -1742,7 +1742,7 @@
           <a:p>
             <a:fld id="{5DF85A27-AB50-4177-8829-772C85687C60}" type="datetimeFigureOut">
               <a:rPr lang="pt-BR" smtClean="0"/>
-              <a:t>20/06/2020</a:t>
+              <a:t>22/06/2020</a:t>
             </a:fld>
             <a:endParaRPr lang="pt-BR"/>
           </a:p>
@@ -1837,7 +1837,7 @@
           <a:p>
             <a:fld id="{5DF85A27-AB50-4177-8829-772C85687C60}" type="datetimeFigureOut">
               <a:rPr lang="pt-BR" smtClean="0"/>
-              <a:t>20/06/2020</a:t>
+              <a:t>22/06/2020</a:t>
             </a:fld>
             <a:endParaRPr lang="pt-BR"/>
           </a:p>
@@ -2114,7 +2114,7 @@
           <a:p>
             <a:fld id="{5DF85A27-AB50-4177-8829-772C85687C60}" type="datetimeFigureOut">
               <a:rPr lang="pt-BR" smtClean="0"/>
-              <a:t>20/06/2020</a:t>
+              <a:t>22/06/2020</a:t>
             </a:fld>
             <a:endParaRPr lang="pt-BR"/>
           </a:p>
@@ -2367,7 +2367,7 @@
           <a:p>
             <a:fld id="{5DF85A27-AB50-4177-8829-772C85687C60}" type="datetimeFigureOut">
               <a:rPr lang="pt-BR" smtClean="0"/>
-              <a:t>20/06/2020</a:t>
+              <a:t>22/06/2020</a:t>
             </a:fld>
             <a:endParaRPr lang="pt-BR"/>
           </a:p>
@@ -2580,7 +2580,7 @@
           <a:p>
             <a:fld id="{5DF85A27-AB50-4177-8829-772C85687C60}" type="datetimeFigureOut">
               <a:rPr lang="pt-BR" smtClean="0"/>
-              <a:t>20/06/2020</a:t>
+              <a:t>22/06/2020</a:t>
             </a:fld>
             <a:endParaRPr lang="pt-BR"/>
           </a:p>
@@ -4178,5533 +4178,34 @@
       </p:grpSpPr>
       <p:sp>
         <p:nvSpPr>
-          <p:cNvPr id="2" name="Título 1"/>
-          <p:cNvSpPr>
-            <a:spLocks noGrp="1"/>
-          </p:cNvSpPr>
-          <p:nvPr>
-            <p:ph type="title"/>
-          </p:nvPr>
-        </p:nvSpPr>
-        <p:spPr>
-          <a:xfrm>
-            <a:off x="838200" y="365125"/>
-            <a:ext cx="11062648" cy="1325563"/>
-          </a:xfrm>
-        </p:spPr>
-        <p:txBody>
-          <a:bodyPr>
-            <a:normAutofit/>
-          </a:bodyPr>
-          <a:lstStyle/>
-          <a:p>
-            <a:r>
-              <a:rPr lang="pt-BR" dirty="0" smtClean="0"/>
-              <a:t>SIMULAÇÃO </a:t>
-            </a:r>
+          <p:cNvPr id="3" name="Espaço Reservado para Conteúdo 2"/>
+          <p:cNvSpPr>
+            <a:spLocks noGrp="1"/>
+          </p:cNvSpPr>
+          <p:nvPr>
+            <p:ph idx="1"/>
+          </p:nvPr>
+        </p:nvSpPr>
+        <p:spPr/>
+        <p:txBody>
+          <a:bodyPr/>
+          <a:lstStyle/>
+          <a:p>
             <a:r>
               <a:rPr lang="pt-BR" dirty="0"/>
-              <a:t>DO CÓDIGO </a:t>
-            </a:r>
-            <a:r>
-              <a:rPr lang="pt-BR" dirty="0" smtClean="0"/>
-              <a:t>(</a:t>
-            </a:r>
-            <a:r>
-              <a:rPr lang="pt-BR" dirty="0" smtClean="0">
-                <a:hlinkClick r:id="rId2"/>
-              </a:rPr>
-              <a:t>GIT HUB PARTICULAR</a:t>
-            </a:r>
-            <a:r>
-              <a:rPr lang="pt-BR" dirty="0" smtClean="0"/>
-              <a:t>)</a:t>
-            </a:r>
-            <a:endParaRPr lang="pt-BR" dirty="0"/>
-          </a:p>
-        </p:txBody>
-      </p:sp>
-      <p:graphicFrame>
-        <p:nvGraphicFramePr>
-          <p:cNvPr id="4" name="Espaço Reservado para Conteúdo 3"/>
-          <p:cNvGraphicFramePr>
-            <a:graphicFrameLocks noGrp="1"/>
-          </p:cNvGraphicFramePr>
-          <p:nvPr>
-            <p:ph idx="1"/>
-            <p:extLst>
-              <p:ext uri="{D42A27DB-BD31-4B8C-83A1-F6EECF244321}">
-                <p14:modId xmlns:p14="http://schemas.microsoft.com/office/powerpoint/2010/main" val="4101070243"/>
-              </p:ext>
-            </p:extLst>
-          </p:nvPr>
-        </p:nvGraphicFramePr>
-        <p:xfrm>
-          <a:off x="524301" y="1692315"/>
-          <a:ext cx="11263542" cy="3519540"/>
-        </p:xfrm>
-        <a:graphic>
-          <a:graphicData uri="http://schemas.openxmlformats.org/drawingml/2006/table">
-            <a:tbl>
-              <a:tblPr>
-                <a:tableStyleId>{5C22544A-7EE6-4342-B048-85BDC9FD1C3A}</a:tableStyleId>
-              </a:tblPr>
-              <a:tblGrid>
-                <a:gridCol w="476083"/>
-                <a:gridCol w="1123162"/>
-                <a:gridCol w="1394624"/>
-                <a:gridCol w="654849"/>
-                <a:gridCol w="158694"/>
-                <a:gridCol w="476083"/>
-                <a:gridCol w="1123162"/>
-                <a:gridCol w="1394624"/>
-                <a:gridCol w="654849"/>
-                <a:gridCol w="158694"/>
-                <a:gridCol w="476083"/>
-                <a:gridCol w="1123162"/>
-                <a:gridCol w="1394624"/>
-                <a:gridCol w="654849"/>
-              </a:tblGrid>
-              <a:tr h="97411">
-                <a:tc gridSpan="4">
-                  <a:txBody>
-                    <a:bodyPr/>
-                    <a:lstStyle/>
-                    <a:p>
-                      <a:pPr algn="ctr" fontAlgn="b"/>
-                      <a:r>
-                        <a:rPr lang="pt-BR" sz="1100" u="none" strike="noStrike" dirty="0">
-                          <a:solidFill>
-                            <a:schemeClr val="bg1"/>
-                          </a:solidFill>
-                          <a:effectLst/>
-                        </a:rPr>
-                        <a:t>Gaussian Mixture</a:t>
-                      </a:r>
-                      <a:endParaRPr lang="pt-BR" sz="1100" b="0" i="0" u="none" strike="noStrike" dirty="0">
-                        <a:solidFill>
-                          <a:schemeClr val="bg1"/>
-                        </a:solidFill>
-                        <a:effectLst/>
-                        <a:latin typeface="Calibri" panose="020F0502020204030204" pitchFamily="34" charset="0"/>
-                      </a:endParaRPr>
-                    </a:p>
-                  </a:txBody>
-                  <a:tcPr marL="8337" marR="8337" marT="8337" marB="0" anchor="b">
-                    <a:solidFill>
-                      <a:schemeClr val="accent5">
-                        <a:lumMod val="75000"/>
-                      </a:schemeClr>
-                    </a:solidFill>
-                  </a:tcPr>
-                </a:tc>
-                <a:tc hMerge="1">
-                  <a:txBody>
-                    <a:bodyPr/>
-                    <a:lstStyle/>
-                    <a:p>
-                      <a:endParaRPr lang="pt-BR"/>
-                    </a:p>
-                  </a:txBody>
-                  <a:tcPr/>
-                </a:tc>
-                <a:tc hMerge="1">
-                  <a:txBody>
-                    <a:bodyPr/>
-                    <a:lstStyle/>
-                    <a:p>
-                      <a:endParaRPr lang="pt-BR"/>
-                    </a:p>
-                  </a:txBody>
-                  <a:tcPr/>
-                </a:tc>
-                <a:tc hMerge="1">
-                  <a:txBody>
-                    <a:bodyPr/>
-                    <a:lstStyle/>
-                    <a:p>
-                      <a:endParaRPr lang="pt-BR"/>
-                    </a:p>
-                  </a:txBody>
-                  <a:tcPr/>
-                </a:tc>
-                <a:tc>
-                  <a:txBody>
-                    <a:bodyPr/>
-                    <a:lstStyle/>
-                    <a:p>
-                      <a:pPr algn="l" fontAlgn="b"/>
-                      <a:endParaRPr lang="pt-BR" sz="1100" b="0" i="0" u="none" strike="noStrike">
-                        <a:solidFill>
-                          <a:schemeClr val="bg1"/>
-                        </a:solidFill>
-                        <a:effectLst/>
-                        <a:latin typeface="Calibri" panose="020F0502020204030204" pitchFamily="34" charset="0"/>
-                      </a:endParaRPr>
-                    </a:p>
-                  </a:txBody>
-                  <a:tcPr marL="8337" marR="8337" marT="8337" marB="0" anchor="b">
-                    <a:solidFill>
-                      <a:schemeClr val="accent5">
-                        <a:lumMod val="75000"/>
-                      </a:schemeClr>
-                    </a:solidFill>
-                  </a:tcPr>
-                </a:tc>
-                <a:tc gridSpan="4">
-                  <a:txBody>
-                    <a:bodyPr/>
-                    <a:lstStyle/>
-                    <a:p>
-                      <a:pPr algn="ctr" fontAlgn="b"/>
-                      <a:r>
-                        <a:rPr lang="pt-BR" sz="1100" u="none" strike="noStrike" dirty="0">
-                          <a:solidFill>
-                            <a:schemeClr val="bg1"/>
-                          </a:solidFill>
-                          <a:effectLst/>
-                        </a:rPr>
-                        <a:t>Birch</a:t>
-                      </a:r>
-                      <a:endParaRPr lang="pt-BR" sz="1100" b="0" i="0" u="none" strike="noStrike" dirty="0">
-                        <a:solidFill>
-                          <a:schemeClr val="bg1"/>
-                        </a:solidFill>
-                        <a:effectLst/>
-                        <a:latin typeface="Calibri" panose="020F0502020204030204" pitchFamily="34" charset="0"/>
-                      </a:endParaRPr>
-                    </a:p>
-                  </a:txBody>
-                  <a:tcPr marL="8337" marR="8337" marT="8337" marB="0" anchor="b">
-                    <a:solidFill>
-                      <a:schemeClr val="accent5">
-                        <a:lumMod val="75000"/>
-                      </a:schemeClr>
-                    </a:solidFill>
-                  </a:tcPr>
-                </a:tc>
-                <a:tc hMerge="1">
-                  <a:txBody>
-                    <a:bodyPr/>
-                    <a:lstStyle/>
-                    <a:p>
-                      <a:endParaRPr lang="pt-BR"/>
-                    </a:p>
-                  </a:txBody>
-                  <a:tcPr/>
-                </a:tc>
-                <a:tc hMerge="1">
-                  <a:txBody>
-                    <a:bodyPr/>
-                    <a:lstStyle/>
-                    <a:p>
-                      <a:endParaRPr lang="pt-BR"/>
-                    </a:p>
-                  </a:txBody>
-                  <a:tcPr/>
-                </a:tc>
-                <a:tc hMerge="1">
-                  <a:txBody>
-                    <a:bodyPr/>
-                    <a:lstStyle/>
-                    <a:p>
-                      <a:endParaRPr lang="pt-BR"/>
-                    </a:p>
-                  </a:txBody>
-                  <a:tcPr/>
-                </a:tc>
-                <a:tc>
-                  <a:txBody>
-                    <a:bodyPr/>
-                    <a:lstStyle/>
-                    <a:p>
-                      <a:pPr algn="l" fontAlgn="b"/>
-                      <a:endParaRPr lang="pt-BR" sz="1100" b="0" i="0" u="none" strike="noStrike">
-                        <a:solidFill>
-                          <a:schemeClr val="bg1"/>
-                        </a:solidFill>
-                        <a:effectLst/>
-                        <a:latin typeface="Calibri" panose="020F0502020204030204" pitchFamily="34" charset="0"/>
-                      </a:endParaRPr>
-                    </a:p>
-                  </a:txBody>
-                  <a:tcPr marL="8337" marR="8337" marT="8337" marB="0" anchor="b">
-                    <a:solidFill>
-                      <a:schemeClr val="accent5">
-                        <a:lumMod val="75000"/>
-                      </a:schemeClr>
-                    </a:solidFill>
-                  </a:tcPr>
-                </a:tc>
-                <a:tc gridSpan="4">
-                  <a:txBody>
-                    <a:bodyPr/>
-                    <a:lstStyle/>
-                    <a:p>
-                      <a:pPr algn="ctr" fontAlgn="b"/>
-                      <a:r>
-                        <a:rPr lang="pt-BR" sz="1100" u="none" strike="noStrike" dirty="0">
-                          <a:solidFill>
-                            <a:schemeClr val="bg1"/>
-                          </a:solidFill>
-                          <a:effectLst/>
-                        </a:rPr>
-                        <a:t>Mini Batch </a:t>
-                      </a:r>
-                      <a:r>
-                        <a:rPr lang="en-US" sz="1100" u="none" strike="noStrike" noProof="0" dirty="0" smtClean="0">
-                          <a:solidFill>
-                            <a:schemeClr val="bg1"/>
-                          </a:solidFill>
-                          <a:effectLst/>
-                        </a:rPr>
-                        <a:t>K-Means</a:t>
-                      </a:r>
-                      <a:endParaRPr lang="en-US" sz="1100" b="0" i="0" u="none" strike="noStrike" noProof="0" dirty="0">
-                        <a:solidFill>
-                          <a:schemeClr val="bg1"/>
-                        </a:solidFill>
-                        <a:effectLst/>
-                        <a:latin typeface="Calibri" panose="020F0502020204030204" pitchFamily="34" charset="0"/>
-                      </a:endParaRPr>
-                    </a:p>
-                  </a:txBody>
-                  <a:tcPr marL="8337" marR="8337" marT="8337" marB="0" anchor="b">
-                    <a:solidFill>
-                      <a:schemeClr val="accent5">
-                        <a:lumMod val="75000"/>
-                      </a:schemeClr>
-                    </a:solidFill>
-                  </a:tcPr>
-                </a:tc>
-                <a:tc hMerge="1">
-                  <a:txBody>
-                    <a:bodyPr/>
-                    <a:lstStyle/>
-                    <a:p>
-                      <a:endParaRPr lang="pt-BR"/>
-                    </a:p>
-                  </a:txBody>
-                  <a:tcPr/>
-                </a:tc>
-                <a:tc hMerge="1">
-                  <a:txBody>
-                    <a:bodyPr/>
-                    <a:lstStyle/>
-                    <a:p>
-                      <a:endParaRPr lang="pt-BR"/>
-                    </a:p>
-                  </a:txBody>
-                  <a:tcPr/>
-                </a:tc>
-                <a:tc hMerge="1">
-                  <a:txBody>
-                    <a:bodyPr/>
-                    <a:lstStyle/>
-                    <a:p>
-                      <a:endParaRPr lang="pt-BR"/>
-                    </a:p>
-                  </a:txBody>
-                  <a:tcPr/>
-                </a:tc>
-              </a:tr>
-              <a:tr h="166738">
-                <a:tc>
-                  <a:txBody>
-                    <a:bodyPr/>
-                    <a:lstStyle/>
-                    <a:p>
-                      <a:pPr algn="ctr" fontAlgn="b"/>
-                      <a:r>
-                        <a:rPr lang="pt-BR" sz="1100" u="none" strike="noStrike">
-                          <a:effectLst/>
-                        </a:rPr>
-                        <a:t>Clusters</a:t>
-                      </a:r>
-                      <a:endParaRPr lang="pt-BR" sz="1100" b="0" i="0" u="none" strike="noStrike">
-                        <a:solidFill>
-                          <a:srgbClr val="000000"/>
-                        </a:solidFill>
-                        <a:effectLst/>
-                        <a:latin typeface="Calibri" panose="020F0502020204030204" pitchFamily="34" charset="0"/>
-                      </a:endParaRPr>
-                    </a:p>
-                  </a:txBody>
-                  <a:tcPr marL="8337" marR="8337" marT="8337" marB="0" anchor="b"/>
-                </a:tc>
-                <a:tc>
-                  <a:txBody>
-                    <a:bodyPr/>
-                    <a:lstStyle/>
-                    <a:p>
-                      <a:pPr algn="ctr" fontAlgn="b"/>
-                      <a:r>
-                        <a:rPr lang="pt-BR" sz="1100" u="none" strike="noStrike">
-                          <a:effectLst/>
-                        </a:rPr>
-                        <a:t>Número do Cluster</a:t>
-                      </a:r>
-                      <a:endParaRPr lang="pt-BR" sz="1100" b="0" i="0" u="none" strike="noStrike">
-                        <a:solidFill>
-                          <a:srgbClr val="000000"/>
-                        </a:solidFill>
-                        <a:effectLst/>
-                        <a:latin typeface="Calibri" panose="020F0502020204030204" pitchFamily="34" charset="0"/>
-                      </a:endParaRPr>
-                    </a:p>
-                  </a:txBody>
-                  <a:tcPr marL="8337" marR="8337" marT="8337" marB="0" anchor="b"/>
-                </a:tc>
-                <a:tc>
-                  <a:txBody>
-                    <a:bodyPr/>
-                    <a:lstStyle/>
-                    <a:p>
-                      <a:pPr algn="ctr" fontAlgn="b"/>
-                      <a:r>
-                        <a:rPr lang="pt-BR" sz="1100" u="none" strike="noStrike">
-                          <a:effectLst/>
-                        </a:rPr>
-                        <a:t>Algoritmo de Regressão</a:t>
-                      </a:r>
-                      <a:endParaRPr lang="pt-BR" sz="1100" b="0" i="0" u="none" strike="noStrike">
-                        <a:solidFill>
-                          <a:srgbClr val="000000"/>
-                        </a:solidFill>
-                        <a:effectLst/>
-                        <a:latin typeface="Calibri" panose="020F0502020204030204" pitchFamily="34" charset="0"/>
-                      </a:endParaRPr>
-                    </a:p>
-                  </a:txBody>
-                  <a:tcPr marL="8337" marR="8337" marT="8337" marB="0" anchor="b"/>
-                </a:tc>
-                <a:tc>
-                  <a:txBody>
-                    <a:bodyPr/>
-                    <a:lstStyle/>
-                    <a:p>
-                      <a:pPr algn="ctr" fontAlgn="b"/>
-                      <a:r>
-                        <a:rPr lang="pt-BR" sz="1100" u="none" strike="noStrike" dirty="0">
-                          <a:effectLst/>
-                        </a:rPr>
-                        <a:t>R²</a:t>
-                      </a:r>
-                      <a:endParaRPr lang="pt-BR" sz="1100" b="0" i="0" u="none" strike="noStrike" dirty="0">
-                        <a:solidFill>
-                          <a:srgbClr val="000000"/>
-                        </a:solidFill>
-                        <a:effectLst/>
-                        <a:latin typeface="Calibri" panose="020F0502020204030204" pitchFamily="34" charset="0"/>
-                      </a:endParaRPr>
-                    </a:p>
-                  </a:txBody>
-                  <a:tcPr marL="8337" marR="8337" marT="8337" marB="0" anchor="b"/>
-                </a:tc>
-                <a:tc>
-                  <a:txBody>
-                    <a:bodyPr/>
-                    <a:lstStyle/>
-                    <a:p>
-                      <a:pPr algn="l" fontAlgn="b"/>
-                      <a:endParaRPr lang="pt-BR" sz="1100" b="0" i="0" u="none" strike="noStrike">
-                        <a:solidFill>
-                          <a:srgbClr val="000000"/>
-                        </a:solidFill>
-                        <a:effectLst/>
-                        <a:latin typeface="Calibri" panose="020F0502020204030204" pitchFamily="34" charset="0"/>
-                      </a:endParaRPr>
-                    </a:p>
-                  </a:txBody>
-                  <a:tcPr marL="8337" marR="8337" marT="8337" marB="0" anchor="b"/>
-                </a:tc>
-                <a:tc>
-                  <a:txBody>
-                    <a:bodyPr/>
-                    <a:lstStyle/>
-                    <a:p>
-                      <a:pPr algn="ctr" fontAlgn="b"/>
-                      <a:r>
-                        <a:rPr lang="pt-BR" sz="1100" u="none" strike="noStrike">
-                          <a:effectLst/>
-                        </a:rPr>
-                        <a:t>Clusters</a:t>
-                      </a:r>
-                      <a:endParaRPr lang="pt-BR" sz="1100" b="0" i="0" u="none" strike="noStrike">
-                        <a:solidFill>
-                          <a:srgbClr val="000000"/>
-                        </a:solidFill>
-                        <a:effectLst/>
-                        <a:latin typeface="Calibri" panose="020F0502020204030204" pitchFamily="34" charset="0"/>
-                      </a:endParaRPr>
-                    </a:p>
-                  </a:txBody>
-                  <a:tcPr marL="8337" marR="8337" marT="8337" marB="0" anchor="b"/>
-                </a:tc>
-                <a:tc>
-                  <a:txBody>
-                    <a:bodyPr/>
-                    <a:lstStyle/>
-                    <a:p>
-                      <a:pPr algn="ctr" fontAlgn="b"/>
-                      <a:r>
-                        <a:rPr lang="pt-BR" sz="1100" u="none" strike="noStrike">
-                          <a:effectLst/>
-                        </a:rPr>
-                        <a:t>Número do Cluster</a:t>
-                      </a:r>
-                      <a:endParaRPr lang="pt-BR" sz="1100" b="0" i="0" u="none" strike="noStrike">
-                        <a:solidFill>
-                          <a:srgbClr val="000000"/>
-                        </a:solidFill>
-                        <a:effectLst/>
-                        <a:latin typeface="Calibri" panose="020F0502020204030204" pitchFamily="34" charset="0"/>
-                      </a:endParaRPr>
-                    </a:p>
-                  </a:txBody>
-                  <a:tcPr marL="8337" marR="8337" marT="8337" marB="0" anchor="b"/>
-                </a:tc>
-                <a:tc>
-                  <a:txBody>
-                    <a:bodyPr/>
-                    <a:lstStyle/>
-                    <a:p>
-                      <a:pPr algn="ctr" fontAlgn="b"/>
-                      <a:r>
-                        <a:rPr lang="pt-BR" sz="1100" u="none" strike="noStrike">
-                          <a:effectLst/>
-                        </a:rPr>
-                        <a:t>Algoritmo de Regressão</a:t>
-                      </a:r>
-                      <a:endParaRPr lang="pt-BR" sz="1100" b="0" i="0" u="none" strike="noStrike">
-                        <a:solidFill>
-                          <a:srgbClr val="000000"/>
-                        </a:solidFill>
-                        <a:effectLst/>
-                        <a:latin typeface="Calibri" panose="020F0502020204030204" pitchFamily="34" charset="0"/>
-                      </a:endParaRPr>
-                    </a:p>
-                  </a:txBody>
-                  <a:tcPr marL="8337" marR="8337" marT="8337" marB="0" anchor="b"/>
-                </a:tc>
-                <a:tc>
-                  <a:txBody>
-                    <a:bodyPr/>
-                    <a:lstStyle/>
-                    <a:p>
-                      <a:pPr algn="ctr" fontAlgn="b"/>
-                      <a:r>
-                        <a:rPr lang="pt-BR" sz="1100" u="none" strike="noStrike">
-                          <a:effectLst/>
-                        </a:rPr>
-                        <a:t>R²</a:t>
-                      </a:r>
-                      <a:endParaRPr lang="pt-BR" sz="1100" b="0" i="0" u="none" strike="noStrike">
-                        <a:solidFill>
-                          <a:srgbClr val="000000"/>
-                        </a:solidFill>
-                        <a:effectLst/>
-                        <a:latin typeface="Calibri" panose="020F0502020204030204" pitchFamily="34" charset="0"/>
-                      </a:endParaRPr>
-                    </a:p>
-                  </a:txBody>
-                  <a:tcPr marL="8337" marR="8337" marT="8337" marB="0" anchor="b"/>
-                </a:tc>
-                <a:tc>
-                  <a:txBody>
-                    <a:bodyPr/>
-                    <a:lstStyle/>
-                    <a:p>
-                      <a:pPr algn="l" fontAlgn="b"/>
-                      <a:endParaRPr lang="pt-BR" sz="1100" b="0" i="0" u="none" strike="noStrike">
-                        <a:solidFill>
-                          <a:srgbClr val="000000"/>
-                        </a:solidFill>
-                        <a:effectLst/>
-                        <a:latin typeface="Calibri" panose="020F0502020204030204" pitchFamily="34" charset="0"/>
-                      </a:endParaRPr>
-                    </a:p>
-                  </a:txBody>
-                  <a:tcPr marL="8337" marR="8337" marT="8337" marB="0" anchor="b"/>
-                </a:tc>
-                <a:tc>
-                  <a:txBody>
-                    <a:bodyPr/>
-                    <a:lstStyle/>
-                    <a:p>
-                      <a:pPr algn="ctr" fontAlgn="b"/>
-                      <a:r>
-                        <a:rPr lang="pt-BR" sz="1100" u="none" strike="noStrike">
-                          <a:effectLst/>
-                        </a:rPr>
-                        <a:t>Clusters</a:t>
-                      </a:r>
-                      <a:endParaRPr lang="pt-BR" sz="1100" b="0" i="0" u="none" strike="noStrike">
-                        <a:solidFill>
-                          <a:srgbClr val="000000"/>
-                        </a:solidFill>
-                        <a:effectLst/>
-                        <a:latin typeface="Calibri" panose="020F0502020204030204" pitchFamily="34" charset="0"/>
-                      </a:endParaRPr>
-                    </a:p>
-                  </a:txBody>
-                  <a:tcPr marL="8337" marR="8337" marT="8337" marB="0" anchor="b"/>
-                </a:tc>
-                <a:tc>
-                  <a:txBody>
-                    <a:bodyPr/>
-                    <a:lstStyle/>
-                    <a:p>
-                      <a:pPr algn="ctr" fontAlgn="b"/>
-                      <a:r>
-                        <a:rPr lang="pt-BR" sz="1100" u="none" strike="noStrike">
-                          <a:effectLst/>
-                        </a:rPr>
-                        <a:t>Número do Cluster</a:t>
-                      </a:r>
-                      <a:endParaRPr lang="pt-BR" sz="1100" b="0" i="0" u="none" strike="noStrike">
-                        <a:solidFill>
-                          <a:srgbClr val="000000"/>
-                        </a:solidFill>
-                        <a:effectLst/>
-                        <a:latin typeface="Calibri" panose="020F0502020204030204" pitchFamily="34" charset="0"/>
-                      </a:endParaRPr>
-                    </a:p>
-                  </a:txBody>
-                  <a:tcPr marL="8337" marR="8337" marT="8337" marB="0" anchor="b"/>
-                </a:tc>
-                <a:tc>
-                  <a:txBody>
-                    <a:bodyPr/>
-                    <a:lstStyle/>
-                    <a:p>
-                      <a:pPr algn="ctr" fontAlgn="b"/>
-                      <a:r>
-                        <a:rPr lang="pt-BR" sz="1100" u="none" strike="noStrike">
-                          <a:effectLst/>
-                        </a:rPr>
-                        <a:t>Algoritmo de Regressão</a:t>
-                      </a:r>
-                      <a:endParaRPr lang="pt-BR" sz="1100" b="0" i="0" u="none" strike="noStrike">
-                        <a:solidFill>
-                          <a:srgbClr val="000000"/>
-                        </a:solidFill>
-                        <a:effectLst/>
-                        <a:latin typeface="Calibri" panose="020F0502020204030204" pitchFamily="34" charset="0"/>
-                      </a:endParaRPr>
-                    </a:p>
-                  </a:txBody>
-                  <a:tcPr marL="8337" marR="8337" marT="8337" marB="0" anchor="b"/>
-                </a:tc>
-                <a:tc>
-                  <a:txBody>
-                    <a:bodyPr/>
-                    <a:lstStyle/>
-                    <a:p>
-                      <a:pPr algn="ctr" fontAlgn="b"/>
-                      <a:r>
-                        <a:rPr lang="pt-BR" sz="1100" u="none" strike="noStrike">
-                          <a:effectLst/>
-                        </a:rPr>
-                        <a:t>R²</a:t>
-                      </a:r>
-                      <a:endParaRPr lang="pt-BR" sz="1100" b="0" i="0" u="none" strike="noStrike">
-                        <a:solidFill>
-                          <a:srgbClr val="000000"/>
-                        </a:solidFill>
-                        <a:effectLst/>
-                        <a:latin typeface="Calibri" panose="020F0502020204030204" pitchFamily="34" charset="0"/>
-                      </a:endParaRPr>
-                    </a:p>
-                  </a:txBody>
-                  <a:tcPr marL="8337" marR="8337" marT="8337" marB="0" anchor="b"/>
-                </a:tc>
-              </a:tr>
-              <a:tr h="166738">
-                <a:tc rowSpan="4">
-                  <a:txBody>
-                    <a:bodyPr/>
-                    <a:lstStyle/>
-                    <a:p>
-                      <a:pPr algn="ctr" fontAlgn="ctr"/>
-                      <a:r>
-                        <a:rPr lang="pt-BR" sz="1100" u="none" strike="noStrike">
-                          <a:effectLst/>
-                        </a:rPr>
-                        <a:t>2</a:t>
-                      </a:r>
-                      <a:endParaRPr lang="pt-BR" sz="1100" b="0" i="0" u="none" strike="noStrike">
-                        <a:solidFill>
-                          <a:srgbClr val="000000"/>
-                        </a:solidFill>
-                        <a:effectLst/>
-                        <a:latin typeface="Calibri" panose="020F0502020204030204" pitchFamily="34" charset="0"/>
-                      </a:endParaRPr>
-                    </a:p>
-                  </a:txBody>
-                  <a:tcPr marL="8337" marR="8337" marT="8337" marB="0" anchor="ctr"/>
-                </a:tc>
-                <a:tc rowSpan="2">
-                  <a:txBody>
-                    <a:bodyPr/>
-                    <a:lstStyle/>
-                    <a:p>
-                      <a:pPr algn="ctr" fontAlgn="ctr"/>
-                      <a:r>
-                        <a:rPr lang="pt-BR" sz="1100" u="none" strike="noStrike">
-                          <a:effectLst/>
-                        </a:rPr>
-                        <a:t>0</a:t>
-                      </a:r>
-                      <a:endParaRPr lang="pt-BR" sz="1100" b="0" i="0" u="none" strike="noStrike">
-                        <a:solidFill>
-                          <a:srgbClr val="000000"/>
-                        </a:solidFill>
-                        <a:effectLst/>
-                        <a:latin typeface="Calibri" panose="020F0502020204030204" pitchFamily="34" charset="0"/>
-                      </a:endParaRPr>
-                    </a:p>
-                  </a:txBody>
-                  <a:tcPr marL="8337" marR="8337" marT="8337" marB="0" anchor="ctr"/>
-                </a:tc>
-                <a:tc>
-                  <a:txBody>
-                    <a:bodyPr/>
-                    <a:lstStyle/>
-                    <a:p>
-                      <a:pPr algn="ctr" fontAlgn="ctr"/>
-                      <a:r>
-                        <a:rPr lang="pt-BR" sz="1100" u="none" strike="noStrike">
-                          <a:effectLst/>
-                        </a:rPr>
-                        <a:t>Forest</a:t>
-                      </a:r>
-                      <a:endParaRPr lang="pt-BR" sz="1100" b="0" i="0" u="none" strike="noStrike">
-                        <a:solidFill>
-                          <a:srgbClr val="000000"/>
-                        </a:solidFill>
-                        <a:effectLst/>
-                        <a:latin typeface="Calibri" panose="020F0502020204030204" pitchFamily="34" charset="0"/>
-                      </a:endParaRPr>
-                    </a:p>
-                  </a:txBody>
-                  <a:tcPr marL="8337" marR="8337" marT="8337" marB="0" anchor="ctr"/>
-                </a:tc>
-                <a:tc>
-                  <a:txBody>
-                    <a:bodyPr/>
-                    <a:lstStyle/>
-                    <a:p>
-                      <a:pPr algn="ctr" fontAlgn="ctr"/>
-                      <a:r>
-                        <a:rPr lang="pt-BR" sz="1100" u="none" strike="noStrike">
-                          <a:effectLst/>
-                        </a:rPr>
-                        <a:t>7,873714</a:t>
-                      </a:r>
-                      <a:endParaRPr lang="pt-BR" sz="1100" b="0" i="0" u="none" strike="noStrike">
-                        <a:solidFill>
-                          <a:srgbClr val="000000"/>
-                        </a:solidFill>
-                        <a:effectLst/>
-                        <a:latin typeface="Calibri" panose="020F0502020204030204" pitchFamily="34" charset="0"/>
-                      </a:endParaRPr>
-                    </a:p>
-                  </a:txBody>
-                  <a:tcPr marL="8337" marR="8337" marT="8337" marB="0" anchor="ctr"/>
-                </a:tc>
-                <a:tc>
-                  <a:txBody>
-                    <a:bodyPr/>
-                    <a:lstStyle/>
-                    <a:p>
-                      <a:pPr algn="l" fontAlgn="b"/>
-                      <a:endParaRPr lang="pt-BR" sz="1100" b="0" i="0" u="none" strike="noStrike">
-                        <a:solidFill>
-                          <a:srgbClr val="000000"/>
-                        </a:solidFill>
-                        <a:effectLst/>
-                        <a:latin typeface="Calibri" panose="020F0502020204030204" pitchFamily="34" charset="0"/>
-                      </a:endParaRPr>
-                    </a:p>
-                  </a:txBody>
-                  <a:tcPr marL="8337" marR="8337" marT="8337" marB="0" anchor="b"/>
-                </a:tc>
-                <a:tc rowSpan="4">
-                  <a:txBody>
-                    <a:bodyPr/>
-                    <a:lstStyle/>
-                    <a:p>
-                      <a:pPr algn="ctr" fontAlgn="ctr"/>
-                      <a:r>
-                        <a:rPr lang="pt-BR" sz="1100" u="none" strike="noStrike">
-                          <a:effectLst/>
-                        </a:rPr>
-                        <a:t>2</a:t>
-                      </a:r>
-                      <a:endParaRPr lang="pt-BR" sz="1100" b="0" i="0" u="none" strike="noStrike">
-                        <a:solidFill>
-                          <a:srgbClr val="000000"/>
-                        </a:solidFill>
-                        <a:effectLst/>
-                        <a:latin typeface="Calibri" panose="020F0502020204030204" pitchFamily="34" charset="0"/>
-                      </a:endParaRPr>
-                    </a:p>
-                  </a:txBody>
-                  <a:tcPr marL="8337" marR="8337" marT="8337" marB="0" anchor="ctr"/>
-                </a:tc>
-                <a:tc rowSpan="2">
-                  <a:txBody>
-                    <a:bodyPr/>
-                    <a:lstStyle/>
-                    <a:p>
-                      <a:pPr algn="ctr" fontAlgn="ctr"/>
-                      <a:r>
-                        <a:rPr lang="pt-BR" sz="1100" u="none" strike="noStrike" dirty="0">
-                          <a:effectLst/>
-                        </a:rPr>
-                        <a:t>0</a:t>
-                      </a:r>
-                      <a:endParaRPr lang="pt-BR" sz="1100" b="0" i="0" u="none" strike="noStrike" dirty="0">
-                        <a:solidFill>
-                          <a:srgbClr val="000000"/>
-                        </a:solidFill>
-                        <a:effectLst/>
-                        <a:latin typeface="Calibri" panose="020F0502020204030204" pitchFamily="34" charset="0"/>
-                      </a:endParaRPr>
-                    </a:p>
-                  </a:txBody>
-                  <a:tcPr marL="8337" marR="8337" marT="8337" marB="0" anchor="ctr"/>
-                </a:tc>
-                <a:tc>
-                  <a:txBody>
-                    <a:bodyPr/>
-                    <a:lstStyle/>
-                    <a:p>
-                      <a:pPr algn="ctr" fontAlgn="ctr"/>
-                      <a:r>
-                        <a:rPr lang="pt-BR" sz="1100" u="none" strike="noStrike">
-                          <a:effectLst/>
-                        </a:rPr>
-                        <a:t>Forest</a:t>
-                      </a:r>
-                      <a:endParaRPr lang="pt-BR" sz="1100" b="0" i="0" u="none" strike="noStrike">
-                        <a:solidFill>
-                          <a:srgbClr val="000000"/>
-                        </a:solidFill>
-                        <a:effectLst/>
-                        <a:latin typeface="Calibri" panose="020F0502020204030204" pitchFamily="34" charset="0"/>
-                      </a:endParaRPr>
-                    </a:p>
-                  </a:txBody>
-                  <a:tcPr marL="8337" marR="8337" marT="8337" marB="0" anchor="ctr"/>
-                </a:tc>
-                <a:tc>
-                  <a:txBody>
-                    <a:bodyPr/>
-                    <a:lstStyle/>
-                    <a:p>
-                      <a:pPr algn="ctr" fontAlgn="ctr"/>
-                      <a:r>
-                        <a:rPr lang="pt-BR" sz="1100" u="none" strike="noStrike">
-                          <a:effectLst/>
-                        </a:rPr>
-                        <a:t>7,535750</a:t>
-                      </a:r>
-                      <a:endParaRPr lang="pt-BR" sz="1100" b="0" i="0" u="none" strike="noStrike">
-                        <a:solidFill>
-                          <a:srgbClr val="000000"/>
-                        </a:solidFill>
-                        <a:effectLst/>
-                        <a:latin typeface="Calibri" panose="020F0502020204030204" pitchFamily="34" charset="0"/>
-                      </a:endParaRPr>
-                    </a:p>
-                  </a:txBody>
-                  <a:tcPr marL="8337" marR="8337" marT="8337" marB="0" anchor="ctr"/>
-                </a:tc>
-                <a:tc>
-                  <a:txBody>
-                    <a:bodyPr/>
-                    <a:lstStyle/>
-                    <a:p>
-                      <a:pPr algn="l" fontAlgn="b"/>
-                      <a:endParaRPr lang="pt-BR" sz="1100" b="0" i="0" u="none" strike="noStrike">
-                        <a:solidFill>
-                          <a:srgbClr val="000000"/>
-                        </a:solidFill>
-                        <a:effectLst/>
-                        <a:latin typeface="Calibri" panose="020F0502020204030204" pitchFamily="34" charset="0"/>
-                      </a:endParaRPr>
-                    </a:p>
-                  </a:txBody>
-                  <a:tcPr marL="8337" marR="8337" marT="8337" marB="0" anchor="b"/>
-                </a:tc>
-                <a:tc rowSpan="4">
-                  <a:txBody>
-                    <a:bodyPr/>
-                    <a:lstStyle/>
-                    <a:p>
-                      <a:pPr algn="ctr" fontAlgn="ctr"/>
-                      <a:r>
-                        <a:rPr lang="pt-BR" sz="1100" u="none" strike="noStrike" dirty="0">
-                          <a:effectLst/>
-                        </a:rPr>
-                        <a:t>2</a:t>
-                      </a:r>
-                      <a:endParaRPr lang="pt-BR" sz="1100" b="0" i="0" u="none" strike="noStrike" dirty="0">
-                        <a:solidFill>
-                          <a:srgbClr val="000000"/>
-                        </a:solidFill>
-                        <a:effectLst/>
-                        <a:latin typeface="Calibri" panose="020F0502020204030204" pitchFamily="34" charset="0"/>
-                      </a:endParaRPr>
-                    </a:p>
-                  </a:txBody>
-                  <a:tcPr marL="8337" marR="8337" marT="8337" marB="0" anchor="ctr"/>
-                </a:tc>
-                <a:tc rowSpan="2">
-                  <a:txBody>
-                    <a:bodyPr/>
-                    <a:lstStyle/>
-                    <a:p>
-                      <a:pPr algn="ctr" fontAlgn="ctr"/>
-                      <a:r>
-                        <a:rPr lang="pt-BR" sz="1100" u="none" strike="noStrike">
-                          <a:effectLst/>
-                        </a:rPr>
-                        <a:t>0</a:t>
-                      </a:r>
-                      <a:endParaRPr lang="pt-BR" sz="1100" b="0" i="0" u="none" strike="noStrike">
-                        <a:solidFill>
-                          <a:srgbClr val="000000"/>
-                        </a:solidFill>
-                        <a:effectLst/>
-                        <a:latin typeface="Calibri" panose="020F0502020204030204" pitchFamily="34" charset="0"/>
-                      </a:endParaRPr>
-                    </a:p>
-                  </a:txBody>
-                  <a:tcPr marL="8337" marR="8337" marT="8337" marB="0" anchor="ctr"/>
-                </a:tc>
-                <a:tc>
-                  <a:txBody>
-                    <a:bodyPr/>
-                    <a:lstStyle/>
-                    <a:p>
-                      <a:pPr algn="ctr" fontAlgn="ctr"/>
-                      <a:r>
-                        <a:rPr lang="pt-BR" sz="1100" u="none" strike="noStrike">
-                          <a:effectLst/>
-                        </a:rPr>
-                        <a:t>Forest</a:t>
-                      </a:r>
-                      <a:endParaRPr lang="pt-BR" sz="1100" b="0" i="0" u="none" strike="noStrike">
-                        <a:solidFill>
-                          <a:srgbClr val="000000"/>
-                        </a:solidFill>
-                        <a:effectLst/>
-                        <a:latin typeface="Calibri" panose="020F0502020204030204" pitchFamily="34" charset="0"/>
-                      </a:endParaRPr>
-                    </a:p>
-                  </a:txBody>
-                  <a:tcPr marL="8337" marR="8337" marT="8337" marB="0" anchor="ctr"/>
-                </a:tc>
-                <a:tc>
-                  <a:txBody>
-                    <a:bodyPr/>
-                    <a:lstStyle/>
-                    <a:p>
-                      <a:pPr algn="ctr" fontAlgn="ctr"/>
-                      <a:r>
-                        <a:rPr lang="pt-BR" sz="1100" u="none" strike="noStrike">
-                          <a:effectLst/>
-                        </a:rPr>
-                        <a:t>7,825027</a:t>
-                      </a:r>
-                      <a:endParaRPr lang="pt-BR" sz="1100" b="0" i="0" u="none" strike="noStrike">
-                        <a:solidFill>
-                          <a:srgbClr val="000000"/>
-                        </a:solidFill>
-                        <a:effectLst/>
-                        <a:latin typeface="Calibri" panose="020F0502020204030204" pitchFamily="34" charset="0"/>
-                      </a:endParaRPr>
-                    </a:p>
-                  </a:txBody>
-                  <a:tcPr marL="8337" marR="8337" marT="8337" marB="0" anchor="ctr"/>
-                </a:tc>
-              </a:tr>
-              <a:tr h="166738">
-                <a:tc vMerge="1">
-                  <a:txBody>
-                    <a:bodyPr/>
-                    <a:lstStyle/>
-                    <a:p>
-                      <a:endParaRPr lang="pt-BR"/>
-                    </a:p>
-                  </a:txBody>
-                  <a:tcPr/>
-                </a:tc>
-                <a:tc vMerge="1">
-                  <a:txBody>
-                    <a:bodyPr/>
-                    <a:lstStyle/>
-                    <a:p>
-                      <a:endParaRPr lang="pt-BR"/>
-                    </a:p>
-                  </a:txBody>
-                  <a:tcPr/>
-                </a:tc>
-                <a:tc>
-                  <a:txBody>
-                    <a:bodyPr/>
-                    <a:lstStyle/>
-                    <a:p>
-                      <a:pPr algn="ctr" fontAlgn="ctr"/>
-                      <a:r>
-                        <a:rPr lang="pt-BR" sz="1100" u="none" strike="noStrike" dirty="0">
-                          <a:effectLst/>
-                        </a:rPr>
-                        <a:t>Gaussian</a:t>
-                      </a:r>
-                      <a:endParaRPr lang="pt-BR" sz="1100" b="0" i="0" u="none" strike="noStrike" dirty="0">
-                        <a:solidFill>
-                          <a:srgbClr val="000000"/>
-                        </a:solidFill>
-                        <a:effectLst/>
-                        <a:latin typeface="Calibri" panose="020F0502020204030204" pitchFamily="34" charset="0"/>
-                      </a:endParaRPr>
-                    </a:p>
-                  </a:txBody>
-                  <a:tcPr marL="8337" marR="8337" marT="8337" marB="0" anchor="ctr"/>
-                </a:tc>
-                <a:tc>
-                  <a:txBody>
-                    <a:bodyPr/>
-                    <a:lstStyle/>
-                    <a:p>
-                      <a:pPr algn="ctr" fontAlgn="ctr"/>
-                      <a:r>
-                        <a:rPr lang="pt-BR" sz="1100" u="none" strike="noStrike">
-                          <a:effectLst/>
-                        </a:rPr>
-                        <a:t>6,13E-08</a:t>
-                      </a:r>
-                      <a:endParaRPr lang="pt-BR" sz="1100" b="0" i="0" u="none" strike="noStrike">
-                        <a:solidFill>
-                          <a:srgbClr val="000000"/>
-                        </a:solidFill>
-                        <a:effectLst/>
-                        <a:latin typeface="Calibri" panose="020F0502020204030204" pitchFamily="34" charset="0"/>
-                      </a:endParaRPr>
-                    </a:p>
-                  </a:txBody>
-                  <a:tcPr marL="8337" marR="8337" marT="8337" marB="0" anchor="ctr"/>
-                </a:tc>
-                <a:tc>
-                  <a:txBody>
-                    <a:bodyPr/>
-                    <a:lstStyle/>
-                    <a:p>
-                      <a:pPr algn="l" fontAlgn="b"/>
-                      <a:endParaRPr lang="pt-BR" sz="1100" b="0" i="0" u="none" strike="noStrike">
-                        <a:solidFill>
-                          <a:srgbClr val="000000"/>
-                        </a:solidFill>
-                        <a:effectLst/>
-                        <a:latin typeface="Calibri" panose="020F0502020204030204" pitchFamily="34" charset="0"/>
-                      </a:endParaRPr>
-                    </a:p>
-                  </a:txBody>
-                  <a:tcPr marL="8337" marR="8337" marT="8337" marB="0" anchor="b"/>
-                </a:tc>
-                <a:tc vMerge="1">
-                  <a:txBody>
-                    <a:bodyPr/>
-                    <a:lstStyle/>
-                    <a:p>
-                      <a:endParaRPr lang="pt-BR"/>
-                    </a:p>
-                  </a:txBody>
-                  <a:tcPr/>
-                </a:tc>
-                <a:tc vMerge="1">
-                  <a:txBody>
-                    <a:bodyPr/>
-                    <a:lstStyle/>
-                    <a:p>
-                      <a:endParaRPr lang="pt-BR"/>
-                    </a:p>
-                  </a:txBody>
-                  <a:tcPr/>
-                </a:tc>
-                <a:tc>
-                  <a:txBody>
-                    <a:bodyPr/>
-                    <a:lstStyle/>
-                    <a:p>
-                      <a:pPr algn="ctr" fontAlgn="ctr"/>
-                      <a:r>
-                        <a:rPr lang="pt-BR" sz="1100" u="none" strike="noStrike" dirty="0">
-                          <a:effectLst/>
-                        </a:rPr>
-                        <a:t>Gaussian</a:t>
-                      </a:r>
-                      <a:endParaRPr lang="pt-BR" sz="1100" b="0" i="0" u="none" strike="noStrike" dirty="0">
-                        <a:solidFill>
-                          <a:srgbClr val="000000"/>
-                        </a:solidFill>
-                        <a:effectLst/>
-                        <a:latin typeface="Calibri" panose="020F0502020204030204" pitchFamily="34" charset="0"/>
-                      </a:endParaRPr>
-                    </a:p>
-                  </a:txBody>
-                  <a:tcPr marL="8337" marR="8337" marT="8337" marB="0" anchor="ctr"/>
-                </a:tc>
-                <a:tc>
-                  <a:txBody>
-                    <a:bodyPr/>
-                    <a:lstStyle/>
-                    <a:p>
-                      <a:pPr algn="ctr" fontAlgn="ctr"/>
-                      <a:r>
-                        <a:rPr lang="pt-BR" sz="1100" u="none" strike="noStrike">
-                          <a:effectLst/>
-                        </a:rPr>
-                        <a:t>6,13E-08</a:t>
-                      </a:r>
-                      <a:endParaRPr lang="pt-BR" sz="1100" b="0" i="0" u="none" strike="noStrike">
-                        <a:solidFill>
-                          <a:srgbClr val="000000"/>
-                        </a:solidFill>
-                        <a:effectLst/>
-                        <a:latin typeface="Calibri" panose="020F0502020204030204" pitchFamily="34" charset="0"/>
-                      </a:endParaRPr>
-                    </a:p>
-                  </a:txBody>
-                  <a:tcPr marL="8337" marR="8337" marT="8337" marB="0" anchor="ctr"/>
-                </a:tc>
-                <a:tc>
-                  <a:txBody>
-                    <a:bodyPr/>
-                    <a:lstStyle/>
-                    <a:p>
-                      <a:pPr algn="l" fontAlgn="b"/>
-                      <a:endParaRPr lang="pt-BR" sz="1100" b="0" i="0" u="none" strike="noStrike">
-                        <a:solidFill>
-                          <a:srgbClr val="000000"/>
-                        </a:solidFill>
-                        <a:effectLst/>
-                        <a:latin typeface="Calibri" panose="020F0502020204030204" pitchFamily="34" charset="0"/>
-                      </a:endParaRPr>
-                    </a:p>
-                  </a:txBody>
-                  <a:tcPr marL="8337" marR="8337" marT="8337" marB="0" anchor="b"/>
-                </a:tc>
-                <a:tc vMerge="1">
-                  <a:txBody>
-                    <a:bodyPr/>
-                    <a:lstStyle/>
-                    <a:p>
-                      <a:endParaRPr lang="pt-BR"/>
-                    </a:p>
-                  </a:txBody>
-                  <a:tcPr/>
-                </a:tc>
-                <a:tc vMerge="1">
-                  <a:txBody>
-                    <a:bodyPr/>
-                    <a:lstStyle/>
-                    <a:p>
-                      <a:endParaRPr lang="pt-BR"/>
-                    </a:p>
-                  </a:txBody>
-                  <a:tcPr/>
-                </a:tc>
-                <a:tc>
-                  <a:txBody>
-                    <a:bodyPr/>
-                    <a:lstStyle/>
-                    <a:p>
-                      <a:pPr algn="ctr" fontAlgn="ctr"/>
-                      <a:r>
-                        <a:rPr lang="pt-BR" sz="1100" u="none" strike="noStrike" dirty="0">
-                          <a:effectLst/>
-                        </a:rPr>
-                        <a:t>Gaussian</a:t>
-                      </a:r>
-                      <a:endParaRPr lang="pt-BR" sz="1100" b="0" i="0" u="none" strike="noStrike" dirty="0">
-                        <a:solidFill>
-                          <a:srgbClr val="000000"/>
-                        </a:solidFill>
-                        <a:effectLst/>
-                        <a:latin typeface="Calibri" panose="020F0502020204030204" pitchFamily="34" charset="0"/>
-                      </a:endParaRPr>
-                    </a:p>
-                  </a:txBody>
-                  <a:tcPr marL="8337" marR="8337" marT="8337" marB="0" anchor="ctr"/>
-                </a:tc>
-                <a:tc>
-                  <a:txBody>
-                    <a:bodyPr/>
-                    <a:lstStyle/>
-                    <a:p>
-                      <a:pPr algn="ctr" fontAlgn="ctr"/>
-                      <a:r>
-                        <a:rPr lang="pt-BR" sz="1100" u="none" strike="noStrike">
-                          <a:effectLst/>
-                        </a:rPr>
-                        <a:t>6,13E-08</a:t>
-                      </a:r>
-                      <a:endParaRPr lang="pt-BR" sz="1100" b="0" i="0" u="none" strike="noStrike">
-                        <a:solidFill>
-                          <a:srgbClr val="000000"/>
-                        </a:solidFill>
-                        <a:effectLst/>
-                        <a:latin typeface="Calibri" panose="020F0502020204030204" pitchFamily="34" charset="0"/>
-                      </a:endParaRPr>
-                    </a:p>
-                  </a:txBody>
-                  <a:tcPr marL="8337" marR="8337" marT="8337" marB="0" anchor="ctr"/>
-                </a:tc>
-              </a:tr>
-              <a:tr h="166738">
-                <a:tc vMerge="1">
-                  <a:txBody>
-                    <a:bodyPr/>
-                    <a:lstStyle/>
-                    <a:p>
-                      <a:endParaRPr lang="pt-BR"/>
-                    </a:p>
-                  </a:txBody>
-                  <a:tcPr/>
-                </a:tc>
-                <a:tc rowSpan="2">
-                  <a:txBody>
-                    <a:bodyPr/>
-                    <a:lstStyle/>
-                    <a:p>
-                      <a:pPr algn="ctr" fontAlgn="ctr"/>
-                      <a:r>
-                        <a:rPr lang="pt-BR" sz="1100" u="none" strike="noStrike">
-                          <a:effectLst/>
-                        </a:rPr>
-                        <a:t>1</a:t>
-                      </a:r>
-                      <a:endParaRPr lang="pt-BR" sz="1100" b="0" i="0" u="none" strike="noStrike">
-                        <a:solidFill>
-                          <a:srgbClr val="000000"/>
-                        </a:solidFill>
-                        <a:effectLst/>
-                        <a:latin typeface="Calibri" panose="020F0502020204030204" pitchFamily="34" charset="0"/>
-                      </a:endParaRPr>
-                    </a:p>
-                  </a:txBody>
-                  <a:tcPr marL="8337" marR="8337" marT="8337" marB="0" anchor="ctr"/>
-                </a:tc>
-                <a:tc>
-                  <a:txBody>
-                    <a:bodyPr/>
-                    <a:lstStyle/>
-                    <a:p>
-                      <a:pPr algn="ctr" fontAlgn="ctr"/>
-                      <a:r>
-                        <a:rPr lang="pt-BR" sz="1100" u="none" strike="noStrike">
-                          <a:effectLst/>
-                        </a:rPr>
-                        <a:t>Forest</a:t>
-                      </a:r>
-                      <a:endParaRPr lang="pt-BR" sz="1100" b="0" i="0" u="none" strike="noStrike">
-                        <a:solidFill>
-                          <a:srgbClr val="000000"/>
-                        </a:solidFill>
-                        <a:effectLst/>
-                        <a:latin typeface="Calibri" panose="020F0502020204030204" pitchFamily="34" charset="0"/>
-                      </a:endParaRPr>
-                    </a:p>
-                  </a:txBody>
-                  <a:tcPr marL="8337" marR="8337" marT="8337" marB="0" anchor="ctr"/>
-                </a:tc>
-                <a:tc>
-                  <a:txBody>
-                    <a:bodyPr/>
-                    <a:lstStyle/>
-                    <a:p>
-                      <a:pPr algn="ctr" fontAlgn="ctr"/>
-                      <a:r>
-                        <a:rPr lang="pt-BR" sz="1100" u="none" strike="noStrike">
-                          <a:effectLst/>
-                        </a:rPr>
-                        <a:t>1,592975</a:t>
-                      </a:r>
-                      <a:endParaRPr lang="pt-BR" sz="1100" b="0" i="0" u="none" strike="noStrike">
-                        <a:solidFill>
-                          <a:srgbClr val="000000"/>
-                        </a:solidFill>
-                        <a:effectLst/>
-                        <a:latin typeface="Calibri" panose="020F0502020204030204" pitchFamily="34" charset="0"/>
-                      </a:endParaRPr>
-                    </a:p>
-                  </a:txBody>
-                  <a:tcPr marL="8337" marR="8337" marT="8337" marB="0" anchor="ctr"/>
-                </a:tc>
-                <a:tc>
-                  <a:txBody>
-                    <a:bodyPr/>
-                    <a:lstStyle/>
-                    <a:p>
-                      <a:pPr algn="l" fontAlgn="b"/>
-                      <a:endParaRPr lang="pt-BR" sz="1100" b="0" i="0" u="none" strike="noStrike">
-                        <a:solidFill>
-                          <a:srgbClr val="000000"/>
-                        </a:solidFill>
-                        <a:effectLst/>
-                        <a:latin typeface="Calibri" panose="020F0502020204030204" pitchFamily="34" charset="0"/>
-                      </a:endParaRPr>
-                    </a:p>
-                  </a:txBody>
-                  <a:tcPr marL="8337" marR="8337" marT="8337" marB="0" anchor="b"/>
-                </a:tc>
-                <a:tc vMerge="1">
-                  <a:txBody>
-                    <a:bodyPr/>
-                    <a:lstStyle/>
-                    <a:p>
-                      <a:endParaRPr lang="pt-BR"/>
-                    </a:p>
-                  </a:txBody>
-                  <a:tcPr/>
-                </a:tc>
-                <a:tc rowSpan="2">
-                  <a:txBody>
-                    <a:bodyPr/>
-                    <a:lstStyle/>
-                    <a:p>
-                      <a:pPr algn="ctr" fontAlgn="ctr"/>
-                      <a:r>
-                        <a:rPr lang="pt-BR" sz="1100" u="none" strike="noStrike" dirty="0">
-                          <a:effectLst/>
-                        </a:rPr>
-                        <a:t>1</a:t>
-                      </a:r>
-                      <a:endParaRPr lang="pt-BR" sz="1100" b="0" i="0" u="none" strike="noStrike" dirty="0">
-                        <a:solidFill>
-                          <a:srgbClr val="000000"/>
-                        </a:solidFill>
-                        <a:effectLst/>
-                        <a:latin typeface="Calibri" panose="020F0502020204030204" pitchFamily="34" charset="0"/>
-                      </a:endParaRPr>
-                    </a:p>
-                  </a:txBody>
-                  <a:tcPr marL="8337" marR="8337" marT="8337" marB="0" anchor="ctr"/>
-                </a:tc>
-                <a:tc>
-                  <a:txBody>
-                    <a:bodyPr/>
-                    <a:lstStyle/>
-                    <a:p>
-                      <a:pPr algn="ctr" fontAlgn="ctr"/>
-                      <a:r>
-                        <a:rPr lang="pt-BR" sz="1100" u="none" strike="noStrike">
-                          <a:effectLst/>
-                        </a:rPr>
-                        <a:t>Forest</a:t>
-                      </a:r>
-                      <a:endParaRPr lang="pt-BR" sz="1100" b="0" i="0" u="none" strike="noStrike">
-                        <a:solidFill>
-                          <a:srgbClr val="000000"/>
-                        </a:solidFill>
-                        <a:effectLst/>
-                        <a:latin typeface="Calibri" panose="020F0502020204030204" pitchFamily="34" charset="0"/>
-                      </a:endParaRPr>
-                    </a:p>
-                  </a:txBody>
-                  <a:tcPr marL="8337" marR="8337" marT="8337" marB="0" anchor="ctr"/>
-                </a:tc>
-                <a:tc>
-                  <a:txBody>
-                    <a:bodyPr/>
-                    <a:lstStyle/>
-                    <a:p>
-                      <a:pPr algn="ctr" fontAlgn="ctr"/>
-                      <a:r>
-                        <a:rPr lang="pt-BR" sz="1100" u="none" strike="noStrike">
-                          <a:effectLst/>
-                        </a:rPr>
-                        <a:t>1,484625</a:t>
-                      </a:r>
-                      <a:endParaRPr lang="pt-BR" sz="1100" b="0" i="0" u="none" strike="noStrike">
-                        <a:solidFill>
-                          <a:srgbClr val="000000"/>
-                        </a:solidFill>
-                        <a:effectLst/>
-                        <a:latin typeface="Calibri" panose="020F0502020204030204" pitchFamily="34" charset="0"/>
-                      </a:endParaRPr>
-                    </a:p>
-                  </a:txBody>
-                  <a:tcPr marL="8337" marR="8337" marT="8337" marB="0" anchor="ctr"/>
-                </a:tc>
-                <a:tc>
-                  <a:txBody>
-                    <a:bodyPr/>
-                    <a:lstStyle/>
-                    <a:p>
-                      <a:pPr algn="l" fontAlgn="b"/>
-                      <a:endParaRPr lang="pt-BR" sz="1100" b="0" i="0" u="none" strike="noStrike">
-                        <a:solidFill>
-                          <a:srgbClr val="000000"/>
-                        </a:solidFill>
-                        <a:effectLst/>
-                        <a:latin typeface="Calibri" panose="020F0502020204030204" pitchFamily="34" charset="0"/>
-                      </a:endParaRPr>
-                    </a:p>
-                  </a:txBody>
-                  <a:tcPr marL="8337" marR="8337" marT="8337" marB="0" anchor="b"/>
-                </a:tc>
-                <a:tc vMerge="1">
-                  <a:txBody>
-                    <a:bodyPr/>
-                    <a:lstStyle/>
-                    <a:p>
-                      <a:endParaRPr lang="pt-BR"/>
-                    </a:p>
-                  </a:txBody>
-                  <a:tcPr/>
-                </a:tc>
-                <a:tc rowSpan="2">
-                  <a:txBody>
-                    <a:bodyPr/>
-                    <a:lstStyle/>
-                    <a:p>
-                      <a:pPr algn="ctr" fontAlgn="ctr"/>
-                      <a:r>
-                        <a:rPr lang="pt-BR" sz="1100" u="none" strike="noStrike">
-                          <a:effectLst/>
-                        </a:rPr>
-                        <a:t>1</a:t>
-                      </a:r>
-                      <a:endParaRPr lang="pt-BR" sz="1100" b="0" i="0" u="none" strike="noStrike">
-                        <a:solidFill>
-                          <a:srgbClr val="000000"/>
-                        </a:solidFill>
-                        <a:effectLst/>
-                        <a:latin typeface="Calibri" panose="020F0502020204030204" pitchFamily="34" charset="0"/>
-                      </a:endParaRPr>
-                    </a:p>
-                  </a:txBody>
-                  <a:tcPr marL="8337" marR="8337" marT="8337" marB="0" anchor="ctr"/>
-                </a:tc>
-                <a:tc>
-                  <a:txBody>
-                    <a:bodyPr/>
-                    <a:lstStyle/>
-                    <a:p>
-                      <a:pPr algn="ctr" fontAlgn="ctr"/>
-                      <a:r>
-                        <a:rPr lang="pt-BR" sz="1100" u="none" strike="noStrike">
-                          <a:effectLst/>
-                        </a:rPr>
-                        <a:t>Forest</a:t>
-                      </a:r>
-                      <a:endParaRPr lang="pt-BR" sz="1100" b="0" i="0" u="none" strike="noStrike">
-                        <a:solidFill>
-                          <a:srgbClr val="000000"/>
-                        </a:solidFill>
-                        <a:effectLst/>
-                        <a:latin typeface="Calibri" panose="020F0502020204030204" pitchFamily="34" charset="0"/>
-                      </a:endParaRPr>
-                    </a:p>
-                  </a:txBody>
-                  <a:tcPr marL="8337" marR="8337" marT="8337" marB="0" anchor="ctr"/>
-                </a:tc>
-                <a:tc>
-                  <a:txBody>
-                    <a:bodyPr/>
-                    <a:lstStyle/>
-                    <a:p>
-                      <a:pPr algn="ctr" fontAlgn="ctr"/>
-                      <a:r>
-                        <a:rPr lang="pt-BR" sz="1100" u="none" strike="noStrike">
-                          <a:effectLst/>
-                        </a:rPr>
-                        <a:t>1,710075</a:t>
-                      </a:r>
-                      <a:endParaRPr lang="pt-BR" sz="1100" b="0" i="0" u="none" strike="noStrike">
-                        <a:solidFill>
-                          <a:srgbClr val="000000"/>
-                        </a:solidFill>
-                        <a:effectLst/>
-                        <a:latin typeface="Calibri" panose="020F0502020204030204" pitchFamily="34" charset="0"/>
-                      </a:endParaRPr>
-                    </a:p>
-                  </a:txBody>
-                  <a:tcPr marL="8337" marR="8337" marT="8337" marB="0" anchor="ctr"/>
-                </a:tc>
-              </a:tr>
-              <a:tr h="166738">
-                <a:tc vMerge="1">
-                  <a:txBody>
-                    <a:bodyPr/>
-                    <a:lstStyle/>
-                    <a:p>
-                      <a:endParaRPr lang="pt-BR"/>
-                    </a:p>
-                  </a:txBody>
-                  <a:tcPr/>
-                </a:tc>
-                <a:tc vMerge="1">
-                  <a:txBody>
-                    <a:bodyPr/>
-                    <a:lstStyle/>
-                    <a:p>
-                      <a:endParaRPr lang="pt-BR"/>
-                    </a:p>
-                  </a:txBody>
-                  <a:tcPr/>
-                </a:tc>
-                <a:tc>
-                  <a:txBody>
-                    <a:bodyPr/>
-                    <a:lstStyle/>
-                    <a:p>
-                      <a:pPr algn="ctr" fontAlgn="ctr"/>
-                      <a:r>
-                        <a:rPr lang="pt-BR" sz="1100" u="none" strike="noStrike" dirty="0">
-                          <a:effectLst/>
-                        </a:rPr>
-                        <a:t>Gaussian</a:t>
-                      </a:r>
-                      <a:endParaRPr lang="pt-BR" sz="1100" b="0" i="0" u="none" strike="noStrike" dirty="0">
-                        <a:solidFill>
-                          <a:srgbClr val="000000"/>
-                        </a:solidFill>
-                        <a:effectLst/>
-                        <a:latin typeface="Calibri" panose="020F0502020204030204" pitchFamily="34" charset="0"/>
-                      </a:endParaRPr>
-                    </a:p>
-                  </a:txBody>
-                  <a:tcPr marL="8337" marR="8337" marT="8337" marB="0" anchor="ctr"/>
-                </a:tc>
-                <a:tc>
-                  <a:txBody>
-                    <a:bodyPr/>
-                    <a:lstStyle/>
-                    <a:p>
-                      <a:pPr algn="ctr" fontAlgn="ctr"/>
-                      <a:r>
-                        <a:rPr lang="pt-BR" sz="1100" u="none" strike="noStrike">
-                          <a:effectLst/>
-                        </a:rPr>
-                        <a:t>3,45E-06</a:t>
-                      </a:r>
-                      <a:endParaRPr lang="pt-BR" sz="1100" b="0" i="0" u="none" strike="noStrike">
-                        <a:solidFill>
-                          <a:srgbClr val="000000"/>
-                        </a:solidFill>
-                        <a:effectLst/>
-                        <a:latin typeface="Calibri" panose="020F0502020204030204" pitchFamily="34" charset="0"/>
-                      </a:endParaRPr>
-                    </a:p>
-                  </a:txBody>
-                  <a:tcPr marL="8337" marR="8337" marT="8337" marB="0" anchor="ctr"/>
-                </a:tc>
-                <a:tc>
-                  <a:txBody>
-                    <a:bodyPr/>
-                    <a:lstStyle/>
-                    <a:p>
-                      <a:pPr algn="l" fontAlgn="b"/>
-                      <a:endParaRPr lang="pt-BR" sz="1100" b="0" i="0" u="none" strike="noStrike" dirty="0">
-                        <a:solidFill>
-                          <a:srgbClr val="000000"/>
-                        </a:solidFill>
-                        <a:effectLst/>
-                        <a:latin typeface="Calibri" panose="020F0502020204030204" pitchFamily="34" charset="0"/>
-                      </a:endParaRPr>
-                    </a:p>
-                  </a:txBody>
-                  <a:tcPr marL="8337" marR="8337" marT="8337" marB="0" anchor="b"/>
-                </a:tc>
-                <a:tc vMerge="1">
-                  <a:txBody>
-                    <a:bodyPr/>
-                    <a:lstStyle/>
-                    <a:p>
-                      <a:endParaRPr lang="pt-BR"/>
-                    </a:p>
-                  </a:txBody>
-                  <a:tcPr/>
-                </a:tc>
-                <a:tc vMerge="1">
-                  <a:txBody>
-                    <a:bodyPr/>
-                    <a:lstStyle/>
-                    <a:p>
-                      <a:endParaRPr lang="pt-BR"/>
-                    </a:p>
-                  </a:txBody>
-                  <a:tcPr/>
-                </a:tc>
-                <a:tc>
-                  <a:txBody>
-                    <a:bodyPr/>
-                    <a:lstStyle/>
-                    <a:p>
-                      <a:pPr algn="ctr" fontAlgn="ctr"/>
-                      <a:r>
-                        <a:rPr lang="pt-BR" sz="1100" u="none" strike="noStrike" dirty="0">
-                          <a:effectLst/>
-                        </a:rPr>
-                        <a:t>Gaussian</a:t>
-                      </a:r>
-                      <a:endParaRPr lang="pt-BR" sz="1100" b="0" i="0" u="none" strike="noStrike" dirty="0">
-                        <a:solidFill>
-                          <a:srgbClr val="000000"/>
-                        </a:solidFill>
-                        <a:effectLst/>
-                        <a:latin typeface="Calibri" panose="020F0502020204030204" pitchFamily="34" charset="0"/>
-                      </a:endParaRPr>
-                    </a:p>
-                  </a:txBody>
-                  <a:tcPr marL="8337" marR="8337" marT="8337" marB="0" anchor="ctr"/>
-                </a:tc>
-                <a:tc>
-                  <a:txBody>
-                    <a:bodyPr/>
-                    <a:lstStyle/>
-                    <a:p>
-                      <a:pPr algn="ctr" fontAlgn="ctr"/>
-                      <a:r>
-                        <a:rPr lang="pt-BR" sz="1100" u="none" strike="noStrike">
-                          <a:effectLst/>
-                        </a:rPr>
-                        <a:t>3,45E-06</a:t>
-                      </a:r>
-                      <a:endParaRPr lang="pt-BR" sz="1100" b="0" i="0" u="none" strike="noStrike">
-                        <a:solidFill>
-                          <a:srgbClr val="000000"/>
-                        </a:solidFill>
-                        <a:effectLst/>
-                        <a:latin typeface="Calibri" panose="020F0502020204030204" pitchFamily="34" charset="0"/>
-                      </a:endParaRPr>
-                    </a:p>
-                  </a:txBody>
-                  <a:tcPr marL="8337" marR="8337" marT="8337" marB="0" anchor="ctr"/>
-                </a:tc>
-                <a:tc>
-                  <a:txBody>
-                    <a:bodyPr/>
-                    <a:lstStyle/>
-                    <a:p>
-                      <a:pPr algn="l" fontAlgn="b"/>
-                      <a:endParaRPr lang="pt-BR" sz="1100" b="0" i="0" u="none" strike="noStrike">
-                        <a:solidFill>
-                          <a:srgbClr val="000000"/>
-                        </a:solidFill>
-                        <a:effectLst/>
-                        <a:latin typeface="Calibri" panose="020F0502020204030204" pitchFamily="34" charset="0"/>
-                      </a:endParaRPr>
-                    </a:p>
-                  </a:txBody>
-                  <a:tcPr marL="8337" marR="8337" marT="8337" marB="0" anchor="b"/>
-                </a:tc>
-                <a:tc vMerge="1">
-                  <a:txBody>
-                    <a:bodyPr/>
-                    <a:lstStyle/>
-                    <a:p>
-                      <a:endParaRPr lang="pt-BR"/>
-                    </a:p>
-                  </a:txBody>
-                  <a:tcPr/>
-                </a:tc>
-                <a:tc vMerge="1">
-                  <a:txBody>
-                    <a:bodyPr/>
-                    <a:lstStyle/>
-                    <a:p>
-                      <a:endParaRPr lang="pt-BR"/>
-                    </a:p>
-                  </a:txBody>
-                  <a:tcPr/>
-                </a:tc>
-                <a:tc>
-                  <a:txBody>
-                    <a:bodyPr/>
-                    <a:lstStyle/>
-                    <a:p>
-                      <a:pPr algn="ctr" fontAlgn="ctr"/>
-                      <a:r>
-                        <a:rPr lang="pt-BR" sz="1100" u="none" strike="noStrike" dirty="0">
-                          <a:effectLst/>
-                        </a:rPr>
-                        <a:t>Gaussian</a:t>
-                      </a:r>
-                      <a:endParaRPr lang="pt-BR" sz="1100" b="0" i="0" u="none" strike="noStrike" dirty="0">
-                        <a:solidFill>
-                          <a:srgbClr val="000000"/>
-                        </a:solidFill>
-                        <a:effectLst/>
-                        <a:latin typeface="Calibri" panose="020F0502020204030204" pitchFamily="34" charset="0"/>
-                      </a:endParaRPr>
-                    </a:p>
-                  </a:txBody>
-                  <a:tcPr marL="8337" marR="8337" marT="8337" marB="0" anchor="ctr"/>
-                </a:tc>
-                <a:tc>
-                  <a:txBody>
-                    <a:bodyPr/>
-                    <a:lstStyle/>
-                    <a:p>
-                      <a:pPr algn="ctr" fontAlgn="ctr"/>
-                      <a:r>
-                        <a:rPr lang="pt-BR" sz="1100" u="none" strike="noStrike">
-                          <a:effectLst/>
-                        </a:rPr>
-                        <a:t>3,45E-06</a:t>
-                      </a:r>
-                      <a:endParaRPr lang="pt-BR" sz="1100" b="0" i="0" u="none" strike="noStrike">
-                        <a:solidFill>
-                          <a:srgbClr val="000000"/>
-                        </a:solidFill>
-                        <a:effectLst/>
-                        <a:latin typeface="Calibri" panose="020F0502020204030204" pitchFamily="34" charset="0"/>
-                      </a:endParaRPr>
-                    </a:p>
-                  </a:txBody>
-                  <a:tcPr marL="8337" marR="8337" marT="8337" marB="0" anchor="ctr"/>
-                </a:tc>
-              </a:tr>
-              <a:tr h="166738">
-                <a:tc rowSpan="6">
-                  <a:txBody>
-                    <a:bodyPr/>
-                    <a:lstStyle/>
-                    <a:p>
-                      <a:pPr algn="ctr" fontAlgn="ctr"/>
-                      <a:r>
-                        <a:rPr lang="pt-BR" sz="1100" u="none" strike="noStrike">
-                          <a:effectLst/>
-                        </a:rPr>
-                        <a:t>3</a:t>
-                      </a:r>
-                      <a:endParaRPr lang="pt-BR" sz="1100" b="0" i="0" u="none" strike="noStrike">
-                        <a:solidFill>
-                          <a:srgbClr val="000000"/>
-                        </a:solidFill>
-                        <a:effectLst/>
-                        <a:latin typeface="Calibri" panose="020F0502020204030204" pitchFamily="34" charset="0"/>
-                      </a:endParaRPr>
-                    </a:p>
-                  </a:txBody>
-                  <a:tcPr marL="8337" marR="8337" marT="8337" marB="0" anchor="ctr"/>
-                </a:tc>
-                <a:tc rowSpan="2">
-                  <a:txBody>
-                    <a:bodyPr/>
-                    <a:lstStyle/>
-                    <a:p>
-                      <a:pPr algn="ctr" fontAlgn="ctr"/>
-                      <a:r>
-                        <a:rPr lang="pt-BR" sz="1100" u="none" strike="noStrike">
-                          <a:effectLst/>
-                        </a:rPr>
-                        <a:t>0</a:t>
-                      </a:r>
-                      <a:endParaRPr lang="pt-BR" sz="1100" b="0" i="0" u="none" strike="noStrike">
-                        <a:solidFill>
-                          <a:srgbClr val="000000"/>
-                        </a:solidFill>
-                        <a:effectLst/>
-                        <a:latin typeface="Calibri" panose="020F0502020204030204" pitchFamily="34" charset="0"/>
-                      </a:endParaRPr>
-                    </a:p>
-                  </a:txBody>
-                  <a:tcPr marL="8337" marR="8337" marT="8337" marB="0" anchor="ctr"/>
-                </a:tc>
-                <a:tc>
-                  <a:txBody>
-                    <a:bodyPr/>
-                    <a:lstStyle/>
-                    <a:p>
-                      <a:pPr algn="ctr" fontAlgn="ctr"/>
-                      <a:r>
-                        <a:rPr lang="pt-BR" sz="1100" u="none" strike="noStrike">
-                          <a:effectLst/>
-                        </a:rPr>
-                        <a:t>Forest</a:t>
-                      </a:r>
-                      <a:endParaRPr lang="pt-BR" sz="1100" b="0" i="0" u="none" strike="noStrike">
-                        <a:solidFill>
-                          <a:srgbClr val="000000"/>
-                        </a:solidFill>
-                        <a:effectLst/>
-                        <a:latin typeface="Calibri" panose="020F0502020204030204" pitchFamily="34" charset="0"/>
-                      </a:endParaRPr>
-                    </a:p>
-                  </a:txBody>
-                  <a:tcPr marL="8337" marR="8337" marT="8337" marB="0" anchor="ctr"/>
-                </a:tc>
-                <a:tc>
-                  <a:txBody>
-                    <a:bodyPr/>
-                    <a:lstStyle/>
-                    <a:p>
-                      <a:pPr algn="ctr" fontAlgn="ctr"/>
-                      <a:r>
-                        <a:rPr lang="pt-BR" sz="1100" u="none" strike="noStrike">
-                          <a:effectLst/>
-                        </a:rPr>
-                        <a:t>11,708000</a:t>
-                      </a:r>
-                      <a:endParaRPr lang="pt-BR" sz="1100" b="0" i="0" u="none" strike="noStrike">
-                        <a:solidFill>
-                          <a:srgbClr val="000000"/>
-                        </a:solidFill>
-                        <a:effectLst/>
-                        <a:latin typeface="Calibri" panose="020F0502020204030204" pitchFamily="34" charset="0"/>
-                      </a:endParaRPr>
-                    </a:p>
-                  </a:txBody>
-                  <a:tcPr marL="8337" marR="8337" marT="8337" marB="0" anchor="ctr"/>
-                </a:tc>
-                <a:tc>
-                  <a:txBody>
-                    <a:bodyPr/>
-                    <a:lstStyle/>
-                    <a:p>
-                      <a:pPr algn="l" fontAlgn="b"/>
-                      <a:endParaRPr lang="pt-BR" sz="1100" b="0" i="0" u="none" strike="noStrike">
-                        <a:solidFill>
-                          <a:srgbClr val="000000"/>
-                        </a:solidFill>
-                        <a:effectLst/>
-                        <a:latin typeface="Calibri" panose="020F0502020204030204" pitchFamily="34" charset="0"/>
-                      </a:endParaRPr>
-                    </a:p>
-                  </a:txBody>
-                  <a:tcPr marL="8337" marR="8337" marT="8337" marB="0" anchor="b"/>
-                </a:tc>
-                <a:tc rowSpan="6">
-                  <a:txBody>
-                    <a:bodyPr/>
-                    <a:lstStyle/>
-                    <a:p>
-                      <a:pPr algn="ctr" fontAlgn="ctr"/>
-                      <a:r>
-                        <a:rPr lang="pt-BR" sz="1100" u="none" strike="noStrike">
-                          <a:effectLst/>
-                        </a:rPr>
-                        <a:t>3</a:t>
-                      </a:r>
-                      <a:endParaRPr lang="pt-BR" sz="1100" b="0" i="0" u="none" strike="noStrike">
-                        <a:solidFill>
-                          <a:srgbClr val="000000"/>
-                        </a:solidFill>
-                        <a:effectLst/>
-                        <a:latin typeface="Calibri" panose="020F0502020204030204" pitchFamily="34" charset="0"/>
-                      </a:endParaRPr>
-                    </a:p>
-                  </a:txBody>
-                  <a:tcPr marL="8337" marR="8337" marT="8337" marB="0" anchor="ctr"/>
-                </a:tc>
-                <a:tc rowSpan="2">
-                  <a:txBody>
-                    <a:bodyPr/>
-                    <a:lstStyle/>
-                    <a:p>
-                      <a:pPr algn="ctr" fontAlgn="ctr"/>
-                      <a:r>
-                        <a:rPr lang="pt-BR" sz="1100" u="none" strike="noStrike">
-                          <a:effectLst/>
-                        </a:rPr>
-                        <a:t>0</a:t>
-                      </a:r>
-                      <a:endParaRPr lang="pt-BR" sz="1100" b="0" i="0" u="none" strike="noStrike">
-                        <a:solidFill>
-                          <a:srgbClr val="000000"/>
-                        </a:solidFill>
-                        <a:effectLst/>
-                        <a:latin typeface="Calibri" panose="020F0502020204030204" pitchFamily="34" charset="0"/>
-                      </a:endParaRPr>
-                    </a:p>
-                  </a:txBody>
-                  <a:tcPr marL="8337" marR="8337" marT="8337" marB="0" anchor="ctr"/>
-                </a:tc>
-                <a:tc>
-                  <a:txBody>
-                    <a:bodyPr/>
-                    <a:lstStyle/>
-                    <a:p>
-                      <a:pPr algn="ctr" fontAlgn="ctr"/>
-                      <a:r>
-                        <a:rPr lang="pt-BR" sz="1100" u="none" strike="noStrike">
-                          <a:effectLst/>
-                        </a:rPr>
-                        <a:t>Forest</a:t>
-                      </a:r>
-                      <a:endParaRPr lang="pt-BR" sz="1100" b="0" i="0" u="none" strike="noStrike">
-                        <a:solidFill>
-                          <a:srgbClr val="000000"/>
-                        </a:solidFill>
-                        <a:effectLst/>
-                        <a:latin typeface="Calibri" panose="020F0502020204030204" pitchFamily="34" charset="0"/>
-                      </a:endParaRPr>
-                    </a:p>
-                  </a:txBody>
-                  <a:tcPr marL="8337" marR="8337" marT="8337" marB="0" anchor="ctr"/>
-                </a:tc>
-                <a:tc>
-                  <a:txBody>
-                    <a:bodyPr/>
-                    <a:lstStyle/>
-                    <a:p>
-                      <a:pPr algn="ctr" fontAlgn="ctr"/>
-                      <a:r>
-                        <a:rPr lang="pt-BR" sz="1100" u="none" strike="noStrike">
-                          <a:effectLst/>
-                        </a:rPr>
-                        <a:t>11,582000</a:t>
-                      </a:r>
-                      <a:endParaRPr lang="pt-BR" sz="1100" b="0" i="0" u="none" strike="noStrike">
-                        <a:solidFill>
-                          <a:srgbClr val="000000"/>
-                        </a:solidFill>
-                        <a:effectLst/>
-                        <a:latin typeface="Calibri" panose="020F0502020204030204" pitchFamily="34" charset="0"/>
-                      </a:endParaRPr>
-                    </a:p>
-                  </a:txBody>
-                  <a:tcPr marL="8337" marR="8337" marT="8337" marB="0" anchor="ctr"/>
-                </a:tc>
-                <a:tc>
-                  <a:txBody>
-                    <a:bodyPr/>
-                    <a:lstStyle/>
-                    <a:p>
-                      <a:pPr algn="l" fontAlgn="b"/>
-                      <a:endParaRPr lang="pt-BR" sz="1100" b="0" i="0" u="none" strike="noStrike">
-                        <a:solidFill>
-                          <a:srgbClr val="000000"/>
-                        </a:solidFill>
-                        <a:effectLst/>
-                        <a:latin typeface="Calibri" panose="020F0502020204030204" pitchFamily="34" charset="0"/>
-                      </a:endParaRPr>
-                    </a:p>
-                  </a:txBody>
-                  <a:tcPr marL="8337" marR="8337" marT="8337" marB="0" anchor="b"/>
-                </a:tc>
-                <a:tc rowSpan="6">
-                  <a:txBody>
-                    <a:bodyPr/>
-                    <a:lstStyle/>
-                    <a:p>
-                      <a:pPr algn="ctr" fontAlgn="ctr"/>
-                      <a:r>
-                        <a:rPr lang="pt-BR" sz="1100" u="none" strike="noStrike">
-                          <a:effectLst/>
-                        </a:rPr>
-                        <a:t>3</a:t>
-                      </a:r>
-                      <a:endParaRPr lang="pt-BR" sz="1100" b="0" i="0" u="none" strike="noStrike">
-                        <a:solidFill>
-                          <a:srgbClr val="000000"/>
-                        </a:solidFill>
-                        <a:effectLst/>
-                        <a:latin typeface="Calibri" panose="020F0502020204030204" pitchFamily="34" charset="0"/>
-                      </a:endParaRPr>
-                    </a:p>
-                  </a:txBody>
-                  <a:tcPr marL="8337" marR="8337" marT="8337" marB="0" anchor="ctr"/>
-                </a:tc>
-                <a:tc rowSpan="2">
-                  <a:txBody>
-                    <a:bodyPr/>
-                    <a:lstStyle/>
-                    <a:p>
-                      <a:pPr algn="ctr" fontAlgn="ctr"/>
-                      <a:r>
-                        <a:rPr lang="pt-BR" sz="1100" u="none" strike="noStrike">
-                          <a:effectLst/>
-                        </a:rPr>
-                        <a:t>0</a:t>
-                      </a:r>
-                      <a:endParaRPr lang="pt-BR" sz="1100" b="0" i="0" u="none" strike="noStrike">
-                        <a:solidFill>
-                          <a:srgbClr val="000000"/>
-                        </a:solidFill>
-                        <a:effectLst/>
-                        <a:latin typeface="Calibri" panose="020F0502020204030204" pitchFamily="34" charset="0"/>
-                      </a:endParaRPr>
-                    </a:p>
-                  </a:txBody>
-                  <a:tcPr marL="8337" marR="8337" marT="8337" marB="0" anchor="ctr"/>
-                </a:tc>
-                <a:tc>
-                  <a:txBody>
-                    <a:bodyPr/>
-                    <a:lstStyle/>
-                    <a:p>
-                      <a:pPr algn="ctr" fontAlgn="ctr"/>
-                      <a:r>
-                        <a:rPr lang="pt-BR" sz="1100" u="none" strike="noStrike">
-                          <a:effectLst/>
-                        </a:rPr>
-                        <a:t>Forest</a:t>
-                      </a:r>
-                      <a:endParaRPr lang="pt-BR" sz="1100" b="0" i="0" u="none" strike="noStrike">
-                        <a:solidFill>
-                          <a:srgbClr val="000000"/>
-                        </a:solidFill>
-                        <a:effectLst/>
-                        <a:latin typeface="Calibri" panose="020F0502020204030204" pitchFamily="34" charset="0"/>
-                      </a:endParaRPr>
-                    </a:p>
-                  </a:txBody>
-                  <a:tcPr marL="8337" marR="8337" marT="8337" marB="0" anchor="ctr"/>
-                </a:tc>
-                <a:tc>
-                  <a:txBody>
-                    <a:bodyPr/>
-                    <a:lstStyle/>
-                    <a:p>
-                      <a:pPr algn="ctr" fontAlgn="ctr"/>
-                      <a:r>
-                        <a:rPr lang="pt-BR" sz="1100" u="none" strike="noStrike">
-                          <a:effectLst/>
-                        </a:rPr>
-                        <a:t>2,310300</a:t>
-                      </a:r>
-                      <a:endParaRPr lang="pt-BR" sz="1100" b="0" i="0" u="none" strike="noStrike">
-                        <a:solidFill>
-                          <a:srgbClr val="000000"/>
-                        </a:solidFill>
-                        <a:effectLst/>
-                        <a:latin typeface="Calibri" panose="020F0502020204030204" pitchFamily="34" charset="0"/>
-                      </a:endParaRPr>
-                    </a:p>
-                  </a:txBody>
-                  <a:tcPr marL="8337" marR="8337" marT="8337" marB="0" anchor="ctr"/>
-                </a:tc>
-              </a:tr>
-              <a:tr h="166738">
-                <a:tc vMerge="1">
-                  <a:txBody>
-                    <a:bodyPr/>
-                    <a:lstStyle/>
-                    <a:p>
-                      <a:endParaRPr lang="pt-BR"/>
-                    </a:p>
-                  </a:txBody>
-                  <a:tcPr/>
-                </a:tc>
-                <a:tc vMerge="1">
-                  <a:txBody>
-                    <a:bodyPr/>
-                    <a:lstStyle/>
-                    <a:p>
-                      <a:endParaRPr lang="pt-BR"/>
-                    </a:p>
-                  </a:txBody>
-                  <a:tcPr/>
-                </a:tc>
-                <a:tc>
-                  <a:txBody>
-                    <a:bodyPr/>
-                    <a:lstStyle/>
-                    <a:p>
-                      <a:pPr algn="ctr" fontAlgn="ctr"/>
-                      <a:r>
-                        <a:rPr lang="pt-BR" sz="1100" u="none" strike="noStrike" dirty="0">
-                          <a:effectLst/>
-                        </a:rPr>
-                        <a:t>Gaussian</a:t>
-                      </a:r>
-                      <a:endParaRPr lang="pt-BR" sz="1100" b="0" i="0" u="none" strike="noStrike" dirty="0">
-                        <a:solidFill>
-                          <a:srgbClr val="000000"/>
-                        </a:solidFill>
-                        <a:effectLst/>
-                        <a:latin typeface="Calibri" panose="020F0502020204030204" pitchFamily="34" charset="0"/>
-                      </a:endParaRPr>
-                    </a:p>
-                  </a:txBody>
-                  <a:tcPr marL="8337" marR="8337" marT="8337" marB="0" anchor="ctr"/>
-                </a:tc>
-                <a:tc>
-                  <a:txBody>
-                    <a:bodyPr/>
-                    <a:lstStyle/>
-                    <a:p>
-                      <a:pPr algn="ctr" fontAlgn="ctr"/>
-                      <a:r>
-                        <a:rPr lang="pt-BR" sz="1100" u="none" strike="noStrike">
-                          <a:effectLst/>
-                        </a:rPr>
-                        <a:t>0,015984</a:t>
-                      </a:r>
-                      <a:endParaRPr lang="pt-BR" sz="1100" b="0" i="0" u="none" strike="noStrike">
-                        <a:solidFill>
-                          <a:srgbClr val="000000"/>
-                        </a:solidFill>
-                        <a:effectLst/>
-                        <a:latin typeface="Calibri" panose="020F0502020204030204" pitchFamily="34" charset="0"/>
-                      </a:endParaRPr>
-                    </a:p>
-                  </a:txBody>
-                  <a:tcPr marL="8337" marR="8337" marT="8337" marB="0" anchor="ctr"/>
-                </a:tc>
-                <a:tc>
-                  <a:txBody>
-                    <a:bodyPr/>
-                    <a:lstStyle/>
-                    <a:p>
-                      <a:pPr algn="l" fontAlgn="b"/>
-                      <a:endParaRPr lang="pt-BR" sz="1100" b="0" i="0" u="none" strike="noStrike">
-                        <a:solidFill>
-                          <a:srgbClr val="000000"/>
-                        </a:solidFill>
-                        <a:effectLst/>
-                        <a:latin typeface="Calibri" panose="020F0502020204030204" pitchFamily="34" charset="0"/>
-                      </a:endParaRPr>
-                    </a:p>
-                  </a:txBody>
-                  <a:tcPr marL="8337" marR="8337" marT="8337" marB="0" anchor="b"/>
-                </a:tc>
-                <a:tc vMerge="1">
-                  <a:txBody>
-                    <a:bodyPr/>
-                    <a:lstStyle/>
-                    <a:p>
-                      <a:endParaRPr lang="pt-BR"/>
-                    </a:p>
-                  </a:txBody>
-                  <a:tcPr/>
-                </a:tc>
-                <a:tc vMerge="1">
-                  <a:txBody>
-                    <a:bodyPr/>
-                    <a:lstStyle/>
-                    <a:p>
-                      <a:endParaRPr lang="pt-BR"/>
-                    </a:p>
-                  </a:txBody>
-                  <a:tcPr/>
-                </a:tc>
-                <a:tc>
-                  <a:txBody>
-                    <a:bodyPr/>
-                    <a:lstStyle/>
-                    <a:p>
-                      <a:pPr algn="ctr" fontAlgn="ctr"/>
-                      <a:r>
-                        <a:rPr lang="pt-BR" sz="1100" u="none" strike="noStrike" dirty="0">
-                          <a:effectLst/>
-                        </a:rPr>
-                        <a:t>Gaussian</a:t>
-                      </a:r>
-                      <a:endParaRPr lang="pt-BR" sz="1100" b="0" i="0" u="none" strike="noStrike" dirty="0">
-                        <a:solidFill>
-                          <a:srgbClr val="000000"/>
-                        </a:solidFill>
-                        <a:effectLst/>
-                        <a:latin typeface="Calibri" panose="020F0502020204030204" pitchFamily="34" charset="0"/>
-                      </a:endParaRPr>
-                    </a:p>
-                  </a:txBody>
-                  <a:tcPr marL="8337" marR="8337" marT="8337" marB="0" anchor="ctr"/>
-                </a:tc>
-                <a:tc>
-                  <a:txBody>
-                    <a:bodyPr/>
-                    <a:lstStyle/>
-                    <a:p>
-                      <a:pPr algn="ctr" fontAlgn="ctr"/>
-                      <a:r>
-                        <a:rPr lang="pt-BR" sz="1100" u="none" strike="noStrike">
-                          <a:effectLst/>
-                        </a:rPr>
-                        <a:t>0,015984</a:t>
-                      </a:r>
-                      <a:endParaRPr lang="pt-BR" sz="1100" b="0" i="0" u="none" strike="noStrike">
-                        <a:solidFill>
-                          <a:srgbClr val="000000"/>
-                        </a:solidFill>
-                        <a:effectLst/>
-                        <a:latin typeface="Calibri" panose="020F0502020204030204" pitchFamily="34" charset="0"/>
-                      </a:endParaRPr>
-                    </a:p>
-                  </a:txBody>
-                  <a:tcPr marL="8337" marR="8337" marT="8337" marB="0" anchor="ctr"/>
-                </a:tc>
-                <a:tc>
-                  <a:txBody>
-                    <a:bodyPr/>
-                    <a:lstStyle/>
-                    <a:p>
-                      <a:pPr algn="l" fontAlgn="b"/>
-                      <a:endParaRPr lang="pt-BR" sz="1100" b="0" i="0" u="none" strike="noStrike">
-                        <a:solidFill>
-                          <a:srgbClr val="000000"/>
-                        </a:solidFill>
-                        <a:effectLst/>
-                        <a:latin typeface="Calibri" panose="020F0502020204030204" pitchFamily="34" charset="0"/>
-                      </a:endParaRPr>
-                    </a:p>
-                  </a:txBody>
-                  <a:tcPr marL="8337" marR="8337" marT="8337" marB="0" anchor="b"/>
-                </a:tc>
-                <a:tc vMerge="1">
-                  <a:txBody>
-                    <a:bodyPr/>
-                    <a:lstStyle/>
-                    <a:p>
-                      <a:endParaRPr lang="pt-BR"/>
-                    </a:p>
-                  </a:txBody>
-                  <a:tcPr/>
-                </a:tc>
-                <a:tc vMerge="1">
-                  <a:txBody>
-                    <a:bodyPr/>
-                    <a:lstStyle/>
-                    <a:p>
-                      <a:endParaRPr lang="pt-BR"/>
-                    </a:p>
-                  </a:txBody>
-                  <a:tcPr/>
-                </a:tc>
-                <a:tc>
-                  <a:txBody>
-                    <a:bodyPr/>
-                    <a:lstStyle/>
-                    <a:p>
-                      <a:pPr algn="ctr" fontAlgn="ctr"/>
-                      <a:r>
-                        <a:rPr lang="pt-BR" sz="1100" u="none" strike="noStrike" dirty="0">
-                          <a:effectLst/>
-                        </a:rPr>
-                        <a:t>Gaussian</a:t>
-                      </a:r>
-                      <a:endParaRPr lang="pt-BR" sz="1100" b="0" i="0" u="none" strike="noStrike" dirty="0">
-                        <a:solidFill>
-                          <a:srgbClr val="000000"/>
-                        </a:solidFill>
-                        <a:effectLst/>
-                        <a:latin typeface="Calibri" panose="020F0502020204030204" pitchFamily="34" charset="0"/>
-                      </a:endParaRPr>
-                    </a:p>
-                  </a:txBody>
-                  <a:tcPr marL="8337" marR="8337" marT="8337" marB="0" anchor="ctr"/>
-                </a:tc>
-                <a:tc>
-                  <a:txBody>
-                    <a:bodyPr/>
-                    <a:lstStyle/>
-                    <a:p>
-                      <a:pPr algn="ctr" fontAlgn="ctr"/>
-                      <a:r>
-                        <a:rPr lang="pt-BR" sz="1100" u="none" strike="noStrike">
-                          <a:effectLst/>
-                        </a:rPr>
-                        <a:t>2,03E-05</a:t>
-                      </a:r>
-                      <a:endParaRPr lang="pt-BR" sz="1100" b="0" i="0" u="none" strike="noStrike">
-                        <a:solidFill>
-                          <a:srgbClr val="000000"/>
-                        </a:solidFill>
-                        <a:effectLst/>
-                        <a:latin typeface="Calibri" panose="020F0502020204030204" pitchFamily="34" charset="0"/>
-                      </a:endParaRPr>
-                    </a:p>
-                  </a:txBody>
-                  <a:tcPr marL="8337" marR="8337" marT="8337" marB="0" anchor="ctr"/>
-                </a:tc>
-              </a:tr>
-              <a:tr h="166738">
-                <a:tc vMerge="1">
-                  <a:txBody>
-                    <a:bodyPr/>
-                    <a:lstStyle/>
-                    <a:p>
-                      <a:endParaRPr lang="pt-BR"/>
-                    </a:p>
-                  </a:txBody>
-                  <a:tcPr/>
-                </a:tc>
-                <a:tc rowSpan="2">
-                  <a:txBody>
-                    <a:bodyPr/>
-                    <a:lstStyle/>
-                    <a:p>
-                      <a:pPr algn="ctr" fontAlgn="ctr"/>
-                      <a:r>
-                        <a:rPr lang="pt-BR" sz="1100" u="none" strike="noStrike">
-                          <a:effectLst/>
-                        </a:rPr>
-                        <a:t>1</a:t>
-                      </a:r>
-                      <a:endParaRPr lang="pt-BR" sz="1100" b="0" i="0" u="none" strike="noStrike">
-                        <a:solidFill>
-                          <a:srgbClr val="000000"/>
-                        </a:solidFill>
-                        <a:effectLst/>
-                        <a:latin typeface="Calibri" panose="020F0502020204030204" pitchFamily="34" charset="0"/>
-                      </a:endParaRPr>
-                    </a:p>
-                  </a:txBody>
-                  <a:tcPr marL="8337" marR="8337" marT="8337" marB="0" anchor="ctr"/>
-                </a:tc>
-                <a:tc>
-                  <a:txBody>
-                    <a:bodyPr/>
-                    <a:lstStyle/>
-                    <a:p>
-                      <a:pPr algn="ctr" fontAlgn="ctr"/>
-                      <a:r>
-                        <a:rPr lang="pt-BR" sz="1100" u="none" strike="noStrike">
-                          <a:effectLst/>
-                        </a:rPr>
-                        <a:t>Forest</a:t>
-                      </a:r>
-                      <a:endParaRPr lang="pt-BR" sz="1100" b="0" i="0" u="none" strike="noStrike">
-                        <a:solidFill>
-                          <a:srgbClr val="000000"/>
-                        </a:solidFill>
-                        <a:effectLst/>
-                        <a:latin typeface="Calibri" panose="020F0502020204030204" pitchFamily="34" charset="0"/>
-                      </a:endParaRPr>
-                    </a:p>
-                  </a:txBody>
-                  <a:tcPr marL="8337" marR="8337" marT="8337" marB="0" anchor="ctr"/>
-                </a:tc>
-                <a:tc>
-                  <a:txBody>
-                    <a:bodyPr/>
-                    <a:lstStyle/>
-                    <a:p>
-                      <a:pPr algn="ctr" fontAlgn="ctr"/>
-                      <a:r>
-                        <a:rPr lang="pt-BR" sz="1100" u="none" strike="noStrike">
-                          <a:effectLst/>
-                        </a:rPr>
-                        <a:t>1,960450</a:t>
-                      </a:r>
-                      <a:endParaRPr lang="pt-BR" sz="1100" b="0" i="0" u="none" strike="noStrike">
-                        <a:solidFill>
-                          <a:srgbClr val="000000"/>
-                        </a:solidFill>
-                        <a:effectLst/>
-                        <a:latin typeface="Calibri" panose="020F0502020204030204" pitchFamily="34" charset="0"/>
-                      </a:endParaRPr>
-                    </a:p>
-                  </a:txBody>
-                  <a:tcPr marL="8337" marR="8337" marT="8337" marB="0" anchor="ctr"/>
-                </a:tc>
-                <a:tc>
-                  <a:txBody>
-                    <a:bodyPr/>
-                    <a:lstStyle/>
-                    <a:p>
-                      <a:pPr algn="l" fontAlgn="b"/>
-                      <a:endParaRPr lang="pt-BR" sz="1100" b="0" i="0" u="none" strike="noStrike">
-                        <a:solidFill>
-                          <a:srgbClr val="000000"/>
-                        </a:solidFill>
-                        <a:effectLst/>
-                        <a:latin typeface="Calibri" panose="020F0502020204030204" pitchFamily="34" charset="0"/>
-                      </a:endParaRPr>
-                    </a:p>
-                  </a:txBody>
-                  <a:tcPr marL="8337" marR="8337" marT="8337" marB="0" anchor="b"/>
-                </a:tc>
-                <a:tc vMerge="1">
-                  <a:txBody>
-                    <a:bodyPr/>
-                    <a:lstStyle/>
-                    <a:p>
-                      <a:endParaRPr lang="pt-BR"/>
-                    </a:p>
-                  </a:txBody>
-                  <a:tcPr/>
-                </a:tc>
-                <a:tc rowSpan="2">
-                  <a:txBody>
-                    <a:bodyPr/>
-                    <a:lstStyle/>
-                    <a:p>
-                      <a:pPr algn="ctr" fontAlgn="ctr"/>
-                      <a:r>
-                        <a:rPr lang="pt-BR" sz="1100" u="none" strike="noStrike">
-                          <a:effectLst/>
-                        </a:rPr>
-                        <a:t>1</a:t>
-                      </a:r>
-                      <a:endParaRPr lang="pt-BR" sz="1100" b="0" i="0" u="none" strike="noStrike">
-                        <a:solidFill>
-                          <a:srgbClr val="000000"/>
-                        </a:solidFill>
-                        <a:effectLst/>
-                        <a:latin typeface="Calibri" panose="020F0502020204030204" pitchFamily="34" charset="0"/>
-                      </a:endParaRPr>
-                    </a:p>
-                  </a:txBody>
-                  <a:tcPr marL="8337" marR="8337" marT="8337" marB="0" anchor="ctr"/>
-                </a:tc>
-                <a:tc>
-                  <a:txBody>
-                    <a:bodyPr/>
-                    <a:lstStyle/>
-                    <a:p>
-                      <a:pPr algn="ctr" fontAlgn="ctr"/>
-                      <a:r>
-                        <a:rPr lang="pt-BR" sz="1100" u="none" strike="noStrike">
-                          <a:effectLst/>
-                        </a:rPr>
-                        <a:t>Forest</a:t>
-                      </a:r>
-                      <a:endParaRPr lang="pt-BR" sz="1100" b="0" i="0" u="none" strike="noStrike">
-                        <a:solidFill>
-                          <a:srgbClr val="000000"/>
-                        </a:solidFill>
-                        <a:effectLst/>
-                        <a:latin typeface="Calibri" panose="020F0502020204030204" pitchFamily="34" charset="0"/>
-                      </a:endParaRPr>
-                    </a:p>
-                  </a:txBody>
-                  <a:tcPr marL="8337" marR="8337" marT="8337" marB="0" anchor="ctr"/>
-                </a:tc>
-                <a:tc>
-                  <a:txBody>
-                    <a:bodyPr/>
-                    <a:lstStyle/>
-                    <a:p>
-                      <a:pPr algn="ctr" fontAlgn="ctr"/>
-                      <a:r>
-                        <a:rPr lang="pt-BR" sz="1100" u="none" strike="noStrike">
-                          <a:effectLst/>
-                        </a:rPr>
-                        <a:t>1,699300</a:t>
-                      </a:r>
-                      <a:endParaRPr lang="pt-BR" sz="1100" b="0" i="0" u="none" strike="noStrike">
-                        <a:solidFill>
-                          <a:srgbClr val="000000"/>
-                        </a:solidFill>
-                        <a:effectLst/>
-                        <a:latin typeface="Calibri" panose="020F0502020204030204" pitchFamily="34" charset="0"/>
-                      </a:endParaRPr>
-                    </a:p>
-                  </a:txBody>
-                  <a:tcPr marL="8337" marR="8337" marT="8337" marB="0" anchor="ctr"/>
-                </a:tc>
-                <a:tc>
-                  <a:txBody>
-                    <a:bodyPr/>
-                    <a:lstStyle/>
-                    <a:p>
-                      <a:pPr algn="l" fontAlgn="b"/>
-                      <a:endParaRPr lang="pt-BR" sz="1100" b="0" i="0" u="none" strike="noStrike">
-                        <a:solidFill>
-                          <a:srgbClr val="000000"/>
-                        </a:solidFill>
-                        <a:effectLst/>
-                        <a:latin typeface="Calibri" panose="020F0502020204030204" pitchFamily="34" charset="0"/>
-                      </a:endParaRPr>
-                    </a:p>
-                  </a:txBody>
-                  <a:tcPr marL="8337" marR="8337" marT="8337" marB="0" anchor="b"/>
-                </a:tc>
-                <a:tc vMerge="1">
-                  <a:txBody>
-                    <a:bodyPr/>
-                    <a:lstStyle/>
-                    <a:p>
-                      <a:endParaRPr lang="pt-BR"/>
-                    </a:p>
-                  </a:txBody>
-                  <a:tcPr/>
-                </a:tc>
-                <a:tc rowSpan="2">
-                  <a:txBody>
-                    <a:bodyPr/>
-                    <a:lstStyle/>
-                    <a:p>
-                      <a:pPr algn="ctr" fontAlgn="ctr"/>
-                      <a:r>
-                        <a:rPr lang="pt-BR" sz="1100" u="none" strike="noStrike">
-                          <a:effectLst/>
-                        </a:rPr>
-                        <a:t>1</a:t>
-                      </a:r>
-                      <a:endParaRPr lang="pt-BR" sz="1100" b="0" i="0" u="none" strike="noStrike">
-                        <a:solidFill>
-                          <a:srgbClr val="000000"/>
-                        </a:solidFill>
-                        <a:effectLst/>
-                        <a:latin typeface="Calibri" panose="020F0502020204030204" pitchFamily="34" charset="0"/>
-                      </a:endParaRPr>
-                    </a:p>
-                  </a:txBody>
-                  <a:tcPr marL="8337" marR="8337" marT="8337" marB="0" anchor="ctr"/>
-                </a:tc>
-                <a:tc>
-                  <a:txBody>
-                    <a:bodyPr/>
-                    <a:lstStyle/>
-                    <a:p>
-                      <a:pPr algn="ctr" fontAlgn="ctr"/>
-                      <a:r>
-                        <a:rPr lang="pt-BR" sz="1100" u="none" strike="noStrike">
-                          <a:effectLst/>
-                        </a:rPr>
-                        <a:t>Forest</a:t>
-                      </a:r>
-                      <a:endParaRPr lang="pt-BR" sz="1100" b="0" i="0" u="none" strike="noStrike">
-                        <a:solidFill>
-                          <a:srgbClr val="000000"/>
-                        </a:solidFill>
-                        <a:effectLst/>
-                        <a:latin typeface="Calibri" panose="020F0502020204030204" pitchFamily="34" charset="0"/>
-                      </a:endParaRPr>
-                    </a:p>
-                  </a:txBody>
-                  <a:tcPr marL="8337" marR="8337" marT="8337" marB="0" anchor="ctr"/>
-                </a:tc>
-                <a:tc>
-                  <a:txBody>
-                    <a:bodyPr/>
-                    <a:lstStyle/>
-                    <a:p>
-                      <a:pPr algn="ctr" fontAlgn="ctr"/>
-                      <a:r>
-                        <a:rPr lang="pt-BR" sz="1100" u="none" strike="noStrike">
-                          <a:effectLst/>
-                        </a:rPr>
-                        <a:t>1,542375</a:t>
-                      </a:r>
-                      <a:endParaRPr lang="pt-BR" sz="1100" b="0" i="0" u="none" strike="noStrike">
-                        <a:solidFill>
-                          <a:srgbClr val="000000"/>
-                        </a:solidFill>
-                        <a:effectLst/>
-                        <a:latin typeface="Calibri" panose="020F0502020204030204" pitchFamily="34" charset="0"/>
-                      </a:endParaRPr>
-                    </a:p>
-                  </a:txBody>
-                  <a:tcPr marL="8337" marR="8337" marT="8337" marB="0" anchor="ctr"/>
-                </a:tc>
-              </a:tr>
-              <a:tr h="166738">
-                <a:tc vMerge="1">
-                  <a:txBody>
-                    <a:bodyPr/>
-                    <a:lstStyle/>
-                    <a:p>
-                      <a:endParaRPr lang="pt-BR"/>
-                    </a:p>
-                  </a:txBody>
-                  <a:tcPr/>
-                </a:tc>
-                <a:tc vMerge="1">
-                  <a:txBody>
-                    <a:bodyPr/>
-                    <a:lstStyle/>
-                    <a:p>
-                      <a:endParaRPr lang="pt-BR"/>
-                    </a:p>
-                  </a:txBody>
-                  <a:tcPr/>
-                </a:tc>
-                <a:tc>
-                  <a:txBody>
-                    <a:bodyPr/>
-                    <a:lstStyle/>
-                    <a:p>
-                      <a:pPr algn="ctr" fontAlgn="ctr"/>
-                      <a:r>
-                        <a:rPr lang="pt-BR" sz="1100" u="none" strike="noStrike" dirty="0">
-                          <a:effectLst/>
-                        </a:rPr>
-                        <a:t>Gaussian</a:t>
-                      </a:r>
-                      <a:endParaRPr lang="pt-BR" sz="1100" b="0" i="0" u="none" strike="noStrike" dirty="0">
-                        <a:solidFill>
-                          <a:srgbClr val="000000"/>
-                        </a:solidFill>
-                        <a:effectLst/>
-                        <a:latin typeface="Calibri" panose="020F0502020204030204" pitchFamily="34" charset="0"/>
-                      </a:endParaRPr>
-                    </a:p>
-                  </a:txBody>
-                  <a:tcPr marL="8337" marR="8337" marT="8337" marB="0" anchor="ctr"/>
-                </a:tc>
-                <a:tc>
-                  <a:txBody>
-                    <a:bodyPr/>
-                    <a:lstStyle/>
-                    <a:p>
-                      <a:pPr algn="ctr" fontAlgn="ctr"/>
-                      <a:r>
-                        <a:rPr lang="pt-BR" sz="1100" u="none" strike="noStrike">
-                          <a:effectLst/>
-                        </a:rPr>
-                        <a:t>3,45E-06</a:t>
-                      </a:r>
-                      <a:endParaRPr lang="pt-BR" sz="1100" b="0" i="0" u="none" strike="noStrike">
-                        <a:solidFill>
-                          <a:srgbClr val="000000"/>
-                        </a:solidFill>
-                        <a:effectLst/>
-                        <a:latin typeface="Calibri" panose="020F0502020204030204" pitchFamily="34" charset="0"/>
-                      </a:endParaRPr>
-                    </a:p>
-                  </a:txBody>
-                  <a:tcPr marL="8337" marR="8337" marT="8337" marB="0" anchor="ctr"/>
-                </a:tc>
-                <a:tc>
-                  <a:txBody>
-                    <a:bodyPr/>
-                    <a:lstStyle/>
-                    <a:p>
-                      <a:pPr algn="l" fontAlgn="b"/>
-                      <a:endParaRPr lang="pt-BR" sz="1100" b="0" i="0" u="none" strike="noStrike">
-                        <a:solidFill>
-                          <a:srgbClr val="000000"/>
-                        </a:solidFill>
-                        <a:effectLst/>
-                        <a:latin typeface="Calibri" panose="020F0502020204030204" pitchFamily="34" charset="0"/>
-                      </a:endParaRPr>
-                    </a:p>
-                  </a:txBody>
-                  <a:tcPr marL="8337" marR="8337" marT="8337" marB="0" anchor="b"/>
-                </a:tc>
-                <a:tc vMerge="1">
-                  <a:txBody>
-                    <a:bodyPr/>
-                    <a:lstStyle/>
-                    <a:p>
-                      <a:endParaRPr lang="pt-BR"/>
-                    </a:p>
-                  </a:txBody>
-                  <a:tcPr/>
-                </a:tc>
-                <a:tc vMerge="1">
-                  <a:txBody>
-                    <a:bodyPr/>
-                    <a:lstStyle/>
-                    <a:p>
-                      <a:endParaRPr lang="pt-BR"/>
-                    </a:p>
-                  </a:txBody>
-                  <a:tcPr/>
-                </a:tc>
-                <a:tc>
-                  <a:txBody>
-                    <a:bodyPr/>
-                    <a:lstStyle/>
-                    <a:p>
-                      <a:pPr algn="ctr" fontAlgn="ctr"/>
-                      <a:r>
-                        <a:rPr lang="pt-BR" sz="1100" u="none" strike="noStrike" dirty="0">
-                          <a:effectLst/>
-                        </a:rPr>
-                        <a:t>Gaussian</a:t>
-                      </a:r>
-                      <a:endParaRPr lang="pt-BR" sz="1100" b="0" i="0" u="none" strike="noStrike" dirty="0">
-                        <a:solidFill>
-                          <a:srgbClr val="000000"/>
-                        </a:solidFill>
-                        <a:effectLst/>
-                        <a:latin typeface="Calibri" panose="020F0502020204030204" pitchFamily="34" charset="0"/>
-                      </a:endParaRPr>
-                    </a:p>
-                  </a:txBody>
-                  <a:tcPr marL="8337" marR="8337" marT="8337" marB="0" anchor="ctr"/>
-                </a:tc>
-                <a:tc>
-                  <a:txBody>
-                    <a:bodyPr/>
-                    <a:lstStyle/>
-                    <a:p>
-                      <a:pPr algn="ctr" fontAlgn="ctr"/>
-                      <a:r>
-                        <a:rPr lang="pt-BR" sz="1100" u="none" strike="noStrike">
-                          <a:effectLst/>
-                        </a:rPr>
-                        <a:t>3,45E-06</a:t>
-                      </a:r>
-                      <a:endParaRPr lang="pt-BR" sz="1100" b="0" i="0" u="none" strike="noStrike">
-                        <a:solidFill>
-                          <a:srgbClr val="000000"/>
-                        </a:solidFill>
-                        <a:effectLst/>
-                        <a:latin typeface="Calibri" panose="020F0502020204030204" pitchFamily="34" charset="0"/>
-                      </a:endParaRPr>
-                    </a:p>
-                  </a:txBody>
-                  <a:tcPr marL="8337" marR="8337" marT="8337" marB="0" anchor="ctr"/>
-                </a:tc>
-                <a:tc>
-                  <a:txBody>
-                    <a:bodyPr/>
-                    <a:lstStyle/>
-                    <a:p>
-                      <a:pPr algn="l" fontAlgn="b"/>
-                      <a:endParaRPr lang="pt-BR" sz="1100" b="0" i="0" u="none" strike="noStrike">
-                        <a:solidFill>
-                          <a:srgbClr val="000000"/>
-                        </a:solidFill>
-                        <a:effectLst/>
-                        <a:latin typeface="Calibri" panose="020F0502020204030204" pitchFamily="34" charset="0"/>
-                      </a:endParaRPr>
-                    </a:p>
-                  </a:txBody>
-                  <a:tcPr marL="8337" marR="8337" marT="8337" marB="0" anchor="b"/>
-                </a:tc>
-                <a:tc vMerge="1">
-                  <a:txBody>
-                    <a:bodyPr/>
-                    <a:lstStyle/>
-                    <a:p>
-                      <a:endParaRPr lang="pt-BR"/>
-                    </a:p>
-                  </a:txBody>
-                  <a:tcPr/>
-                </a:tc>
-                <a:tc vMerge="1">
-                  <a:txBody>
-                    <a:bodyPr/>
-                    <a:lstStyle/>
-                    <a:p>
-                      <a:endParaRPr lang="pt-BR"/>
-                    </a:p>
-                  </a:txBody>
-                  <a:tcPr/>
-                </a:tc>
-                <a:tc>
-                  <a:txBody>
-                    <a:bodyPr/>
-                    <a:lstStyle/>
-                    <a:p>
-                      <a:pPr algn="ctr" fontAlgn="ctr"/>
-                      <a:r>
-                        <a:rPr lang="pt-BR" sz="1100" u="none" strike="noStrike" dirty="0">
-                          <a:effectLst/>
-                        </a:rPr>
-                        <a:t>Gaussian</a:t>
-                      </a:r>
-                      <a:endParaRPr lang="pt-BR" sz="1100" b="0" i="0" u="none" strike="noStrike" dirty="0">
-                        <a:solidFill>
-                          <a:srgbClr val="000000"/>
-                        </a:solidFill>
-                        <a:effectLst/>
-                        <a:latin typeface="Calibri" panose="020F0502020204030204" pitchFamily="34" charset="0"/>
-                      </a:endParaRPr>
-                    </a:p>
-                  </a:txBody>
-                  <a:tcPr marL="8337" marR="8337" marT="8337" marB="0" anchor="ctr"/>
-                </a:tc>
-                <a:tc>
-                  <a:txBody>
-                    <a:bodyPr/>
-                    <a:lstStyle/>
-                    <a:p>
-                      <a:pPr algn="ctr" fontAlgn="ctr"/>
-                      <a:r>
-                        <a:rPr lang="pt-BR" sz="1100" u="none" strike="noStrike">
-                          <a:effectLst/>
-                        </a:rPr>
-                        <a:t>3,45E-06</a:t>
-                      </a:r>
-                      <a:endParaRPr lang="pt-BR" sz="1100" b="0" i="0" u="none" strike="noStrike">
-                        <a:solidFill>
-                          <a:srgbClr val="000000"/>
-                        </a:solidFill>
-                        <a:effectLst/>
-                        <a:latin typeface="Calibri" panose="020F0502020204030204" pitchFamily="34" charset="0"/>
-                      </a:endParaRPr>
-                    </a:p>
-                  </a:txBody>
-                  <a:tcPr marL="8337" marR="8337" marT="8337" marB="0" anchor="ctr"/>
-                </a:tc>
-              </a:tr>
-              <a:tr h="166738">
-                <a:tc vMerge="1">
-                  <a:txBody>
-                    <a:bodyPr/>
-                    <a:lstStyle/>
-                    <a:p>
-                      <a:endParaRPr lang="pt-BR"/>
-                    </a:p>
-                  </a:txBody>
-                  <a:tcPr/>
-                </a:tc>
-                <a:tc rowSpan="2">
-                  <a:txBody>
-                    <a:bodyPr/>
-                    <a:lstStyle/>
-                    <a:p>
-                      <a:pPr algn="ctr" fontAlgn="ctr"/>
-                      <a:r>
-                        <a:rPr lang="pt-BR" sz="1100" u="none" strike="noStrike">
-                          <a:effectLst/>
-                        </a:rPr>
-                        <a:t>2</a:t>
-                      </a:r>
-                      <a:endParaRPr lang="pt-BR" sz="1100" b="0" i="0" u="none" strike="noStrike">
-                        <a:solidFill>
-                          <a:srgbClr val="000000"/>
-                        </a:solidFill>
-                        <a:effectLst/>
-                        <a:latin typeface="Calibri" panose="020F0502020204030204" pitchFamily="34" charset="0"/>
-                      </a:endParaRPr>
-                    </a:p>
-                  </a:txBody>
-                  <a:tcPr marL="8337" marR="8337" marT="8337" marB="0" anchor="ctr"/>
-                </a:tc>
-                <a:tc>
-                  <a:txBody>
-                    <a:bodyPr/>
-                    <a:lstStyle/>
-                    <a:p>
-                      <a:pPr algn="ctr" fontAlgn="ctr"/>
-                      <a:r>
-                        <a:rPr lang="pt-BR" sz="1100" u="none" strike="noStrike">
-                          <a:effectLst/>
-                        </a:rPr>
-                        <a:t>Forest</a:t>
-                      </a:r>
-                      <a:endParaRPr lang="pt-BR" sz="1100" b="0" i="0" u="none" strike="noStrike">
-                        <a:solidFill>
-                          <a:srgbClr val="000000"/>
-                        </a:solidFill>
-                        <a:effectLst/>
-                        <a:latin typeface="Calibri" panose="020F0502020204030204" pitchFamily="34" charset="0"/>
-                      </a:endParaRPr>
-                    </a:p>
-                  </a:txBody>
-                  <a:tcPr marL="8337" marR="8337" marT="8337" marB="0" anchor="ctr"/>
-                </a:tc>
-                <a:tc>
-                  <a:txBody>
-                    <a:bodyPr/>
-                    <a:lstStyle/>
-                    <a:p>
-                      <a:pPr algn="ctr" fontAlgn="ctr"/>
-                      <a:r>
-                        <a:rPr lang="pt-BR" sz="1100" u="none" strike="noStrike">
-                          <a:effectLst/>
-                        </a:rPr>
-                        <a:t>2,352900</a:t>
-                      </a:r>
-                      <a:endParaRPr lang="pt-BR" sz="1100" b="0" i="0" u="none" strike="noStrike">
-                        <a:solidFill>
-                          <a:srgbClr val="000000"/>
-                        </a:solidFill>
-                        <a:effectLst/>
-                        <a:latin typeface="Calibri" panose="020F0502020204030204" pitchFamily="34" charset="0"/>
-                      </a:endParaRPr>
-                    </a:p>
-                  </a:txBody>
-                  <a:tcPr marL="8337" marR="8337" marT="8337" marB="0" anchor="ctr"/>
-                </a:tc>
-                <a:tc>
-                  <a:txBody>
-                    <a:bodyPr/>
-                    <a:lstStyle/>
-                    <a:p>
-                      <a:pPr algn="l" fontAlgn="b"/>
-                      <a:endParaRPr lang="pt-BR" sz="1100" b="0" i="0" u="none" strike="noStrike">
-                        <a:solidFill>
-                          <a:srgbClr val="000000"/>
-                        </a:solidFill>
-                        <a:effectLst/>
-                        <a:latin typeface="Calibri" panose="020F0502020204030204" pitchFamily="34" charset="0"/>
-                      </a:endParaRPr>
-                    </a:p>
-                  </a:txBody>
-                  <a:tcPr marL="8337" marR="8337" marT="8337" marB="0" anchor="b"/>
-                </a:tc>
-                <a:tc vMerge="1">
-                  <a:txBody>
-                    <a:bodyPr/>
-                    <a:lstStyle/>
-                    <a:p>
-                      <a:endParaRPr lang="pt-BR"/>
-                    </a:p>
-                  </a:txBody>
-                  <a:tcPr/>
-                </a:tc>
-                <a:tc rowSpan="2">
-                  <a:txBody>
-                    <a:bodyPr/>
-                    <a:lstStyle/>
-                    <a:p>
-                      <a:pPr algn="ctr" fontAlgn="ctr"/>
-                      <a:r>
-                        <a:rPr lang="pt-BR" sz="1100" u="none" strike="noStrike">
-                          <a:effectLst/>
-                        </a:rPr>
-                        <a:t>2</a:t>
-                      </a:r>
-                      <a:endParaRPr lang="pt-BR" sz="1100" b="0" i="0" u="none" strike="noStrike">
-                        <a:solidFill>
-                          <a:srgbClr val="000000"/>
-                        </a:solidFill>
-                        <a:effectLst/>
-                        <a:latin typeface="Calibri" panose="020F0502020204030204" pitchFamily="34" charset="0"/>
-                      </a:endParaRPr>
-                    </a:p>
-                  </a:txBody>
-                  <a:tcPr marL="8337" marR="8337" marT="8337" marB="0" anchor="ctr"/>
-                </a:tc>
-                <a:tc>
-                  <a:txBody>
-                    <a:bodyPr/>
-                    <a:lstStyle/>
-                    <a:p>
-                      <a:pPr algn="ctr" fontAlgn="ctr"/>
-                      <a:r>
-                        <a:rPr lang="pt-BR" sz="1100" u="none" strike="noStrike" dirty="0">
-                          <a:effectLst/>
-                        </a:rPr>
-                        <a:t>Forest</a:t>
-                      </a:r>
-                      <a:endParaRPr lang="pt-BR" sz="1100" b="0" i="0" u="none" strike="noStrike" dirty="0">
-                        <a:solidFill>
-                          <a:srgbClr val="000000"/>
-                        </a:solidFill>
-                        <a:effectLst/>
-                        <a:latin typeface="Calibri" panose="020F0502020204030204" pitchFamily="34" charset="0"/>
-                      </a:endParaRPr>
-                    </a:p>
-                  </a:txBody>
-                  <a:tcPr marL="8337" marR="8337" marT="8337" marB="0" anchor="ctr"/>
-                </a:tc>
-                <a:tc>
-                  <a:txBody>
-                    <a:bodyPr/>
-                    <a:lstStyle/>
-                    <a:p>
-                      <a:pPr algn="ctr" fontAlgn="ctr"/>
-                      <a:r>
-                        <a:rPr lang="pt-BR" sz="1100" u="none" strike="noStrike" dirty="0">
-                          <a:effectLst/>
-                        </a:rPr>
-                        <a:t>2,436400</a:t>
-                      </a:r>
-                      <a:endParaRPr lang="pt-BR" sz="1100" b="0" i="0" u="none" strike="noStrike" dirty="0">
-                        <a:solidFill>
-                          <a:srgbClr val="000000"/>
-                        </a:solidFill>
-                        <a:effectLst/>
-                        <a:latin typeface="Calibri" panose="020F0502020204030204" pitchFamily="34" charset="0"/>
-                      </a:endParaRPr>
-                    </a:p>
-                  </a:txBody>
-                  <a:tcPr marL="8337" marR="8337" marT="8337" marB="0" anchor="ctr"/>
-                </a:tc>
-                <a:tc>
-                  <a:txBody>
-                    <a:bodyPr/>
-                    <a:lstStyle/>
-                    <a:p>
-                      <a:pPr algn="l" fontAlgn="b"/>
-                      <a:endParaRPr lang="pt-BR" sz="1100" b="0" i="0" u="none" strike="noStrike">
-                        <a:solidFill>
-                          <a:srgbClr val="000000"/>
-                        </a:solidFill>
-                        <a:effectLst/>
-                        <a:latin typeface="Calibri" panose="020F0502020204030204" pitchFamily="34" charset="0"/>
-                      </a:endParaRPr>
-                    </a:p>
-                  </a:txBody>
-                  <a:tcPr marL="8337" marR="8337" marT="8337" marB="0" anchor="b"/>
-                </a:tc>
-                <a:tc vMerge="1">
-                  <a:txBody>
-                    <a:bodyPr/>
-                    <a:lstStyle/>
-                    <a:p>
-                      <a:endParaRPr lang="pt-BR"/>
-                    </a:p>
-                  </a:txBody>
-                  <a:tcPr/>
-                </a:tc>
-                <a:tc rowSpan="2">
-                  <a:txBody>
-                    <a:bodyPr/>
-                    <a:lstStyle/>
-                    <a:p>
-                      <a:pPr algn="ctr" fontAlgn="ctr"/>
-                      <a:r>
-                        <a:rPr lang="pt-BR" sz="1100" u="none" strike="noStrike">
-                          <a:effectLst/>
-                        </a:rPr>
-                        <a:t>2</a:t>
-                      </a:r>
-                      <a:endParaRPr lang="pt-BR" sz="1100" b="0" i="0" u="none" strike="noStrike">
-                        <a:solidFill>
-                          <a:srgbClr val="000000"/>
-                        </a:solidFill>
-                        <a:effectLst/>
-                        <a:latin typeface="Calibri" panose="020F0502020204030204" pitchFamily="34" charset="0"/>
-                      </a:endParaRPr>
-                    </a:p>
-                  </a:txBody>
-                  <a:tcPr marL="8337" marR="8337" marT="8337" marB="0" anchor="ctr"/>
-                </a:tc>
-                <a:tc>
-                  <a:txBody>
-                    <a:bodyPr/>
-                    <a:lstStyle/>
-                    <a:p>
-                      <a:pPr algn="ctr" fontAlgn="ctr"/>
-                      <a:r>
-                        <a:rPr lang="pt-BR" sz="1100" u="none" strike="noStrike">
-                          <a:effectLst/>
-                        </a:rPr>
-                        <a:t>Forest</a:t>
-                      </a:r>
-                      <a:endParaRPr lang="pt-BR" sz="1100" b="0" i="0" u="none" strike="noStrike">
-                        <a:solidFill>
-                          <a:srgbClr val="000000"/>
-                        </a:solidFill>
-                        <a:effectLst/>
-                        <a:latin typeface="Calibri" panose="020F0502020204030204" pitchFamily="34" charset="0"/>
-                      </a:endParaRPr>
-                    </a:p>
-                  </a:txBody>
-                  <a:tcPr marL="8337" marR="8337" marT="8337" marB="0" anchor="ctr"/>
-                </a:tc>
-                <a:tc>
-                  <a:txBody>
-                    <a:bodyPr/>
-                    <a:lstStyle/>
-                    <a:p>
-                      <a:pPr algn="ctr" fontAlgn="ctr"/>
-                      <a:r>
-                        <a:rPr lang="pt-BR" sz="1100" u="none" strike="noStrike">
-                          <a:effectLst/>
-                        </a:rPr>
-                        <a:t>11,564000</a:t>
-                      </a:r>
-                      <a:endParaRPr lang="pt-BR" sz="1100" b="0" i="0" u="none" strike="noStrike">
-                        <a:solidFill>
-                          <a:srgbClr val="000000"/>
-                        </a:solidFill>
-                        <a:effectLst/>
-                        <a:latin typeface="Calibri" panose="020F0502020204030204" pitchFamily="34" charset="0"/>
-                      </a:endParaRPr>
-                    </a:p>
-                  </a:txBody>
-                  <a:tcPr marL="8337" marR="8337" marT="8337" marB="0" anchor="ctr"/>
-                </a:tc>
-              </a:tr>
-              <a:tr h="166738">
-                <a:tc vMerge="1">
-                  <a:txBody>
-                    <a:bodyPr/>
-                    <a:lstStyle/>
-                    <a:p>
-                      <a:endParaRPr lang="pt-BR"/>
-                    </a:p>
-                  </a:txBody>
-                  <a:tcPr/>
-                </a:tc>
-                <a:tc vMerge="1">
-                  <a:txBody>
-                    <a:bodyPr/>
-                    <a:lstStyle/>
-                    <a:p>
-                      <a:endParaRPr lang="pt-BR"/>
-                    </a:p>
-                  </a:txBody>
-                  <a:tcPr/>
-                </a:tc>
-                <a:tc>
-                  <a:txBody>
-                    <a:bodyPr/>
-                    <a:lstStyle/>
-                    <a:p>
-                      <a:pPr algn="ctr" fontAlgn="ctr"/>
-                      <a:r>
-                        <a:rPr lang="pt-BR" sz="1100" u="none" strike="noStrike" dirty="0">
-                          <a:effectLst/>
-                        </a:rPr>
-                        <a:t>Gaussian</a:t>
-                      </a:r>
-                      <a:endParaRPr lang="pt-BR" sz="1100" b="0" i="0" u="none" strike="noStrike" dirty="0">
-                        <a:solidFill>
-                          <a:srgbClr val="000000"/>
-                        </a:solidFill>
-                        <a:effectLst/>
-                        <a:latin typeface="Calibri" panose="020F0502020204030204" pitchFamily="34" charset="0"/>
-                      </a:endParaRPr>
-                    </a:p>
-                  </a:txBody>
-                  <a:tcPr marL="8337" marR="8337" marT="8337" marB="0" anchor="ctr"/>
-                </a:tc>
-                <a:tc>
-                  <a:txBody>
-                    <a:bodyPr/>
-                    <a:lstStyle/>
-                    <a:p>
-                      <a:pPr algn="ctr" fontAlgn="ctr"/>
-                      <a:r>
-                        <a:rPr lang="pt-BR" sz="1100" u="none" strike="noStrike">
-                          <a:effectLst/>
-                        </a:rPr>
-                        <a:t>2,03E-05</a:t>
-                      </a:r>
-                      <a:endParaRPr lang="pt-BR" sz="1100" b="0" i="0" u="none" strike="noStrike">
-                        <a:solidFill>
-                          <a:srgbClr val="000000"/>
-                        </a:solidFill>
-                        <a:effectLst/>
-                        <a:latin typeface="Calibri" panose="020F0502020204030204" pitchFamily="34" charset="0"/>
-                      </a:endParaRPr>
-                    </a:p>
-                  </a:txBody>
-                  <a:tcPr marL="8337" marR="8337" marT="8337" marB="0" anchor="ctr"/>
-                </a:tc>
-                <a:tc>
-                  <a:txBody>
-                    <a:bodyPr/>
-                    <a:lstStyle/>
-                    <a:p>
-                      <a:pPr algn="l" fontAlgn="b"/>
-                      <a:endParaRPr lang="pt-BR" sz="1100" b="0" i="0" u="none" strike="noStrike">
-                        <a:solidFill>
-                          <a:srgbClr val="000000"/>
-                        </a:solidFill>
-                        <a:effectLst/>
-                        <a:latin typeface="Calibri" panose="020F0502020204030204" pitchFamily="34" charset="0"/>
-                      </a:endParaRPr>
-                    </a:p>
-                  </a:txBody>
-                  <a:tcPr marL="8337" marR="8337" marT="8337" marB="0" anchor="b"/>
-                </a:tc>
-                <a:tc vMerge="1">
-                  <a:txBody>
-                    <a:bodyPr/>
-                    <a:lstStyle/>
-                    <a:p>
-                      <a:endParaRPr lang="pt-BR"/>
-                    </a:p>
-                  </a:txBody>
-                  <a:tcPr/>
-                </a:tc>
-                <a:tc vMerge="1">
-                  <a:txBody>
-                    <a:bodyPr/>
-                    <a:lstStyle/>
-                    <a:p>
-                      <a:endParaRPr lang="pt-BR"/>
-                    </a:p>
-                  </a:txBody>
-                  <a:tcPr/>
-                </a:tc>
-                <a:tc>
-                  <a:txBody>
-                    <a:bodyPr/>
-                    <a:lstStyle/>
-                    <a:p>
-                      <a:pPr algn="ctr" fontAlgn="ctr"/>
-                      <a:r>
-                        <a:rPr lang="pt-BR" sz="1100" u="none" strike="noStrike" dirty="0">
-                          <a:effectLst/>
-                        </a:rPr>
-                        <a:t>Gaussian</a:t>
-                      </a:r>
-                      <a:endParaRPr lang="pt-BR" sz="1100" b="0" i="0" u="none" strike="noStrike" dirty="0">
-                        <a:solidFill>
-                          <a:srgbClr val="000000"/>
-                        </a:solidFill>
-                        <a:effectLst/>
-                        <a:latin typeface="Calibri" panose="020F0502020204030204" pitchFamily="34" charset="0"/>
-                      </a:endParaRPr>
-                    </a:p>
-                  </a:txBody>
-                  <a:tcPr marL="8337" marR="8337" marT="8337" marB="0" anchor="ctr"/>
-                </a:tc>
-                <a:tc>
-                  <a:txBody>
-                    <a:bodyPr/>
-                    <a:lstStyle/>
-                    <a:p>
-                      <a:pPr algn="ctr" fontAlgn="ctr"/>
-                      <a:r>
-                        <a:rPr lang="pt-BR" sz="1100" u="none" strike="noStrike" dirty="0">
-                          <a:effectLst/>
-                        </a:rPr>
-                        <a:t>2,03E-05</a:t>
-                      </a:r>
-                      <a:endParaRPr lang="pt-BR" sz="1100" b="0" i="0" u="none" strike="noStrike" dirty="0">
-                        <a:solidFill>
-                          <a:srgbClr val="000000"/>
-                        </a:solidFill>
-                        <a:effectLst/>
-                        <a:latin typeface="Calibri" panose="020F0502020204030204" pitchFamily="34" charset="0"/>
-                      </a:endParaRPr>
-                    </a:p>
-                  </a:txBody>
-                  <a:tcPr marL="8337" marR="8337" marT="8337" marB="0" anchor="ctr"/>
-                </a:tc>
-                <a:tc>
-                  <a:txBody>
-                    <a:bodyPr/>
-                    <a:lstStyle/>
-                    <a:p>
-                      <a:pPr algn="l" fontAlgn="b"/>
-                      <a:endParaRPr lang="pt-BR" sz="1100" b="0" i="0" u="none" strike="noStrike">
-                        <a:solidFill>
-                          <a:srgbClr val="000000"/>
-                        </a:solidFill>
-                        <a:effectLst/>
-                        <a:latin typeface="Calibri" panose="020F0502020204030204" pitchFamily="34" charset="0"/>
-                      </a:endParaRPr>
-                    </a:p>
-                  </a:txBody>
-                  <a:tcPr marL="8337" marR="8337" marT="8337" marB="0" anchor="b"/>
-                </a:tc>
-                <a:tc vMerge="1">
-                  <a:txBody>
-                    <a:bodyPr/>
-                    <a:lstStyle/>
-                    <a:p>
-                      <a:endParaRPr lang="pt-BR"/>
-                    </a:p>
-                  </a:txBody>
-                  <a:tcPr/>
-                </a:tc>
-                <a:tc vMerge="1">
-                  <a:txBody>
-                    <a:bodyPr/>
-                    <a:lstStyle/>
-                    <a:p>
-                      <a:endParaRPr lang="pt-BR"/>
-                    </a:p>
-                  </a:txBody>
-                  <a:tcPr/>
-                </a:tc>
-                <a:tc>
-                  <a:txBody>
-                    <a:bodyPr/>
-                    <a:lstStyle/>
-                    <a:p>
-                      <a:pPr algn="ctr" fontAlgn="ctr"/>
-                      <a:r>
-                        <a:rPr lang="pt-BR" sz="1100" u="none" strike="noStrike" dirty="0">
-                          <a:effectLst/>
-                        </a:rPr>
-                        <a:t>Gaussian</a:t>
-                      </a:r>
-                      <a:endParaRPr lang="pt-BR" sz="1100" b="0" i="0" u="none" strike="noStrike" dirty="0">
-                        <a:solidFill>
-                          <a:srgbClr val="000000"/>
-                        </a:solidFill>
-                        <a:effectLst/>
-                        <a:latin typeface="Calibri" panose="020F0502020204030204" pitchFamily="34" charset="0"/>
-                      </a:endParaRPr>
-                    </a:p>
-                  </a:txBody>
-                  <a:tcPr marL="8337" marR="8337" marT="8337" marB="0" anchor="ctr"/>
-                </a:tc>
-                <a:tc>
-                  <a:txBody>
-                    <a:bodyPr/>
-                    <a:lstStyle/>
-                    <a:p>
-                      <a:pPr algn="ctr" fontAlgn="ctr"/>
-                      <a:r>
-                        <a:rPr lang="pt-BR" sz="1100" u="none" strike="noStrike">
-                          <a:effectLst/>
-                        </a:rPr>
-                        <a:t>0,015984</a:t>
-                      </a:r>
-                      <a:endParaRPr lang="pt-BR" sz="1100" b="0" i="0" u="none" strike="noStrike">
-                        <a:solidFill>
-                          <a:srgbClr val="000000"/>
-                        </a:solidFill>
-                        <a:effectLst/>
-                        <a:latin typeface="Calibri" panose="020F0502020204030204" pitchFamily="34" charset="0"/>
-                      </a:endParaRPr>
-                    </a:p>
-                  </a:txBody>
-                  <a:tcPr marL="8337" marR="8337" marT="8337" marB="0" anchor="ctr"/>
-                </a:tc>
-              </a:tr>
-              <a:tr h="166738">
-                <a:tc rowSpan="8">
-                  <a:txBody>
-                    <a:bodyPr/>
-                    <a:lstStyle/>
-                    <a:p>
-                      <a:pPr algn="ctr" fontAlgn="ctr"/>
-                      <a:r>
-                        <a:rPr lang="pt-BR" sz="1100" u="none" strike="noStrike">
-                          <a:effectLst/>
-                        </a:rPr>
-                        <a:t>4</a:t>
-                      </a:r>
-                      <a:endParaRPr lang="pt-BR" sz="1100" b="0" i="0" u="none" strike="noStrike">
-                        <a:solidFill>
-                          <a:srgbClr val="000000"/>
-                        </a:solidFill>
-                        <a:effectLst/>
-                        <a:latin typeface="Calibri" panose="020F0502020204030204" pitchFamily="34" charset="0"/>
-                      </a:endParaRPr>
-                    </a:p>
-                  </a:txBody>
-                  <a:tcPr marL="8337" marR="8337" marT="8337" marB="0" anchor="ctr"/>
-                </a:tc>
-                <a:tc rowSpan="2">
-                  <a:txBody>
-                    <a:bodyPr/>
-                    <a:lstStyle/>
-                    <a:p>
-                      <a:pPr algn="ctr" fontAlgn="ctr"/>
-                      <a:r>
-                        <a:rPr lang="pt-BR" sz="1100" u="none" strike="noStrike">
-                          <a:effectLst/>
-                        </a:rPr>
-                        <a:t>0</a:t>
-                      </a:r>
-                      <a:endParaRPr lang="pt-BR" sz="1100" b="0" i="0" u="none" strike="noStrike">
-                        <a:solidFill>
-                          <a:srgbClr val="000000"/>
-                        </a:solidFill>
-                        <a:effectLst/>
-                        <a:latin typeface="Calibri" panose="020F0502020204030204" pitchFamily="34" charset="0"/>
-                      </a:endParaRPr>
-                    </a:p>
-                  </a:txBody>
-                  <a:tcPr marL="8337" marR="8337" marT="8337" marB="0" anchor="ctr"/>
-                </a:tc>
-                <a:tc>
-                  <a:txBody>
-                    <a:bodyPr/>
-                    <a:lstStyle/>
-                    <a:p>
-                      <a:pPr algn="ctr" fontAlgn="ctr"/>
-                      <a:r>
-                        <a:rPr lang="pt-BR" sz="1100" u="none" strike="noStrike">
-                          <a:effectLst/>
-                        </a:rPr>
-                        <a:t>Forest</a:t>
-                      </a:r>
-                      <a:endParaRPr lang="pt-BR" sz="1100" b="0" i="0" u="none" strike="noStrike">
-                        <a:solidFill>
-                          <a:srgbClr val="000000"/>
-                        </a:solidFill>
-                        <a:effectLst/>
-                        <a:latin typeface="Calibri" panose="020F0502020204030204" pitchFamily="34" charset="0"/>
-                      </a:endParaRPr>
-                    </a:p>
-                  </a:txBody>
-                  <a:tcPr marL="8337" marR="8337" marT="8337" marB="0" anchor="ctr"/>
-                </a:tc>
-                <a:tc>
-                  <a:txBody>
-                    <a:bodyPr/>
-                    <a:lstStyle/>
-                    <a:p>
-                      <a:pPr algn="ctr" fontAlgn="ctr"/>
-                      <a:r>
-                        <a:rPr lang="pt-BR" sz="1100" u="none" strike="noStrike">
-                          <a:effectLst/>
-                        </a:rPr>
-                        <a:t>0,880000</a:t>
-                      </a:r>
-                      <a:endParaRPr lang="pt-BR" sz="1100" b="0" i="0" u="none" strike="noStrike">
-                        <a:solidFill>
-                          <a:srgbClr val="000000"/>
-                        </a:solidFill>
-                        <a:effectLst/>
-                        <a:latin typeface="Calibri" panose="020F0502020204030204" pitchFamily="34" charset="0"/>
-                      </a:endParaRPr>
-                    </a:p>
-                  </a:txBody>
-                  <a:tcPr marL="8337" marR="8337" marT="8337" marB="0" anchor="ctr"/>
-                </a:tc>
-                <a:tc>
-                  <a:txBody>
-                    <a:bodyPr/>
-                    <a:lstStyle/>
-                    <a:p>
-                      <a:pPr algn="l" fontAlgn="b"/>
-                      <a:endParaRPr lang="pt-BR" sz="1100" b="0" i="0" u="none" strike="noStrike">
-                        <a:solidFill>
-                          <a:srgbClr val="000000"/>
-                        </a:solidFill>
-                        <a:effectLst/>
-                        <a:latin typeface="Calibri" panose="020F0502020204030204" pitchFamily="34" charset="0"/>
-                      </a:endParaRPr>
-                    </a:p>
-                  </a:txBody>
-                  <a:tcPr marL="8337" marR="8337" marT="8337" marB="0" anchor="b"/>
-                </a:tc>
-                <a:tc rowSpan="8">
-                  <a:txBody>
-                    <a:bodyPr/>
-                    <a:lstStyle/>
-                    <a:p>
-                      <a:pPr algn="ctr" fontAlgn="ctr"/>
-                      <a:r>
-                        <a:rPr lang="pt-BR" sz="1100" u="none" strike="noStrike">
-                          <a:effectLst/>
-                        </a:rPr>
-                        <a:t>4</a:t>
-                      </a:r>
-                      <a:endParaRPr lang="pt-BR" sz="1100" b="0" i="0" u="none" strike="noStrike">
-                        <a:solidFill>
-                          <a:srgbClr val="000000"/>
-                        </a:solidFill>
-                        <a:effectLst/>
-                        <a:latin typeface="Calibri" panose="020F0502020204030204" pitchFamily="34" charset="0"/>
-                      </a:endParaRPr>
-                    </a:p>
-                  </a:txBody>
-                  <a:tcPr marL="8337" marR="8337" marT="8337" marB="0" anchor="ctr"/>
-                </a:tc>
-                <a:tc rowSpan="2">
-                  <a:txBody>
-                    <a:bodyPr/>
-                    <a:lstStyle/>
-                    <a:p>
-                      <a:pPr algn="ctr" fontAlgn="ctr"/>
-                      <a:r>
-                        <a:rPr lang="pt-BR" sz="1100" u="none" strike="noStrike">
-                          <a:effectLst/>
-                        </a:rPr>
-                        <a:t>0</a:t>
-                      </a:r>
-                      <a:endParaRPr lang="pt-BR" sz="1100" b="0" i="0" u="none" strike="noStrike">
-                        <a:solidFill>
-                          <a:srgbClr val="000000"/>
-                        </a:solidFill>
-                        <a:effectLst/>
-                        <a:latin typeface="Calibri" panose="020F0502020204030204" pitchFamily="34" charset="0"/>
-                      </a:endParaRPr>
-                    </a:p>
-                  </a:txBody>
-                  <a:tcPr marL="8337" marR="8337" marT="8337" marB="0" anchor="ctr"/>
-                </a:tc>
-                <a:tc>
-                  <a:txBody>
-                    <a:bodyPr/>
-                    <a:lstStyle/>
-                    <a:p>
-                      <a:pPr algn="ctr" fontAlgn="ctr"/>
-                      <a:r>
-                        <a:rPr lang="pt-BR" sz="1100" u="none" strike="noStrike">
-                          <a:effectLst/>
-                        </a:rPr>
-                        <a:t>Forest</a:t>
-                      </a:r>
-                      <a:endParaRPr lang="pt-BR" sz="1100" b="0" i="0" u="none" strike="noStrike">
-                        <a:solidFill>
-                          <a:srgbClr val="000000"/>
-                        </a:solidFill>
-                        <a:effectLst/>
-                        <a:latin typeface="Calibri" panose="020F0502020204030204" pitchFamily="34" charset="0"/>
-                      </a:endParaRPr>
-                    </a:p>
-                  </a:txBody>
-                  <a:tcPr marL="8337" marR="8337" marT="8337" marB="0" anchor="ctr"/>
-                </a:tc>
-                <a:tc>
-                  <a:txBody>
-                    <a:bodyPr/>
-                    <a:lstStyle/>
-                    <a:p>
-                      <a:pPr algn="ctr" fontAlgn="ctr"/>
-                      <a:r>
-                        <a:rPr lang="pt-BR" sz="1100" u="none" strike="noStrike">
-                          <a:effectLst/>
-                        </a:rPr>
-                        <a:t>1,675225</a:t>
-                      </a:r>
-                      <a:endParaRPr lang="pt-BR" sz="1100" b="0" i="0" u="none" strike="noStrike">
-                        <a:solidFill>
-                          <a:srgbClr val="000000"/>
-                        </a:solidFill>
-                        <a:effectLst/>
-                        <a:latin typeface="Calibri" panose="020F0502020204030204" pitchFamily="34" charset="0"/>
-                      </a:endParaRPr>
-                    </a:p>
-                  </a:txBody>
-                  <a:tcPr marL="8337" marR="8337" marT="8337" marB="0" anchor="ctr"/>
-                </a:tc>
-                <a:tc>
-                  <a:txBody>
-                    <a:bodyPr/>
-                    <a:lstStyle/>
-                    <a:p>
-                      <a:pPr algn="l" fontAlgn="b"/>
-                      <a:endParaRPr lang="pt-BR" sz="1100" b="0" i="0" u="none" strike="noStrike">
-                        <a:solidFill>
-                          <a:srgbClr val="000000"/>
-                        </a:solidFill>
-                        <a:effectLst/>
-                        <a:latin typeface="Calibri" panose="020F0502020204030204" pitchFamily="34" charset="0"/>
-                      </a:endParaRPr>
-                    </a:p>
-                  </a:txBody>
-                  <a:tcPr marL="8337" marR="8337" marT="8337" marB="0" anchor="b"/>
-                </a:tc>
-                <a:tc rowSpan="8">
-                  <a:txBody>
-                    <a:bodyPr/>
-                    <a:lstStyle/>
-                    <a:p>
-                      <a:pPr algn="ctr" fontAlgn="ctr"/>
-                      <a:r>
-                        <a:rPr lang="pt-BR" sz="1100" u="none" strike="noStrike">
-                          <a:effectLst/>
-                        </a:rPr>
-                        <a:t>4</a:t>
-                      </a:r>
-                      <a:endParaRPr lang="pt-BR" sz="1100" b="0" i="0" u="none" strike="noStrike">
-                        <a:solidFill>
-                          <a:srgbClr val="000000"/>
-                        </a:solidFill>
-                        <a:effectLst/>
-                        <a:latin typeface="Calibri" panose="020F0502020204030204" pitchFamily="34" charset="0"/>
-                      </a:endParaRPr>
-                    </a:p>
-                  </a:txBody>
-                  <a:tcPr marL="8337" marR="8337" marT="8337" marB="0" anchor="ctr"/>
-                </a:tc>
-                <a:tc rowSpan="2">
-                  <a:txBody>
-                    <a:bodyPr/>
-                    <a:lstStyle/>
-                    <a:p>
-                      <a:pPr algn="ctr" fontAlgn="ctr"/>
-                      <a:r>
-                        <a:rPr lang="pt-BR" sz="1100" u="none" strike="noStrike">
-                          <a:effectLst/>
-                        </a:rPr>
-                        <a:t>0</a:t>
-                      </a:r>
-                      <a:endParaRPr lang="pt-BR" sz="1100" b="0" i="0" u="none" strike="noStrike">
-                        <a:solidFill>
-                          <a:srgbClr val="000000"/>
-                        </a:solidFill>
-                        <a:effectLst/>
-                        <a:latin typeface="Calibri" panose="020F0502020204030204" pitchFamily="34" charset="0"/>
-                      </a:endParaRPr>
-                    </a:p>
-                  </a:txBody>
-                  <a:tcPr marL="8337" marR="8337" marT="8337" marB="0" anchor="ctr"/>
-                </a:tc>
-                <a:tc>
-                  <a:txBody>
-                    <a:bodyPr/>
-                    <a:lstStyle/>
-                    <a:p>
-                      <a:pPr algn="ctr" fontAlgn="ctr"/>
-                      <a:r>
-                        <a:rPr lang="pt-BR" sz="1100" u="none" strike="noStrike">
-                          <a:effectLst/>
-                        </a:rPr>
-                        <a:t>Forest</a:t>
-                      </a:r>
-                      <a:endParaRPr lang="pt-BR" sz="1100" b="0" i="0" u="none" strike="noStrike">
-                        <a:solidFill>
-                          <a:srgbClr val="000000"/>
-                        </a:solidFill>
-                        <a:effectLst/>
-                        <a:latin typeface="Calibri" panose="020F0502020204030204" pitchFamily="34" charset="0"/>
-                      </a:endParaRPr>
-                    </a:p>
-                  </a:txBody>
-                  <a:tcPr marL="8337" marR="8337" marT="8337" marB="0" anchor="ctr"/>
-                </a:tc>
-                <a:tc>
-                  <a:txBody>
-                    <a:bodyPr/>
-                    <a:lstStyle/>
-                    <a:p>
-                      <a:pPr algn="ctr" fontAlgn="ctr"/>
-                      <a:r>
-                        <a:rPr lang="pt-BR" sz="1100" u="none" strike="noStrike">
-                          <a:effectLst/>
-                        </a:rPr>
-                        <a:t>0,862500</a:t>
-                      </a:r>
-                      <a:endParaRPr lang="pt-BR" sz="1100" b="0" i="0" u="none" strike="noStrike">
-                        <a:solidFill>
-                          <a:srgbClr val="000000"/>
-                        </a:solidFill>
-                        <a:effectLst/>
-                        <a:latin typeface="Calibri" panose="020F0502020204030204" pitchFamily="34" charset="0"/>
-                      </a:endParaRPr>
-                    </a:p>
-                  </a:txBody>
-                  <a:tcPr marL="8337" marR="8337" marT="8337" marB="0" anchor="ctr"/>
-                </a:tc>
-              </a:tr>
-              <a:tr h="166738">
-                <a:tc vMerge="1">
-                  <a:txBody>
-                    <a:bodyPr/>
-                    <a:lstStyle/>
-                    <a:p>
-                      <a:endParaRPr lang="pt-BR"/>
-                    </a:p>
-                  </a:txBody>
-                  <a:tcPr/>
-                </a:tc>
-                <a:tc vMerge="1">
-                  <a:txBody>
-                    <a:bodyPr/>
-                    <a:lstStyle/>
-                    <a:p>
-                      <a:endParaRPr lang="pt-BR"/>
-                    </a:p>
-                  </a:txBody>
-                  <a:tcPr/>
-                </a:tc>
-                <a:tc>
-                  <a:txBody>
-                    <a:bodyPr/>
-                    <a:lstStyle/>
-                    <a:p>
-                      <a:pPr algn="ctr" fontAlgn="ctr"/>
-                      <a:r>
-                        <a:rPr lang="pt-BR" sz="1100" u="none" strike="noStrike" dirty="0">
-                          <a:effectLst/>
-                        </a:rPr>
-                        <a:t>Gaussian</a:t>
-                      </a:r>
-                      <a:endParaRPr lang="pt-BR" sz="1100" b="0" i="0" u="none" strike="noStrike" dirty="0">
-                        <a:solidFill>
-                          <a:srgbClr val="000000"/>
-                        </a:solidFill>
-                        <a:effectLst/>
-                        <a:latin typeface="Calibri" panose="020F0502020204030204" pitchFamily="34" charset="0"/>
-                      </a:endParaRPr>
-                    </a:p>
-                  </a:txBody>
-                  <a:tcPr marL="8337" marR="8337" marT="8337" marB="0" anchor="ctr"/>
-                </a:tc>
-                <a:tc>
-                  <a:txBody>
-                    <a:bodyPr/>
-                    <a:lstStyle/>
-                    <a:p>
-                      <a:pPr algn="ctr" fontAlgn="ctr"/>
-                      <a:r>
-                        <a:rPr lang="pt-BR" sz="1100" u="none" strike="noStrike">
-                          <a:effectLst/>
-                        </a:rPr>
-                        <a:t>0,024946</a:t>
-                      </a:r>
-                      <a:endParaRPr lang="pt-BR" sz="1100" b="0" i="0" u="none" strike="noStrike">
-                        <a:solidFill>
-                          <a:srgbClr val="000000"/>
-                        </a:solidFill>
-                        <a:effectLst/>
-                        <a:latin typeface="Calibri" panose="020F0502020204030204" pitchFamily="34" charset="0"/>
-                      </a:endParaRPr>
-                    </a:p>
-                  </a:txBody>
-                  <a:tcPr marL="8337" marR="8337" marT="8337" marB="0" anchor="ctr"/>
-                </a:tc>
-                <a:tc>
-                  <a:txBody>
-                    <a:bodyPr/>
-                    <a:lstStyle/>
-                    <a:p>
-                      <a:pPr algn="l" fontAlgn="b"/>
-                      <a:endParaRPr lang="pt-BR" sz="1100" b="0" i="0" u="none" strike="noStrike">
-                        <a:solidFill>
-                          <a:srgbClr val="000000"/>
-                        </a:solidFill>
-                        <a:effectLst/>
-                        <a:latin typeface="Calibri" panose="020F0502020204030204" pitchFamily="34" charset="0"/>
-                      </a:endParaRPr>
-                    </a:p>
-                  </a:txBody>
-                  <a:tcPr marL="8337" marR="8337" marT="8337" marB="0" anchor="b"/>
-                </a:tc>
-                <a:tc vMerge="1">
-                  <a:txBody>
-                    <a:bodyPr/>
-                    <a:lstStyle/>
-                    <a:p>
-                      <a:endParaRPr lang="pt-BR"/>
-                    </a:p>
-                  </a:txBody>
-                  <a:tcPr/>
-                </a:tc>
-                <a:tc vMerge="1">
-                  <a:txBody>
-                    <a:bodyPr/>
-                    <a:lstStyle/>
-                    <a:p>
-                      <a:endParaRPr lang="pt-BR"/>
-                    </a:p>
-                  </a:txBody>
-                  <a:tcPr/>
-                </a:tc>
-                <a:tc>
-                  <a:txBody>
-                    <a:bodyPr/>
-                    <a:lstStyle/>
-                    <a:p>
-                      <a:pPr algn="ctr" fontAlgn="ctr"/>
-                      <a:r>
-                        <a:rPr lang="pt-BR" sz="1100" u="none" strike="noStrike" dirty="0">
-                          <a:effectLst/>
-                        </a:rPr>
-                        <a:t>Gaussian</a:t>
-                      </a:r>
-                      <a:endParaRPr lang="pt-BR" sz="1100" b="0" i="0" u="none" strike="noStrike" dirty="0">
-                        <a:solidFill>
-                          <a:srgbClr val="000000"/>
-                        </a:solidFill>
-                        <a:effectLst/>
-                        <a:latin typeface="Calibri" panose="020F0502020204030204" pitchFamily="34" charset="0"/>
-                      </a:endParaRPr>
-                    </a:p>
-                  </a:txBody>
-                  <a:tcPr marL="8337" marR="8337" marT="8337" marB="0" anchor="ctr"/>
-                </a:tc>
-                <a:tc>
-                  <a:txBody>
-                    <a:bodyPr/>
-                    <a:lstStyle/>
-                    <a:p>
-                      <a:pPr algn="ctr" fontAlgn="ctr"/>
-                      <a:r>
-                        <a:rPr lang="pt-BR" sz="1100" u="none" strike="noStrike">
-                          <a:effectLst/>
-                        </a:rPr>
-                        <a:t>3,45E-06</a:t>
-                      </a:r>
-                      <a:endParaRPr lang="pt-BR" sz="1100" b="0" i="0" u="none" strike="noStrike">
-                        <a:solidFill>
-                          <a:srgbClr val="000000"/>
-                        </a:solidFill>
-                        <a:effectLst/>
-                        <a:latin typeface="Calibri" panose="020F0502020204030204" pitchFamily="34" charset="0"/>
-                      </a:endParaRPr>
-                    </a:p>
-                  </a:txBody>
-                  <a:tcPr marL="8337" marR="8337" marT="8337" marB="0" anchor="ctr"/>
-                </a:tc>
-                <a:tc>
-                  <a:txBody>
-                    <a:bodyPr/>
-                    <a:lstStyle/>
-                    <a:p>
-                      <a:pPr algn="l" fontAlgn="b"/>
-                      <a:endParaRPr lang="pt-BR" sz="1100" b="0" i="0" u="none" strike="noStrike" dirty="0">
-                        <a:solidFill>
-                          <a:srgbClr val="000000"/>
-                        </a:solidFill>
-                        <a:effectLst/>
-                        <a:latin typeface="Calibri" panose="020F0502020204030204" pitchFamily="34" charset="0"/>
-                      </a:endParaRPr>
-                    </a:p>
-                  </a:txBody>
-                  <a:tcPr marL="8337" marR="8337" marT="8337" marB="0" anchor="b"/>
-                </a:tc>
-                <a:tc vMerge="1">
-                  <a:txBody>
-                    <a:bodyPr/>
-                    <a:lstStyle/>
-                    <a:p>
-                      <a:endParaRPr lang="pt-BR"/>
-                    </a:p>
-                  </a:txBody>
-                  <a:tcPr/>
-                </a:tc>
-                <a:tc vMerge="1">
-                  <a:txBody>
-                    <a:bodyPr/>
-                    <a:lstStyle/>
-                    <a:p>
-                      <a:endParaRPr lang="pt-BR"/>
-                    </a:p>
-                  </a:txBody>
-                  <a:tcPr/>
-                </a:tc>
-                <a:tc>
-                  <a:txBody>
-                    <a:bodyPr/>
-                    <a:lstStyle/>
-                    <a:p>
-                      <a:pPr algn="ctr" fontAlgn="ctr"/>
-                      <a:r>
-                        <a:rPr lang="pt-BR" sz="1100" u="none" strike="noStrike" dirty="0">
-                          <a:effectLst/>
-                        </a:rPr>
-                        <a:t>Gaussian</a:t>
-                      </a:r>
-                      <a:endParaRPr lang="pt-BR" sz="1100" b="0" i="0" u="none" strike="noStrike" dirty="0">
-                        <a:solidFill>
-                          <a:srgbClr val="000000"/>
-                        </a:solidFill>
-                        <a:effectLst/>
-                        <a:latin typeface="Calibri" panose="020F0502020204030204" pitchFamily="34" charset="0"/>
-                      </a:endParaRPr>
-                    </a:p>
-                  </a:txBody>
-                  <a:tcPr marL="8337" marR="8337" marT="8337" marB="0" anchor="ctr"/>
-                </a:tc>
-                <a:tc>
-                  <a:txBody>
-                    <a:bodyPr/>
-                    <a:lstStyle/>
-                    <a:p>
-                      <a:pPr algn="ctr" fontAlgn="ctr"/>
-                      <a:r>
-                        <a:rPr lang="pt-BR" sz="1100" u="none" strike="noStrike">
-                          <a:effectLst/>
-                        </a:rPr>
-                        <a:t>0,024946</a:t>
-                      </a:r>
-                      <a:endParaRPr lang="pt-BR" sz="1100" b="0" i="0" u="none" strike="noStrike">
-                        <a:solidFill>
-                          <a:srgbClr val="000000"/>
-                        </a:solidFill>
-                        <a:effectLst/>
-                        <a:latin typeface="Calibri" panose="020F0502020204030204" pitchFamily="34" charset="0"/>
-                      </a:endParaRPr>
-                    </a:p>
-                  </a:txBody>
-                  <a:tcPr marL="8337" marR="8337" marT="8337" marB="0" anchor="ctr"/>
-                </a:tc>
-              </a:tr>
-              <a:tr h="166738">
-                <a:tc vMerge="1">
-                  <a:txBody>
-                    <a:bodyPr/>
-                    <a:lstStyle/>
-                    <a:p>
-                      <a:endParaRPr lang="pt-BR"/>
-                    </a:p>
-                  </a:txBody>
-                  <a:tcPr/>
-                </a:tc>
-                <a:tc rowSpan="2">
-                  <a:txBody>
-                    <a:bodyPr/>
-                    <a:lstStyle/>
-                    <a:p>
-                      <a:pPr algn="ctr" fontAlgn="ctr"/>
-                      <a:r>
-                        <a:rPr lang="pt-BR" sz="1100" u="none" strike="noStrike">
-                          <a:effectLst/>
-                        </a:rPr>
-                        <a:t>1</a:t>
-                      </a:r>
-                      <a:endParaRPr lang="pt-BR" sz="1100" b="0" i="0" u="none" strike="noStrike">
-                        <a:solidFill>
-                          <a:srgbClr val="000000"/>
-                        </a:solidFill>
-                        <a:effectLst/>
-                        <a:latin typeface="Calibri" panose="020F0502020204030204" pitchFamily="34" charset="0"/>
-                      </a:endParaRPr>
-                    </a:p>
-                  </a:txBody>
-                  <a:tcPr marL="8337" marR="8337" marT="8337" marB="0" anchor="ctr"/>
-                </a:tc>
-                <a:tc>
-                  <a:txBody>
-                    <a:bodyPr/>
-                    <a:lstStyle/>
-                    <a:p>
-                      <a:pPr algn="ctr" fontAlgn="ctr"/>
-                      <a:r>
-                        <a:rPr lang="pt-BR" sz="1100" u="none" strike="noStrike">
-                          <a:effectLst/>
-                        </a:rPr>
-                        <a:t>Forest</a:t>
-                      </a:r>
-                      <a:endParaRPr lang="pt-BR" sz="1100" b="0" i="0" u="none" strike="noStrike">
-                        <a:solidFill>
-                          <a:srgbClr val="000000"/>
-                        </a:solidFill>
-                        <a:effectLst/>
-                        <a:latin typeface="Calibri" panose="020F0502020204030204" pitchFamily="34" charset="0"/>
-                      </a:endParaRPr>
-                    </a:p>
-                  </a:txBody>
-                  <a:tcPr marL="8337" marR="8337" marT="8337" marB="0" anchor="ctr"/>
-                </a:tc>
-                <a:tc>
-                  <a:txBody>
-                    <a:bodyPr/>
-                    <a:lstStyle/>
-                    <a:p>
-                      <a:pPr algn="ctr" fontAlgn="ctr"/>
-                      <a:r>
-                        <a:rPr lang="pt-BR" sz="1100" u="none" strike="noStrike">
-                          <a:effectLst/>
-                        </a:rPr>
-                        <a:t>1,649950</a:t>
-                      </a:r>
-                      <a:endParaRPr lang="pt-BR" sz="1100" b="0" i="0" u="none" strike="noStrike">
-                        <a:solidFill>
-                          <a:srgbClr val="000000"/>
-                        </a:solidFill>
-                        <a:effectLst/>
-                        <a:latin typeface="Calibri" panose="020F0502020204030204" pitchFamily="34" charset="0"/>
-                      </a:endParaRPr>
-                    </a:p>
-                  </a:txBody>
-                  <a:tcPr marL="8337" marR="8337" marT="8337" marB="0" anchor="ctr"/>
-                </a:tc>
-                <a:tc>
-                  <a:txBody>
-                    <a:bodyPr/>
-                    <a:lstStyle/>
-                    <a:p>
-                      <a:pPr algn="l" fontAlgn="b"/>
-                      <a:endParaRPr lang="pt-BR" sz="1100" b="0" i="0" u="none" strike="noStrike">
-                        <a:solidFill>
-                          <a:srgbClr val="000000"/>
-                        </a:solidFill>
-                        <a:effectLst/>
-                        <a:latin typeface="Calibri" panose="020F0502020204030204" pitchFamily="34" charset="0"/>
-                      </a:endParaRPr>
-                    </a:p>
-                  </a:txBody>
-                  <a:tcPr marL="8337" marR="8337" marT="8337" marB="0" anchor="b"/>
-                </a:tc>
-                <a:tc vMerge="1">
-                  <a:txBody>
-                    <a:bodyPr/>
-                    <a:lstStyle/>
-                    <a:p>
-                      <a:endParaRPr lang="pt-BR"/>
-                    </a:p>
-                  </a:txBody>
-                  <a:tcPr/>
-                </a:tc>
-                <a:tc rowSpan="2">
-                  <a:txBody>
-                    <a:bodyPr/>
-                    <a:lstStyle/>
-                    <a:p>
-                      <a:pPr algn="ctr" fontAlgn="ctr"/>
-                      <a:r>
-                        <a:rPr lang="pt-BR" sz="1100" u="none" strike="noStrike">
-                          <a:effectLst/>
-                        </a:rPr>
-                        <a:t>1</a:t>
-                      </a:r>
-                      <a:endParaRPr lang="pt-BR" sz="1100" b="0" i="0" u="none" strike="noStrike">
-                        <a:solidFill>
-                          <a:srgbClr val="000000"/>
-                        </a:solidFill>
-                        <a:effectLst/>
-                        <a:latin typeface="Calibri" panose="020F0502020204030204" pitchFamily="34" charset="0"/>
-                      </a:endParaRPr>
-                    </a:p>
-                  </a:txBody>
-                  <a:tcPr marL="8337" marR="8337" marT="8337" marB="0" anchor="ctr"/>
-                </a:tc>
-                <a:tc>
-                  <a:txBody>
-                    <a:bodyPr/>
-                    <a:lstStyle/>
-                    <a:p>
-                      <a:pPr algn="ctr" fontAlgn="ctr"/>
-                      <a:r>
-                        <a:rPr lang="pt-BR" sz="1100" u="none" strike="noStrike">
-                          <a:effectLst/>
-                        </a:rPr>
-                        <a:t>Forest</a:t>
-                      </a:r>
-                      <a:endParaRPr lang="pt-BR" sz="1100" b="0" i="0" u="none" strike="noStrike">
-                        <a:solidFill>
-                          <a:srgbClr val="000000"/>
-                        </a:solidFill>
-                        <a:effectLst/>
-                        <a:latin typeface="Calibri" panose="020F0502020204030204" pitchFamily="34" charset="0"/>
-                      </a:endParaRPr>
-                    </a:p>
-                  </a:txBody>
-                  <a:tcPr marL="8337" marR="8337" marT="8337" marB="0" anchor="ctr"/>
-                </a:tc>
-                <a:tc>
-                  <a:txBody>
-                    <a:bodyPr/>
-                    <a:lstStyle/>
-                    <a:p>
-                      <a:pPr algn="ctr" fontAlgn="ctr"/>
-                      <a:r>
-                        <a:rPr lang="pt-BR" sz="1100" u="none" strike="noStrike" dirty="0">
-                          <a:effectLst/>
-                        </a:rPr>
-                        <a:t>2,631200</a:t>
-                      </a:r>
-                      <a:endParaRPr lang="pt-BR" sz="1100" b="0" i="0" u="none" strike="noStrike" dirty="0">
-                        <a:solidFill>
-                          <a:srgbClr val="000000"/>
-                        </a:solidFill>
-                        <a:effectLst/>
-                        <a:latin typeface="Calibri" panose="020F0502020204030204" pitchFamily="34" charset="0"/>
-                      </a:endParaRPr>
-                    </a:p>
-                  </a:txBody>
-                  <a:tcPr marL="8337" marR="8337" marT="8337" marB="0" anchor="ctr"/>
-                </a:tc>
-                <a:tc>
-                  <a:txBody>
-                    <a:bodyPr/>
-                    <a:lstStyle/>
-                    <a:p>
-                      <a:pPr algn="l" fontAlgn="b"/>
-                      <a:endParaRPr lang="pt-BR" sz="1100" b="0" i="0" u="none" strike="noStrike">
-                        <a:solidFill>
-                          <a:srgbClr val="000000"/>
-                        </a:solidFill>
-                        <a:effectLst/>
-                        <a:latin typeface="Calibri" panose="020F0502020204030204" pitchFamily="34" charset="0"/>
-                      </a:endParaRPr>
-                    </a:p>
-                  </a:txBody>
-                  <a:tcPr marL="8337" marR="8337" marT="8337" marB="0" anchor="b"/>
-                </a:tc>
-                <a:tc vMerge="1">
-                  <a:txBody>
-                    <a:bodyPr/>
-                    <a:lstStyle/>
-                    <a:p>
-                      <a:endParaRPr lang="pt-BR"/>
-                    </a:p>
-                  </a:txBody>
-                  <a:tcPr/>
-                </a:tc>
-                <a:tc rowSpan="2">
-                  <a:txBody>
-                    <a:bodyPr/>
-                    <a:lstStyle/>
-                    <a:p>
-                      <a:pPr algn="ctr" fontAlgn="ctr"/>
-                      <a:r>
-                        <a:rPr lang="pt-BR" sz="1100" u="none" strike="noStrike" dirty="0">
-                          <a:effectLst/>
-                        </a:rPr>
-                        <a:t>1</a:t>
-                      </a:r>
-                      <a:endParaRPr lang="pt-BR" sz="1100" b="0" i="0" u="none" strike="noStrike" dirty="0">
-                        <a:solidFill>
-                          <a:srgbClr val="000000"/>
-                        </a:solidFill>
-                        <a:effectLst/>
-                        <a:latin typeface="Calibri" panose="020F0502020204030204" pitchFamily="34" charset="0"/>
-                      </a:endParaRPr>
-                    </a:p>
-                  </a:txBody>
-                  <a:tcPr marL="8337" marR="8337" marT="8337" marB="0" anchor="ctr"/>
-                </a:tc>
-                <a:tc>
-                  <a:txBody>
-                    <a:bodyPr/>
-                    <a:lstStyle/>
-                    <a:p>
-                      <a:pPr algn="ctr" fontAlgn="ctr"/>
-                      <a:r>
-                        <a:rPr lang="pt-BR" sz="1100" u="none" strike="noStrike">
-                          <a:effectLst/>
-                        </a:rPr>
-                        <a:t>Forest</a:t>
-                      </a:r>
-                      <a:endParaRPr lang="pt-BR" sz="1100" b="0" i="0" u="none" strike="noStrike">
-                        <a:solidFill>
-                          <a:srgbClr val="000000"/>
-                        </a:solidFill>
-                        <a:effectLst/>
-                        <a:latin typeface="Calibri" panose="020F0502020204030204" pitchFamily="34" charset="0"/>
-                      </a:endParaRPr>
-                    </a:p>
-                  </a:txBody>
-                  <a:tcPr marL="8337" marR="8337" marT="8337" marB="0" anchor="ctr"/>
-                </a:tc>
-                <a:tc>
-                  <a:txBody>
-                    <a:bodyPr/>
-                    <a:lstStyle/>
-                    <a:p>
-                      <a:pPr algn="ctr" fontAlgn="ctr"/>
-                      <a:r>
-                        <a:rPr lang="pt-BR" sz="1100" u="none" strike="noStrike">
-                          <a:effectLst/>
-                        </a:rPr>
-                        <a:t>1,649950</a:t>
-                      </a:r>
-                      <a:endParaRPr lang="pt-BR" sz="1100" b="0" i="0" u="none" strike="noStrike">
-                        <a:solidFill>
-                          <a:srgbClr val="000000"/>
-                        </a:solidFill>
-                        <a:effectLst/>
-                        <a:latin typeface="Calibri" panose="020F0502020204030204" pitchFamily="34" charset="0"/>
-                      </a:endParaRPr>
-                    </a:p>
-                  </a:txBody>
-                  <a:tcPr marL="8337" marR="8337" marT="8337" marB="0" anchor="ctr"/>
-                </a:tc>
-              </a:tr>
-              <a:tr h="166738">
-                <a:tc vMerge="1">
-                  <a:txBody>
-                    <a:bodyPr/>
-                    <a:lstStyle/>
-                    <a:p>
-                      <a:endParaRPr lang="pt-BR"/>
-                    </a:p>
-                  </a:txBody>
-                  <a:tcPr/>
-                </a:tc>
-                <a:tc vMerge="1">
-                  <a:txBody>
-                    <a:bodyPr/>
-                    <a:lstStyle/>
-                    <a:p>
-                      <a:endParaRPr lang="pt-BR"/>
-                    </a:p>
-                  </a:txBody>
-                  <a:tcPr/>
-                </a:tc>
-                <a:tc>
-                  <a:txBody>
-                    <a:bodyPr/>
-                    <a:lstStyle/>
-                    <a:p>
-                      <a:pPr algn="ctr" fontAlgn="ctr"/>
-                      <a:r>
-                        <a:rPr lang="pt-BR" sz="1100" u="none" strike="noStrike" dirty="0">
-                          <a:effectLst/>
-                        </a:rPr>
-                        <a:t>Gaussian</a:t>
-                      </a:r>
-                      <a:endParaRPr lang="pt-BR" sz="1100" b="0" i="0" u="none" strike="noStrike" dirty="0">
-                        <a:solidFill>
-                          <a:srgbClr val="000000"/>
-                        </a:solidFill>
-                        <a:effectLst/>
-                        <a:latin typeface="Calibri" panose="020F0502020204030204" pitchFamily="34" charset="0"/>
-                      </a:endParaRPr>
-                    </a:p>
-                  </a:txBody>
-                  <a:tcPr marL="8337" marR="8337" marT="8337" marB="0" anchor="ctr"/>
-                </a:tc>
-                <a:tc>
-                  <a:txBody>
-                    <a:bodyPr/>
-                    <a:lstStyle/>
-                    <a:p>
-                      <a:pPr algn="ctr" fontAlgn="ctr"/>
-                      <a:r>
-                        <a:rPr lang="pt-BR" sz="1100" u="none" strike="noStrike">
-                          <a:effectLst/>
-                        </a:rPr>
-                        <a:t>3,45E-06</a:t>
-                      </a:r>
-                      <a:endParaRPr lang="pt-BR" sz="1100" b="0" i="0" u="none" strike="noStrike">
-                        <a:solidFill>
-                          <a:srgbClr val="000000"/>
-                        </a:solidFill>
-                        <a:effectLst/>
-                        <a:latin typeface="Calibri" panose="020F0502020204030204" pitchFamily="34" charset="0"/>
-                      </a:endParaRPr>
-                    </a:p>
-                  </a:txBody>
-                  <a:tcPr marL="8337" marR="8337" marT="8337" marB="0" anchor="ctr"/>
-                </a:tc>
-                <a:tc>
-                  <a:txBody>
-                    <a:bodyPr/>
-                    <a:lstStyle/>
-                    <a:p>
-                      <a:pPr algn="l" fontAlgn="b"/>
-                      <a:endParaRPr lang="pt-BR" sz="1100" b="0" i="0" u="none" strike="noStrike">
-                        <a:solidFill>
-                          <a:srgbClr val="000000"/>
-                        </a:solidFill>
-                        <a:effectLst/>
-                        <a:latin typeface="Calibri" panose="020F0502020204030204" pitchFamily="34" charset="0"/>
-                      </a:endParaRPr>
-                    </a:p>
-                  </a:txBody>
-                  <a:tcPr marL="8337" marR="8337" marT="8337" marB="0" anchor="b"/>
-                </a:tc>
-                <a:tc vMerge="1">
-                  <a:txBody>
-                    <a:bodyPr/>
-                    <a:lstStyle/>
-                    <a:p>
-                      <a:endParaRPr lang="pt-BR"/>
-                    </a:p>
-                  </a:txBody>
-                  <a:tcPr/>
-                </a:tc>
-                <a:tc vMerge="1">
-                  <a:txBody>
-                    <a:bodyPr/>
-                    <a:lstStyle/>
-                    <a:p>
-                      <a:endParaRPr lang="pt-BR"/>
-                    </a:p>
-                  </a:txBody>
-                  <a:tcPr/>
-                </a:tc>
-                <a:tc>
-                  <a:txBody>
-                    <a:bodyPr/>
-                    <a:lstStyle/>
-                    <a:p>
-                      <a:pPr algn="ctr" fontAlgn="ctr"/>
-                      <a:r>
-                        <a:rPr lang="pt-BR" sz="1100" u="none" strike="noStrike" dirty="0">
-                          <a:effectLst/>
-                        </a:rPr>
-                        <a:t>Gaussian</a:t>
-                      </a:r>
-                      <a:endParaRPr lang="pt-BR" sz="1100" b="0" i="0" u="none" strike="noStrike" dirty="0">
-                        <a:solidFill>
-                          <a:srgbClr val="000000"/>
-                        </a:solidFill>
-                        <a:effectLst/>
-                        <a:latin typeface="Calibri" panose="020F0502020204030204" pitchFamily="34" charset="0"/>
-                      </a:endParaRPr>
-                    </a:p>
-                  </a:txBody>
-                  <a:tcPr marL="8337" marR="8337" marT="8337" marB="0" anchor="ctr"/>
-                </a:tc>
-                <a:tc>
-                  <a:txBody>
-                    <a:bodyPr/>
-                    <a:lstStyle/>
-                    <a:p>
-                      <a:pPr algn="ctr" fontAlgn="ctr"/>
-                      <a:r>
-                        <a:rPr lang="pt-BR" sz="1100" u="none" strike="noStrike">
-                          <a:effectLst/>
-                        </a:rPr>
-                        <a:t>2,03E-05</a:t>
-                      </a:r>
-                      <a:endParaRPr lang="pt-BR" sz="1100" b="0" i="0" u="none" strike="noStrike">
-                        <a:solidFill>
-                          <a:srgbClr val="000000"/>
-                        </a:solidFill>
-                        <a:effectLst/>
-                        <a:latin typeface="Calibri" panose="020F0502020204030204" pitchFamily="34" charset="0"/>
-                      </a:endParaRPr>
-                    </a:p>
-                  </a:txBody>
-                  <a:tcPr marL="8337" marR="8337" marT="8337" marB="0" anchor="ctr"/>
-                </a:tc>
-                <a:tc>
-                  <a:txBody>
-                    <a:bodyPr/>
-                    <a:lstStyle/>
-                    <a:p>
-                      <a:pPr algn="l" fontAlgn="b"/>
-                      <a:endParaRPr lang="pt-BR" sz="1100" b="0" i="0" u="none" strike="noStrike" dirty="0">
-                        <a:solidFill>
-                          <a:srgbClr val="000000"/>
-                        </a:solidFill>
-                        <a:effectLst/>
-                        <a:latin typeface="Calibri" panose="020F0502020204030204" pitchFamily="34" charset="0"/>
-                      </a:endParaRPr>
-                    </a:p>
-                  </a:txBody>
-                  <a:tcPr marL="8337" marR="8337" marT="8337" marB="0" anchor="b"/>
-                </a:tc>
-                <a:tc vMerge="1">
-                  <a:txBody>
-                    <a:bodyPr/>
-                    <a:lstStyle/>
-                    <a:p>
-                      <a:endParaRPr lang="pt-BR"/>
-                    </a:p>
-                  </a:txBody>
-                  <a:tcPr/>
-                </a:tc>
-                <a:tc vMerge="1">
-                  <a:txBody>
-                    <a:bodyPr/>
-                    <a:lstStyle/>
-                    <a:p>
-                      <a:endParaRPr lang="pt-BR"/>
-                    </a:p>
-                  </a:txBody>
-                  <a:tcPr/>
-                </a:tc>
-                <a:tc>
-                  <a:txBody>
-                    <a:bodyPr/>
-                    <a:lstStyle/>
-                    <a:p>
-                      <a:pPr algn="ctr" fontAlgn="ctr"/>
-                      <a:r>
-                        <a:rPr lang="pt-BR" sz="1100" u="none" strike="noStrike" dirty="0">
-                          <a:effectLst/>
-                        </a:rPr>
-                        <a:t>Gaussian</a:t>
-                      </a:r>
-                      <a:endParaRPr lang="pt-BR" sz="1100" b="0" i="0" u="none" strike="noStrike" dirty="0">
-                        <a:solidFill>
-                          <a:srgbClr val="000000"/>
-                        </a:solidFill>
-                        <a:effectLst/>
-                        <a:latin typeface="Calibri" panose="020F0502020204030204" pitchFamily="34" charset="0"/>
-                      </a:endParaRPr>
-                    </a:p>
-                  </a:txBody>
-                  <a:tcPr marL="8337" marR="8337" marT="8337" marB="0" anchor="ctr"/>
-                </a:tc>
-                <a:tc>
-                  <a:txBody>
-                    <a:bodyPr/>
-                    <a:lstStyle/>
-                    <a:p>
-                      <a:pPr algn="ctr" fontAlgn="ctr"/>
-                      <a:r>
-                        <a:rPr lang="pt-BR" sz="1100" u="none" strike="noStrike">
-                          <a:effectLst/>
-                        </a:rPr>
-                        <a:t>3,45E-06</a:t>
-                      </a:r>
-                      <a:endParaRPr lang="pt-BR" sz="1100" b="0" i="0" u="none" strike="noStrike">
-                        <a:solidFill>
-                          <a:srgbClr val="000000"/>
-                        </a:solidFill>
-                        <a:effectLst/>
-                        <a:latin typeface="Calibri" panose="020F0502020204030204" pitchFamily="34" charset="0"/>
-                      </a:endParaRPr>
-                    </a:p>
-                  </a:txBody>
-                  <a:tcPr marL="8337" marR="8337" marT="8337" marB="0" anchor="ctr"/>
-                </a:tc>
-              </a:tr>
-              <a:tr h="166738">
-                <a:tc vMerge="1">
-                  <a:txBody>
-                    <a:bodyPr/>
-                    <a:lstStyle/>
-                    <a:p>
-                      <a:endParaRPr lang="pt-BR"/>
-                    </a:p>
-                  </a:txBody>
-                  <a:tcPr/>
-                </a:tc>
-                <a:tc rowSpan="2">
-                  <a:txBody>
-                    <a:bodyPr/>
-                    <a:lstStyle/>
-                    <a:p>
-                      <a:pPr algn="ctr" fontAlgn="ctr"/>
-                      <a:r>
-                        <a:rPr lang="pt-BR" sz="1100" u="none" strike="noStrike">
-                          <a:effectLst/>
-                        </a:rPr>
-                        <a:t>2</a:t>
-                      </a:r>
-                      <a:endParaRPr lang="pt-BR" sz="1100" b="0" i="0" u="none" strike="noStrike">
-                        <a:solidFill>
-                          <a:srgbClr val="000000"/>
-                        </a:solidFill>
-                        <a:effectLst/>
-                        <a:latin typeface="Calibri" panose="020F0502020204030204" pitchFamily="34" charset="0"/>
-                      </a:endParaRPr>
-                    </a:p>
-                  </a:txBody>
-                  <a:tcPr marL="8337" marR="8337" marT="8337" marB="0" anchor="ctr"/>
-                </a:tc>
-                <a:tc>
-                  <a:txBody>
-                    <a:bodyPr/>
-                    <a:lstStyle/>
-                    <a:p>
-                      <a:pPr algn="ctr" fontAlgn="ctr"/>
-                      <a:r>
-                        <a:rPr lang="pt-BR" sz="1100" u="none" strike="noStrike">
-                          <a:effectLst/>
-                        </a:rPr>
-                        <a:t>Forest</a:t>
-                      </a:r>
-                      <a:endParaRPr lang="pt-BR" sz="1100" b="0" i="0" u="none" strike="noStrike">
-                        <a:solidFill>
-                          <a:srgbClr val="000000"/>
-                        </a:solidFill>
-                        <a:effectLst/>
-                        <a:latin typeface="Calibri" panose="020F0502020204030204" pitchFamily="34" charset="0"/>
-                      </a:endParaRPr>
-                    </a:p>
-                  </a:txBody>
-                  <a:tcPr marL="8337" marR="8337" marT="8337" marB="0" anchor="ctr"/>
-                </a:tc>
-                <a:tc>
-                  <a:txBody>
-                    <a:bodyPr/>
-                    <a:lstStyle/>
-                    <a:p>
-                      <a:pPr algn="ctr" fontAlgn="ctr"/>
-                      <a:r>
-                        <a:rPr lang="pt-BR" sz="1100" u="none" strike="noStrike">
-                          <a:effectLst/>
-                        </a:rPr>
-                        <a:t>11,636000</a:t>
-                      </a:r>
-                      <a:endParaRPr lang="pt-BR" sz="1100" b="0" i="0" u="none" strike="noStrike">
-                        <a:solidFill>
-                          <a:srgbClr val="000000"/>
-                        </a:solidFill>
-                        <a:effectLst/>
-                        <a:latin typeface="Calibri" panose="020F0502020204030204" pitchFamily="34" charset="0"/>
-                      </a:endParaRPr>
-                    </a:p>
-                  </a:txBody>
-                  <a:tcPr marL="8337" marR="8337" marT="8337" marB="0" anchor="ctr"/>
-                </a:tc>
-                <a:tc>
-                  <a:txBody>
-                    <a:bodyPr/>
-                    <a:lstStyle/>
-                    <a:p>
-                      <a:pPr algn="l" fontAlgn="b"/>
-                      <a:endParaRPr lang="pt-BR" sz="1100" b="0" i="0" u="none" strike="noStrike">
-                        <a:solidFill>
-                          <a:srgbClr val="000000"/>
-                        </a:solidFill>
-                        <a:effectLst/>
-                        <a:latin typeface="Calibri" panose="020F0502020204030204" pitchFamily="34" charset="0"/>
-                      </a:endParaRPr>
-                    </a:p>
-                  </a:txBody>
-                  <a:tcPr marL="8337" marR="8337" marT="8337" marB="0" anchor="b"/>
-                </a:tc>
-                <a:tc vMerge="1">
-                  <a:txBody>
-                    <a:bodyPr/>
-                    <a:lstStyle/>
-                    <a:p>
-                      <a:endParaRPr lang="pt-BR"/>
-                    </a:p>
-                  </a:txBody>
-                  <a:tcPr/>
-                </a:tc>
-                <a:tc rowSpan="2">
-                  <a:txBody>
-                    <a:bodyPr/>
-                    <a:lstStyle/>
-                    <a:p>
-                      <a:pPr algn="ctr" fontAlgn="ctr"/>
-                      <a:r>
-                        <a:rPr lang="pt-BR" sz="1100" u="none" strike="noStrike">
-                          <a:effectLst/>
-                        </a:rPr>
-                        <a:t>2</a:t>
-                      </a:r>
-                      <a:endParaRPr lang="pt-BR" sz="1100" b="0" i="0" u="none" strike="noStrike">
-                        <a:solidFill>
-                          <a:srgbClr val="000000"/>
-                        </a:solidFill>
-                        <a:effectLst/>
-                        <a:latin typeface="Calibri" panose="020F0502020204030204" pitchFamily="34" charset="0"/>
-                      </a:endParaRPr>
-                    </a:p>
-                  </a:txBody>
-                  <a:tcPr marL="8337" marR="8337" marT="8337" marB="0" anchor="ctr"/>
-                </a:tc>
-                <a:tc>
-                  <a:txBody>
-                    <a:bodyPr/>
-                    <a:lstStyle/>
-                    <a:p>
-                      <a:pPr algn="ctr" fontAlgn="ctr"/>
-                      <a:r>
-                        <a:rPr lang="pt-BR" sz="1100" u="none" strike="noStrike">
-                          <a:effectLst/>
-                        </a:rPr>
-                        <a:t>Forest</a:t>
-                      </a:r>
-                      <a:endParaRPr lang="pt-BR" sz="1100" b="0" i="0" u="none" strike="noStrike">
-                        <a:solidFill>
-                          <a:srgbClr val="000000"/>
-                        </a:solidFill>
-                        <a:effectLst/>
-                        <a:latin typeface="Calibri" panose="020F0502020204030204" pitchFamily="34" charset="0"/>
-                      </a:endParaRPr>
-                    </a:p>
-                  </a:txBody>
-                  <a:tcPr marL="8337" marR="8337" marT="8337" marB="0" anchor="ctr"/>
-                </a:tc>
-                <a:tc>
-                  <a:txBody>
-                    <a:bodyPr/>
-                    <a:lstStyle/>
-                    <a:p>
-                      <a:pPr algn="ctr" fontAlgn="ctr"/>
-                      <a:r>
-                        <a:rPr lang="pt-BR" sz="1100" u="none" strike="noStrike">
-                          <a:effectLst/>
-                        </a:rPr>
-                        <a:t>11,528000</a:t>
-                      </a:r>
-                      <a:endParaRPr lang="pt-BR" sz="1100" b="0" i="0" u="none" strike="noStrike">
-                        <a:solidFill>
-                          <a:srgbClr val="000000"/>
-                        </a:solidFill>
-                        <a:effectLst/>
-                        <a:latin typeface="Calibri" panose="020F0502020204030204" pitchFamily="34" charset="0"/>
-                      </a:endParaRPr>
-                    </a:p>
-                  </a:txBody>
-                  <a:tcPr marL="8337" marR="8337" marT="8337" marB="0" anchor="ctr"/>
-                </a:tc>
-                <a:tc>
-                  <a:txBody>
-                    <a:bodyPr/>
-                    <a:lstStyle/>
-                    <a:p>
-                      <a:pPr algn="l" fontAlgn="b"/>
-                      <a:endParaRPr lang="pt-BR" sz="1100" b="0" i="0" u="none" strike="noStrike">
-                        <a:solidFill>
-                          <a:srgbClr val="000000"/>
-                        </a:solidFill>
-                        <a:effectLst/>
-                        <a:latin typeface="Calibri" panose="020F0502020204030204" pitchFamily="34" charset="0"/>
-                      </a:endParaRPr>
-                    </a:p>
-                  </a:txBody>
-                  <a:tcPr marL="8337" marR="8337" marT="8337" marB="0" anchor="b"/>
-                </a:tc>
-                <a:tc vMerge="1">
-                  <a:txBody>
-                    <a:bodyPr/>
-                    <a:lstStyle/>
-                    <a:p>
-                      <a:endParaRPr lang="pt-BR"/>
-                    </a:p>
-                  </a:txBody>
-                  <a:tcPr/>
-                </a:tc>
-                <a:tc rowSpan="2">
-                  <a:txBody>
-                    <a:bodyPr/>
-                    <a:lstStyle/>
-                    <a:p>
-                      <a:pPr algn="ctr" fontAlgn="ctr"/>
-                      <a:r>
-                        <a:rPr lang="pt-BR" sz="1100" u="none" strike="noStrike">
-                          <a:effectLst/>
-                        </a:rPr>
-                        <a:t>2</a:t>
-                      </a:r>
-                      <a:endParaRPr lang="pt-BR" sz="1100" b="0" i="0" u="none" strike="noStrike">
-                        <a:solidFill>
-                          <a:srgbClr val="000000"/>
-                        </a:solidFill>
-                        <a:effectLst/>
-                        <a:latin typeface="Calibri" panose="020F0502020204030204" pitchFamily="34" charset="0"/>
-                      </a:endParaRPr>
-                    </a:p>
-                  </a:txBody>
-                  <a:tcPr marL="8337" marR="8337" marT="8337" marB="0" anchor="ctr"/>
-                </a:tc>
-                <a:tc>
-                  <a:txBody>
-                    <a:bodyPr/>
-                    <a:lstStyle/>
-                    <a:p>
-                      <a:pPr algn="ctr" fontAlgn="ctr"/>
-                      <a:r>
-                        <a:rPr lang="pt-BR" sz="1100" u="none" strike="noStrike" dirty="0">
-                          <a:effectLst/>
-                        </a:rPr>
-                        <a:t>Forest</a:t>
-                      </a:r>
-                      <a:endParaRPr lang="pt-BR" sz="1100" b="0" i="0" u="none" strike="noStrike" dirty="0">
-                        <a:solidFill>
-                          <a:srgbClr val="000000"/>
-                        </a:solidFill>
-                        <a:effectLst/>
-                        <a:latin typeface="Calibri" panose="020F0502020204030204" pitchFamily="34" charset="0"/>
-                      </a:endParaRPr>
-                    </a:p>
-                  </a:txBody>
-                  <a:tcPr marL="8337" marR="8337" marT="8337" marB="0" anchor="ctr"/>
-                </a:tc>
-                <a:tc>
-                  <a:txBody>
-                    <a:bodyPr/>
-                    <a:lstStyle/>
-                    <a:p>
-                      <a:pPr algn="ctr" fontAlgn="ctr"/>
-                      <a:r>
-                        <a:rPr lang="pt-BR" sz="1100" u="none" strike="noStrike">
-                          <a:effectLst/>
-                        </a:rPr>
-                        <a:t>11,528000</a:t>
-                      </a:r>
-                      <a:endParaRPr lang="pt-BR" sz="1100" b="0" i="0" u="none" strike="noStrike">
-                        <a:solidFill>
-                          <a:srgbClr val="000000"/>
-                        </a:solidFill>
-                        <a:effectLst/>
-                        <a:latin typeface="Calibri" panose="020F0502020204030204" pitchFamily="34" charset="0"/>
-                      </a:endParaRPr>
-                    </a:p>
-                  </a:txBody>
-                  <a:tcPr marL="8337" marR="8337" marT="8337" marB="0" anchor="ctr"/>
-                </a:tc>
-              </a:tr>
-              <a:tr h="166738">
-                <a:tc vMerge="1">
-                  <a:txBody>
-                    <a:bodyPr/>
-                    <a:lstStyle/>
-                    <a:p>
-                      <a:endParaRPr lang="pt-BR"/>
-                    </a:p>
-                  </a:txBody>
-                  <a:tcPr/>
-                </a:tc>
-                <a:tc vMerge="1">
-                  <a:txBody>
-                    <a:bodyPr/>
-                    <a:lstStyle/>
-                    <a:p>
-                      <a:endParaRPr lang="pt-BR"/>
-                    </a:p>
-                  </a:txBody>
-                  <a:tcPr/>
-                </a:tc>
-                <a:tc>
-                  <a:txBody>
-                    <a:bodyPr/>
-                    <a:lstStyle/>
-                    <a:p>
-                      <a:pPr algn="ctr" fontAlgn="ctr"/>
-                      <a:r>
-                        <a:rPr lang="pt-BR" sz="1100" u="none" strike="noStrike" dirty="0">
-                          <a:effectLst/>
-                        </a:rPr>
-                        <a:t>Gaussian</a:t>
-                      </a:r>
-                      <a:endParaRPr lang="pt-BR" sz="1100" b="0" i="0" u="none" strike="noStrike" dirty="0">
-                        <a:solidFill>
-                          <a:srgbClr val="000000"/>
-                        </a:solidFill>
-                        <a:effectLst/>
-                        <a:latin typeface="Calibri" panose="020F0502020204030204" pitchFamily="34" charset="0"/>
-                      </a:endParaRPr>
-                    </a:p>
-                  </a:txBody>
-                  <a:tcPr marL="8337" marR="8337" marT="8337" marB="0" anchor="ctr"/>
-                </a:tc>
-                <a:tc>
-                  <a:txBody>
-                    <a:bodyPr/>
-                    <a:lstStyle/>
-                    <a:p>
-                      <a:pPr algn="ctr" fontAlgn="ctr"/>
-                      <a:r>
-                        <a:rPr lang="pt-BR" sz="1100" u="none" strike="noStrike">
-                          <a:effectLst/>
-                        </a:rPr>
-                        <a:t>0,015984</a:t>
-                      </a:r>
-                      <a:endParaRPr lang="pt-BR" sz="1100" b="0" i="0" u="none" strike="noStrike">
-                        <a:solidFill>
-                          <a:srgbClr val="000000"/>
-                        </a:solidFill>
-                        <a:effectLst/>
-                        <a:latin typeface="Calibri" panose="020F0502020204030204" pitchFamily="34" charset="0"/>
-                      </a:endParaRPr>
-                    </a:p>
-                  </a:txBody>
-                  <a:tcPr marL="8337" marR="8337" marT="8337" marB="0" anchor="ctr"/>
-                </a:tc>
-                <a:tc>
-                  <a:txBody>
-                    <a:bodyPr/>
-                    <a:lstStyle/>
-                    <a:p>
-                      <a:pPr algn="l" fontAlgn="b"/>
-                      <a:endParaRPr lang="pt-BR" sz="1100" b="0" i="0" u="none" strike="noStrike">
-                        <a:solidFill>
-                          <a:srgbClr val="000000"/>
-                        </a:solidFill>
-                        <a:effectLst/>
-                        <a:latin typeface="Calibri" panose="020F0502020204030204" pitchFamily="34" charset="0"/>
-                      </a:endParaRPr>
-                    </a:p>
-                  </a:txBody>
-                  <a:tcPr marL="8337" marR="8337" marT="8337" marB="0" anchor="b"/>
-                </a:tc>
-                <a:tc vMerge="1">
-                  <a:txBody>
-                    <a:bodyPr/>
-                    <a:lstStyle/>
-                    <a:p>
-                      <a:endParaRPr lang="pt-BR"/>
-                    </a:p>
-                  </a:txBody>
-                  <a:tcPr/>
-                </a:tc>
-                <a:tc vMerge="1">
-                  <a:txBody>
-                    <a:bodyPr/>
-                    <a:lstStyle/>
-                    <a:p>
-                      <a:endParaRPr lang="pt-BR"/>
-                    </a:p>
-                  </a:txBody>
-                  <a:tcPr/>
-                </a:tc>
-                <a:tc>
-                  <a:txBody>
-                    <a:bodyPr/>
-                    <a:lstStyle/>
-                    <a:p>
-                      <a:pPr algn="ctr" fontAlgn="ctr"/>
-                      <a:r>
-                        <a:rPr lang="pt-BR" sz="1100" u="none" strike="noStrike" dirty="0">
-                          <a:effectLst/>
-                        </a:rPr>
-                        <a:t>Gaussian</a:t>
-                      </a:r>
-                      <a:endParaRPr lang="pt-BR" sz="1100" b="0" i="0" u="none" strike="noStrike" dirty="0">
-                        <a:solidFill>
-                          <a:srgbClr val="000000"/>
-                        </a:solidFill>
-                        <a:effectLst/>
-                        <a:latin typeface="Calibri" panose="020F0502020204030204" pitchFamily="34" charset="0"/>
-                      </a:endParaRPr>
-                    </a:p>
-                  </a:txBody>
-                  <a:tcPr marL="8337" marR="8337" marT="8337" marB="0" anchor="ctr"/>
-                </a:tc>
-                <a:tc>
-                  <a:txBody>
-                    <a:bodyPr/>
-                    <a:lstStyle/>
-                    <a:p>
-                      <a:pPr algn="ctr" fontAlgn="ctr"/>
-                      <a:r>
-                        <a:rPr lang="pt-BR" sz="1100" u="none" strike="noStrike">
-                          <a:effectLst/>
-                        </a:rPr>
-                        <a:t>0,015984</a:t>
-                      </a:r>
-                      <a:endParaRPr lang="pt-BR" sz="1100" b="0" i="0" u="none" strike="noStrike">
-                        <a:solidFill>
-                          <a:srgbClr val="000000"/>
-                        </a:solidFill>
-                        <a:effectLst/>
-                        <a:latin typeface="Calibri" panose="020F0502020204030204" pitchFamily="34" charset="0"/>
-                      </a:endParaRPr>
-                    </a:p>
-                  </a:txBody>
-                  <a:tcPr marL="8337" marR="8337" marT="8337" marB="0" anchor="ctr"/>
-                </a:tc>
-                <a:tc>
-                  <a:txBody>
-                    <a:bodyPr/>
-                    <a:lstStyle/>
-                    <a:p>
-                      <a:pPr algn="l" fontAlgn="b"/>
-                      <a:endParaRPr lang="pt-BR" sz="1100" b="0" i="0" u="none" strike="noStrike">
-                        <a:solidFill>
-                          <a:srgbClr val="000000"/>
-                        </a:solidFill>
-                        <a:effectLst/>
-                        <a:latin typeface="Calibri" panose="020F0502020204030204" pitchFamily="34" charset="0"/>
-                      </a:endParaRPr>
-                    </a:p>
-                  </a:txBody>
-                  <a:tcPr marL="8337" marR="8337" marT="8337" marB="0" anchor="b"/>
-                </a:tc>
-                <a:tc vMerge="1">
-                  <a:txBody>
-                    <a:bodyPr/>
-                    <a:lstStyle/>
-                    <a:p>
-                      <a:endParaRPr lang="pt-BR"/>
-                    </a:p>
-                  </a:txBody>
-                  <a:tcPr/>
-                </a:tc>
-                <a:tc vMerge="1">
-                  <a:txBody>
-                    <a:bodyPr/>
-                    <a:lstStyle/>
-                    <a:p>
-                      <a:endParaRPr lang="pt-BR"/>
-                    </a:p>
-                  </a:txBody>
-                  <a:tcPr/>
-                </a:tc>
-                <a:tc>
-                  <a:txBody>
-                    <a:bodyPr/>
-                    <a:lstStyle/>
-                    <a:p>
-                      <a:pPr algn="ctr" fontAlgn="ctr"/>
-                      <a:r>
-                        <a:rPr lang="pt-BR" sz="1100" u="none" strike="noStrike" dirty="0">
-                          <a:effectLst/>
-                        </a:rPr>
-                        <a:t>Gaussian</a:t>
-                      </a:r>
-                      <a:endParaRPr lang="pt-BR" sz="1100" b="0" i="0" u="none" strike="noStrike" dirty="0">
-                        <a:solidFill>
-                          <a:srgbClr val="000000"/>
-                        </a:solidFill>
-                        <a:effectLst/>
-                        <a:latin typeface="Calibri" panose="020F0502020204030204" pitchFamily="34" charset="0"/>
-                      </a:endParaRPr>
-                    </a:p>
-                  </a:txBody>
-                  <a:tcPr marL="8337" marR="8337" marT="8337" marB="0" anchor="ctr"/>
-                </a:tc>
-                <a:tc>
-                  <a:txBody>
-                    <a:bodyPr/>
-                    <a:lstStyle/>
-                    <a:p>
-                      <a:pPr algn="ctr" fontAlgn="ctr"/>
-                      <a:r>
-                        <a:rPr lang="pt-BR" sz="1100" u="none" strike="noStrike">
-                          <a:effectLst/>
-                        </a:rPr>
-                        <a:t>0,015984</a:t>
-                      </a:r>
-                      <a:endParaRPr lang="pt-BR" sz="1100" b="0" i="0" u="none" strike="noStrike">
-                        <a:solidFill>
-                          <a:srgbClr val="000000"/>
-                        </a:solidFill>
-                        <a:effectLst/>
-                        <a:latin typeface="Calibri" panose="020F0502020204030204" pitchFamily="34" charset="0"/>
-                      </a:endParaRPr>
-                    </a:p>
-                  </a:txBody>
-                  <a:tcPr marL="8337" marR="8337" marT="8337" marB="0" anchor="ctr"/>
-                </a:tc>
-              </a:tr>
-              <a:tr h="166738">
-                <a:tc vMerge="1">
-                  <a:txBody>
-                    <a:bodyPr/>
-                    <a:lstStyle/>
-                    <a:p>
-                      <a:endParaRPr lang="pt-BR"/>
-                    </a:p>
-                  </a:txBody>
-                  <a:tcPr/>
-                </a:tc>
-                <a:tc rowSpan="2">
-                  <a:txBody>
-                    <a:bodyPr/>
-                    <a:lstStyle/>
-                    <a:p>
-                      <a:pPr algn="ctr" fontAlgn="ctr"/>
-                      <a:r>
-                        <a:rPr lang="pt-BR" sz="1100" u="none" strike="noStrike">
-                          <a:effectLst/>
-                        </a:rPr>
-                        <a:t>3</a:t>
-                      </a:r>
-                      <a:endParaRPr lang="pt-BR" sz="1100" b="0" i="0" u="none" strike="noStrike">
-                        <a:solidFill>
-                          <a:srgbClr val="000000"/>
-                        </a:solidFill>
-                        <a:effectLst/>
-                        <a:latin typeface="Calibri" panose="020F0502020204030204" pitchFamily="34" charset="0"/>
-                      </a:endParaRPr>
-                    </a:p>
-                  </a:txBody>
-                  <a:tcPr marL="8337" marR="8337" marT="8337" marB="0" anchor="ctr"/>
-                </a:tc>
-                <a:tc>
-                  <a:txBody>
-                    <a:bodyPr/>
-                    <a:lstStyle/>
-                    <a:p>
-                      <a:pPr algn="ctr" fontAlgn="ctr"/>
-                      <a:r>
-                        <a:rPr lang="pt-BR" sz="1100" u="none" strike="noStrike">
-                          <a:effectLst/>
-                        </a:rPr>
-                        <a:t>Forest</a:t>
-                      </a:r>
-                      <a:endParaRPr lang="pt-BR" sz="1100" b="0" i="0" u="none" strike="noStrike">
-                        <a:solidFill>
-                          <a:srgbClr val="000000"/>
-                        </a:solidFill>
-                        <a:effectLst/>
-                        <a:latin typeface="Calibri" panose="020F0502020204030204" pitchFamily="34" charset="0"/>
-                      </a:endParaRPr>
-                    </a:p>
-                  </a:txBody>
-                  <a:tcPr marL="8337" marR="8337" marT="8337" marB="0" anchor="ctr"/>
-                </a:tc>
-                <a:tc>
-                  <a:txBody>
-                    <a:bodyPr/>
-                    <a:lstStyle/>
-                    <a:p>
-                      <a:pPr algn="ctr" fontAlgn="ctr"/>
-                      <a:r>
-                        <a:rPr lang="pt-BR" sz="1100" u="none" strike="noStrike">
-                          <a:effectLst/>
-                        </a:rPr>
-                        <a:t>2,832000</a:t>
-                      </a:r>
-                      <a:endParaRPr lang="pt-BR" sz="1100" b="0" i="0" u="none" strike="noStrike">
-                        <a:solidFill>
-                          <a:srgbClr val="000000"/>
-                        </a:solidFill>
-                        <a:effectLst/>
-                        <a:latin typeface="Calibri" panose="020F0502020204030204" pitchFamily="34" charset="0"/>
-                      </a:endParaRPr>
-                    </a:p>
-                  </a:txBody>
-                  <a:tcPr marL="8337" marR="8337" marT="8337" marB="0" anchor="ctr"/>
-                </a:tc>
-                <a:tc>
-                  <a:txBody>
-                    <a:bodyPr/>
-                    <a:lstStyle/>
-                    <a:p>
-                      <a:pPr algn="l" fontAlgn="b"/>
-                      <a:endParaRPr lang="pt-BR" sz="1100" b="0" i="0" u="none" strike="noStrike">
-                        <a:solidFill>
-                          <a:srgbClr val="000000"/>
-                        </a:solidFill>
-                        <a:effectLst/>
-                        <a:latin typeface="Calibri" panose="020F0502020204030204" pitchFamily="34" charset="0"/>
-                      </a:endParaRPr>
-                    </a:p>
-                  </a:txBody>
-                  <a:tcPr marL="8337" marR="8337" marT="8337" marB="0" anchor="b"/>
-                </a:tc>
-                <a:tc vMerge="1">
-                  <a:txBody>
-                    <a:bodyPr/>
-                    <a:lstStyle/>
-                    <a:p>
-                      <a:endParaRPr lang="pt-BR"/>
-                    </a:p>
-                  </a:txBody>
-                  <a:tcPr/>
-                </a:tc>
-                <a:tc rowSpan="2">
-                  <a:txBody>
-                    <a:bodyPr/>
-                    <a:lstStyle/>
-                    <a:p>
-                      <a:pPr algn="ctr" fontAlgn="ctr"/>
-                      <a:r>
-                        <a:rPr lang="pt-BR" sz="1100" u="none" strike="noStrike">
-                          <a:effectLst/>
-                        </a:rPr>
-                        <a:t>3</a:t>
-                      </a:r>
-                      <a:endParaRPr lang="pt-BR" sz="1100" b="0" i="0" u="none" strike="noStrike">
-                        <a:solidFill>
-                          <a:srgbClr val="000000"/>
-                        </a:solidFill>
-                        <a:effectLst/>
-                        <a:latin typeface="Calibri" panose="020F0502020204030204" pitchFamily="34" charset="0"/>
-                      </a:endParaRPr>
-                    </a:p>
-                  </a:txBody>
-                  <a:tcPr marL="8337" marR="8337" marT="8337" marB="0" anchor="ctr"/>
-                </a:tc>
-                <a:tc>
-                  <a:txBody>
-                    <a:bodyPr/>
-                    <a:lstStyle/>
-                    <a:p>
-                      <a:pPr algn="ctr" fontAlgn="ctr"/>
-                      <a:r>
-                        <a:rPr lang="pt-BR" sz="1100" u="none" strike="noStrike">
-                          <a:effectLst/>
-                        </a:rPr>
-                        <a:t>Forest</a:t>
-                      </a:r>
-                      <a:endParaRPr lang="pt-BR" sz="1100" b="0" i="0" u="none" strike="noStrike">
-                        <a:solidFill>
-                          <a:srgbClr val="000000"/>
-                        </a:solidFill>
-                        <a:effectLst/>
-                        <a:latin typeface="Calibri" panose="020F0502020204030204" pitchFamily="34" charset="0"/>
-                      </a:endParaRPr>
-                    </a:p>
-                  </a:txBody>
-                  <a:tcPr marL="8337" marR="8337" marT="8337" marB="0" anchor="ctr"/>
-                </a:tc>
-                <a:tc>
-                  <a:txBody>
-                    <a:bodyPr/>
-                    <a:lstStyle/>
-                    <a:p>
-                      <a:pPr algn="ctr" fontAlgn="ctr"/>
-                      <a:r>
-                        <a:rPr lang="pt-BR" sz="1100" u="none" strike="noStrike">
-                          <a:effectLst/>
-                        </a:rPr>
-                        <a:t>2,832000</a:t>
-                      </a:r>
-                      <a:endParaRPr lang="pt-BR" sz="1100" b="0" i="0" u="none" strike="noStrike">
-                        <a:solidFill>
-                          <a:srgbClr val="000000"/>
-                        </a:solidFill>
-                        <a:effectLst/>
-                        <a:latin typeface="Calibri" panose="020F0502020204030204" pitchFamily="34" charset="0"/>
-                      </a:endParaRPr>
-                    </a:p>
-                  </a:txBody>
-                  <a:tcPr marL="8337" marR="8337" marT="8337" marB="0" anchor="ctr"/>
-                </a:tc>
-                <a:tc>
-                  <a:txBody>
-                    <a:bodyPr/>
-                    <a:lstStyle/>
-                    <a:p>
-                      <a:pPr algn="l" fontAlgn="b"/>
-                      <a:endParaRPr lang="pt-BR" sz="1100" b="0" i="0" u="none" strike="noStrike">
-                        <a:solidFill>
-                          <a:srgbClr val="000000"/>
-                        </a:solidFill>
-                        <a:effectLst/>
-                        <a:latin typeface="Calibri" panose="020F0502020204030204" pitchFamily="34" charset="0"/>
-                      </a:endParaRPr>
-                    </a:p>
-                  </a:txBody>
-                  <a:tcPr marL="8337" marR="8337" marT="8337" marB="0" anchor="b"/>
-                </a:tc>
-                <a:tc vMerge="1">
-                  <a:txBody>
-                    <a:bodyPr/>
-                    <a:lstStyle/>
-                    <a:p>
-                      <a:endParaRPr lang="pt-BR"/>
-                    </a:p>
-                  </a:txBody>
-                  <a:tcPr/>
-                </a:tc>
-                <a:tc rowSpan="2">
-                  <a:txBody>
-                    <a:bodyPr/>
-                    <a:lstStyle/>
-                    <a:p>
-                      <a:pPr algn="ctr" fontAlgn="ctr"/>
-                      <a:r>
-                        <a:rPr lang="pt-BR" sz="1100" u="none" strike="noStrike">
-                          <a:effectLst/>
-                        </a:rPr>
-                        <a:t>3</a:t>
-                      </a:r>
-                      <a:endParaRPr lang="pt-BR" sz="1100" b="0" i="0" u="none" strike="noStrike">
-                        <a:solidFill>
-                          <a:srgbClr val="000000"/>
-                        </a:solidFill>
-                        <a:effectLst/>
-                        <a:latin typeface="Calibri" panose="020F0502020204030204" pitchFamily="34" charset="0"/>
-                      </a:endParaRPr>
-                    </a:p>
-                  </a:txBody>
-                  <a:tcPr marL="8337" marR="8337" marT="8337" marB="0" anchor="ctr"/>
-                </a:tc>
-                <a:tc>
-                  <a:txBody>
-                    <a:bodyPr/>
-                    <a:lstStyle/>
-                    <a:p>
-                      <a:pPr algn="ctr" fontAlgn="ctr"/>
-                      <a:r>
-                        <a:rPr lang="pt-BR" sz="1100" u="none" strike="noStrike" dirty="0">
-                          <a:effectLst/>
-                        </a:rPr>
-                        <a:t>Forest</a:t>
-                      </a:r>
-                      <a:endParaRPr lang="pt-BR" sz="1100" b="0" i="0" u="none" strike="noStrike" dirty="0">
-                        <a:solidFill>
-                          <a:srgbClr val="000000"/>
-                        </a:solidFill>
-                        <a:effectLst/>
-                        <a:latin typeface="Calibri" panose="020F0502020204030204" pitchFamily="34" charset="0"/>
-                      </a:endParaRPr>
-                    </a:p>
-                  </a:txBody>
-                  <a:tcPr marL="8337" marR="8337" marT="8337" marB="0" anchor="ctr"/>
-                </a:tc>
-                <a:tc>
-                  <a:txBody>
-                    <a:bodyPr/>
-                    <a:lstStyle/>
-                    <a:p>
-                      <a:pPr algn="ctr" fontAlgn="ctr"/>
-                      <a:r>
-                        <a:rPr lang="pt-BR" sz="1100" u="none" strike="noStrike" dirty="0">
-                          <a:effectLst/>
-                        </a:rPr>
-                        <a:t>3,175000</a:t>
-                      </a:r>
-                      <a:endParaRPr lang="pt-BR" sz="1100" b="0" i="0" u="none" strike="noStrike" dirty="0">
-                        <a:solidFill>
-                          <a:srgbClr val="000000"/>
-                        </a:solidFill>
-                        <a:effectLst/>
-                        <a:latin typeface="Calibri" panose="020F0502020204030204" pitchFamily="34" charset="0"/>
-                      </a:endParaRPr>
-                    </a:p>
-                  </a:txBody>
-                  <a:tcPr marL="8337" marR="8337" marT="8337" marB="0" anchor="ctr"/>
-                </a:tc>
-              </a:tr>
-              <a:tr h="166738">
-                <a:tc vMerge="1">
-                  <a:txBody>
-                    <a:bodyPr/>
-                    <a:lstStyle/>
-                    <a:p>
-                      <a:endParaRPr lang="pt-BR"/>
-                    </a:p>
-                  </a:txBody>
-                  <a:tcPr/>
-                </a:tc>
-                <a:tc vMerge="1">
-                  <a:txBody>
-                    <a:bodyPr/>
-                    <a:lstStyle/>
-                    <a:p>
-                      <a:endParaRPr lang="pt-BR"/>
-                    </a:p>
-                  </a:txBody>
-                  <a:tcPr/>
-                </a:tc>
-                <a:tc>
-                  <a:txBody>
-                    <a:bodyPr/>
-                    <a:lstStyle/>
-                    <a:p>
-                      <a:pPr algn="ctr" fontAlgn="ctr"/>
-                      <a:r>
-                        <a:rPr lang="pt-BR" sz="1100" u="none" strike="noStrike" dirty="0">
-                          <a:effectLst/>
-                        </a:rPr>
-                        <a:t>Gaussian</a:t>
-                      </a:r>
-                      <a:endParaRPr lang="pt-BR" sz="1100" b="0" i="0" u="none" strike="noStrike" dirty="0">
-                        <a:solidFill>
-                          <a:srgbClr val="000000"/>
-                        </a:solidFill>
-                        <a:effectLst/>
-                        <a:latin typeface="Calibri" panose="020F0502020204030204" pitchFamily="34" charset="0"/>
-                      </a:endParaRPr>
-                    </a:p>
-                  </a:txBody>
-                  <a:tcPr marL="8337" marR="8337" marT="8337" marB="0" anchor="ctr"/>
-                </a:tc>
-                <a:tc>
-                  <a:txBody>
-                    <a:bodyPr/>
-                    <a:lstStyle/>
-                    <a:p>
-                      <a:pPr algn="ctr" fontAlgn="ctr"/>
-                      <a:r>
-                        <a:rPr lang="pt-BR" sz="1100" u="none" strike="noStrike">
-                          <a:effectLst/>
-                        </a:rPr>
-                        <a:t>0,030629</a:t>
-                      </a:r>
-                      <a:endParaRPr lang="pt-BR" sz="1100" b="0" i="0" u="none" strike="noStrike">
-                        <a:solidFill>
-                          <a:srgbClr val="000000"/>
-                        </a:solidFill>
-                        <a:effectLst/>
-                        <a:latin typeface="Calibri" panose="020F0502020204030204" pitchFamily="34" charset="0"/>
-                      </a:endParaRPr>
-                    </a:p>
-                  </a:txBody>
-                  <a:tcPr marL="8337" marR="8337" marT="8337" marB="0" anchor="ctr"/>
-                </a:tc>
-                <a:tc>
-                  <a:txBody>
-                    <a:bodyPr/>
-                    <a:lstStyle/>
-                    <a:p>
-                      <a:pPr algn="l" fontAlgn="b"/>
-                      <a:endParaRPr lang="pt-BR" sz="1100" b="0" i="0" u="none" strike="noStrike">
-                        <a:solidFill>
-                          <a:srgbClr val="000000"/>
-                        </a:solidFill>
-                        <a:effectLst/>
-                        <a:latin typeface="Calibri" panose="020F0502020204030204" pitchFamily="34" charset="0"/>
-                      </a:endParaRPr>
-                    </a:p>
-                  </a:txBody>
-                  <a:tcPr marL="8337" marR="8337" marT="8337" marB="0" anchor="b"/>
-                </a:tc>
-                <a:tc vMerge="1">
-                  <a:txBody>
-                    <a:bodyPr/>
-                    <a:lstStyle/>
-                    <a:p>
-                      <a:endParaRPr lang="pt-BR"/>
-                    </a:p>
-                  </a:txBody>
-                  <a:tcPr/>
-                </a:tc>
-                <a:tc vMerge="1">
-                  <a:txBody>
-                    <a:bodyPr/>
-                    <a:lstStyle/>
-                    <a:p>
-                      <a:endParaRPr lang="pt-BR"/>
-                    </a:p>
-                  </a:txBody>
-                  <a:tcPr/>
-                </a:tc>
-                <a:tc>
-                  <a:txBody>
-                    <a:bodyPr/>
-                    <a:lstStyle/>
-                    <a:p>
-                      <a:pPr algn="ctr" fontAlgn="ctr"/>
-                      <a:r>
-                        <a:rPr lang="pt-BR" sz="1100" u="none" strike="noStrike" dirty="0">
-                          <a:effectLst/>
-                        </a:rPr>
-                        <a:t>Gaussian</a:t>
-                      </a:r>
-                      <a:endParaRPr lang="pt-BR" sz="1100" b="0" i="0" u="none" strike="noStrike" dirty="0">
-                        <a:solidFill>
-                          <a:srgbClr val="000000"/>
-                        </a:solidFill>
-                        <a:effectLst/>
-                        <a:latin typeface="Calibri" panose="020F0502020204030204" pitchFamily="34" charset="0"/>
-                      </a:endParaRPr>
-                    </a:p>
-                  </a:txBody>
-                  <a:tcPr marL="8337" marR="8337" marT="8337" marB="0" anchor="ctr"/>
-                </a:tc>
-                <a:tc>
-                  <a:txBody>
-                    <a:bodyPr/>
-                    <a:lstStyle/>
-                    <a:p>
-                      <a:pPr algn="ctr" fontAlgn="ctr"/>
-                      <a:r>
-                        <a:rPr lang="pt-BR" sz="1100" u="none" strike="noStrike">
-                          <a:effectLst/>
-                        </a:rPr>
-                        <a:t>0,030629</a:t>
-                      </a:r>
-                      <a:endParaRPr lang="pt-BR" sz="1100" b="0" i="0" u="none" strike="noStrike">
-                        <a:solidFill>
-                          <a:srgbClr val="000000"/>
-                        </a:solidFill>
-                        <a:effectLst/>
-                        <a:latin typeface="Calibri" panose="020F0502020204030204" pitchFamily="34" charset="0"/>
-                      </a:endParaRPr>
-                    </a:p>
-                  </a:txBody>
-                  <a:tcPr marL="8337" marR="8337" marT="8337" marB="0" anchor="ctr"/>
-                </a:tc>
-                <a:tc>
-                  <a:txBody>
-                    <a:bodyPr/>
-                    <a:lstStyle/>
-                    <a:p>
-                      <a:pPr algn="l" fontAlgn="b"/>
-                      <a:endParaRPr lang="pt-BR" sz="1100" b="0" i="0" u="none" strike="noStrike">
-                        <a:solidFill>
-                          <a:srgbClr val="000000"/>
-                        </a:solidFill>
-                        <a:effectLst/>
-                        <a:latin typeface="Calibri" panose="020F0502020204030204" pitchFamily="34" charset="0"/>
-                      </a:endParaRPr>
-                    </a:p>
-                  </a:txBody>
-                  <a:tcPr marL="8337" marR="8337" marT="8337" marB="0" anchor="b"/>
-                </a:tc>
-                <a:tc vMerge="1">
-                  <a:txBody>
-                    <a:bodyPr/>
-                    <a:lstStyle/>
-                    <a:p>
-                      <a:endParaRPr lang="pt-BR"/>
-                    </a:p>
-                  </a:txBody>
-                  <a:tcPr/>
-                </a:tc>
-                <a:tc vMerge="1">
-                  <a:txBody>
-                    <a:bodyPr/>
-                    <a:lstStyle/>
-                    <a:p>
-                      <a:endParaRPr lang="pt-BR"/>
-                    </a:p>
-                  </a:txBody>
-                  <a:tcPr/>
-                </a:tc>
-                <a:tc>
-                  <a:txBody>
-                    <a:bodyPr/>
-                    <a:lstStyle/>
-                    <a:p>
-                      <a:pPr algn="ctr" fontAlgn="ctr"/>
-                      <a:r>
-                        <a:rPr lang="pt-BR" sz="1100" u="none" strike="noStrike" dirty="0">
-                          <a:effectLst/>
-                        </a:rPr>
-                        <a:t>Gaussian</a:t>
-                      </a:r>
-                      <a:endParaRPr lang="pt-BR" sz="1100" b="0" i="0" u="none" strike="noStrike" dirty="0">
-                        <a:solidFill>
-                          <a:srgbClr val="000000"/>
-                        </a:solidFill>
-                        <a:effectLst/>
-                        <a:latin typeface="Calibri" panose="020F0502020204030204" pitchFamily="34" charset="0"/>
-                      </a:endParaRPr>
-                    </a:p>
-                  </a:txBody>
-                  <a:tcPr marL="8337" marR="8337" marT="8337" marB="0" anchor="ctr"/>
-                </a:tc>
-                <a:tc>
-                  <a:txBody>
-                    <a:bodyPr/>
-                    <a:lstStyle/>
-                    <a:p>
-                      <a:pPr algn="ctr" fontAlgn="ctr"/>
-                      <a:r>
-                        <a:rPr lang="pt-BR" sz="1100" u="none" strike="noStrike" dirty="0">
-                          <a:effectLst/>
-                        </a:rPr>
-                        <a:t>0,030629</a:t>
-                      </a:r>
-                      <a:endParaRPr lang="pt-BR" sz="1100" b="0" i="0" u="none" strike="noStrike" dirty="0">
-                        <a:solidFill>
-                          <a:srgbClr val="000000"/>
-                        </a:solidFill>
-                        <a:effectLst/>
-                        <a:latin typeface="Calibri" panose="020F0502020204030204" pitchFamily="34" charset="0"/>
-                      </a:endParaRPr>
-                    </a:p>
-                  </a:txBody>
-                  <a:tcPr marL="8337" marR="8337" marT="8337" marB="0" anchor="ctr"/>
-                </a:tc>
-              </a:tr>
-            </a:tbl>
-          </a:graphicData>
-        </a:graphic>
-      </p:graphicFrame>
-      <p:sp>
-        <p:nvSpPr>
-          <p:cNvPr id="7" name="Espaço Reservado para Conteúdo 7"/>
-          <p:cNvSpPr txBox="1">
-            <a:spLocks/>
-          </p:cNvSpPr>
-          <p:nvPr/>
-        </p:nvSpPr>
-        <p:spPr>
-          <a:xfrm>
-            <a:off x="838200" y="5445456"/>
-            <a:ext cx="10515600" cy="1091821"/>
-          </a:xfrm>
-          <a:prstGeom prst="rect">
-            <a:avLst/>
-          </a:prstGeom>
-        </p:spPr>
-        <p:txBody>
-          <a:bodyPr vert="horz" lIns="91440" tIns="45720" rIns="91440" bIns="45720" rtlCol="0">
-            <a:normAutofit fontScale="77500" lnSpcReduction="20000"/>
-          </a:bodyPr>
-          <a:lstStyle>
-            <a:lvl1pPr marL="228600" indent="-228600" algn="l" defTabSz="914400" rtl="0" eaLnBrk="1" latinLnBrk="0" hangingPunct="1">
-              <a:lnSpc>
-                <a:spcPct val="90000"/>
-              </a:lnSpc>
-              <a:spcBef>
-                <a:spcPts val="1000"/>
-              </a:spcBef>
-              <a:buFont typeface="Arial" panose="020B0604020202020204" pitchFamily="34" charset="0"/>
-              <a:buChar char="•"/>
-              <a:defRPr sz="2800" kern="1200">
-                <a:solidFill>
-                  <a:schemeClr val="tx1"/>
-                </a:solidFill>
-                <a:latin typeface="+mn-lt"/>
-                <a:ea typeface="+mn-ea"/>
-                <a:cs typeface="+mn-cs"/>
-              </a:defRPr>
-            </a:lvl1pPr>
-            <a:lvl2pPr marL="685800" indent="-228600" algn="l" defTabSz="914400" rtl="0" eaLnBrk="1" latinLnBrk="0" hangingPunct="1">
-              <a:lnSpc>
-                <a:spcPct val="90000"/>
-              </a:lnSpc>
-              <a:spcBef>
-                <a:spcPts val="500"/>
-              </a:spcBef>
-              <a:buFont typeface="Arial" panose="020B0604020202020204" pitchFamily="34" charset="0"/>
-              <a:buChar char="•"/>
-              <a:defRPr sz="2400" kern="1200">
-                <a:solidFill>
-                  <a:schemeClr val="tx1"/>
-                </a:solidFill>
-                <a:latin typeface="+mn-lt"/>
-                <a:ea typeface="+mn-ea"/>
-                <a:cs typeface="+mn-cs"/>
-              </a:defRPr>
-            </a:lvl2pPr>
-            <a:lvl3pPr marL="1143000" indent="-228600" algn="l" defTabSz="914400" rtl="0" eaLnBrk="1" latinLnBrk="0" hangingPunct="1">
-              <a:lnSpc>
-                <a:spcPct val="90000"/>
-              </a:lnSpc>
-              <a:spcBef>
-                <a:spcPts val="500"/>
-              </a:spcBef>
-              <a:buFont typeface="Arial" panose="020B0604020202020204" pitchFamily="34" charset="0"/>
-              <a:buChar char="•"/>
-              <a:defRPr sz="2000" kern="1200">
-                <a:solidFill>
-                  <a:schemeClr val="tx1"/>
-                </a:solidFill>
-                <a:latin typeface="+mn-lt"/>
-                <a:ea typeface="+mn-ea"/>
-                <a:cs typeface="+mn-cs"/>
-              </a:defRPr>
-            </a:lvl3pPr>
-            <a:lvl4pPr marL="1600200" indent="-228600" algn="l" defTabSz="914400" rtl="0" eaLnBrk="1" latinLnBrk="0" hangingPunct="1">
-              <a:lnSpc>
-                <a:spcPct val="90000"/>
-              </a:lnSpc>
-              <a:spcBef>
-                <a:spcPts val="500"/>
-              </a:spcBef>
-              <a:buFont typeface="Arial" panose="020B0604020202020204" pitchFamily="34" charset="0"/>
-              <a:buChar char="•"/>
-              <a:defRPr sz="1800" kern="1200">
-                <a:solidFill>
-                  <a:schemeClr val="tx1"/>
-                </a:solidFill>
-                <a:latin typeface="+mn-lt"/>
-                <a:ea typeface="+mn-ea"/>
-                <a:cs typeface="+mn-cs"/>
-              </a:defRPr>
-            </a:lvl4pPr>
-            <a:lvl5pPr marL="2057400" indent="-228600" algn="l" defTabSz="914400" rtl="0" eaLnBrk="1" latinLnBrk="0" hangingPunct="1">
-              <a:lnSpc>
-                <a:spcPct val="90000"/>
-              </a:lnSpc>
-              <a:spcBef>
-                <a:spcPts val="500"/>
-              </a:spcBef>
-              <a:buFont typeface="Arial" panose="020B0604020202020204" pitchFamily="34" charset="0"/>
-              <a:buChar char="•"/>
-              <a:defRPr sz="1800" kern="1200">
-                <a:solidFill>
-                  <a:schemeClr val="tx1"/>
-                </a:solidFill>
-                <a:latin typeface="+mn-lt"/>
-                <a:ea typeface="+mn-ea"/>
-                <a:cs typeface="+mn-cs"/>
-              </a:defRPr>
-            </a:lvl5pPr>
-            <a:lvl6pPr marL="2514600" indent="-228600" algn="l" defTabSz="914400" rtl="0" eaLnBrk="1" latinLnBrk="0" hangingPunct="1">
-              <a:lnSpc>
-                <a:spcPct val="90000"/>
-              </a:lnSpc>
-              <a:spcBef>
-                <a:spcPts val="500"/>
-              </a:spcBef>
-              <a:buFont typeface="Arial" panose="020B0604020202020204" pitchFamily="34" charset="0"/>
-              <a:buChar char="•"/>
-              <a:defRPr sz="1800" kern="1200">
-                <a:solidFill>
-                  <a:schemeClr val="tx1"/>
-                </a:solidFill>
-                <a:latin typeface="+mn-lt"/>
-                <a:ea typeface="+mn-ea"/>
-                <a:cs typeface="+mn-cs"/>
-              </a:defRPr>
-            </a:lvl6pPr>
-            <a:lvl7pPr marL="2971800" indent="-228600" algn="l" defTabSz="914400" rtl="0" eaLnBrk="1" latinLnBrk="0" hangingPunct="1">
-              <a:lnSpc>
-                <a:spcPct val="90000"/>
-              </a:lnSpc>
-              <a:spcBef>
-                <a:spcPts val="500"/>
-              </a:spcBef>
-              <a:buFont typeface="Arial" panose="020B0604020202020204" pitchFamily="34" charset="0"/>
-              <a:buChar char="•"/>
-              <a:defRPr sz="1800" kern="1200">
-                <a:solidFill>
-                  <a:schemeClr val="tx1"/>
-                </a:solidFill>
-                <a:latin typeface="+mn-lt"/>
-                <a:ea typeface="+mn-ea"/>
-                <a:cs typeface="+mn-cs"/>
-              </a:defRPr>
-            </a:lvl7pPr>
-            <a:lvl8pPr marL="3429000" indent="-228600" algn="l" defTabSz="914400" rtl="0" eaLnBrk="1" latinLnBrk="0" hangingPunct="1">
-              <a:lnSpc>
-                <a:spcPct val="90000"/>
-              </a:lnSpc>
-              <a:spcBef>
-                <a:spcPts val="500"/>
-              </a:spcBef>
-              <a:buFont typeface="Arial" panose="020B0604020202020204" pitchFamily="34" charset="0"/>
-              <a:buChar char="•"/>
-              <a:defRPr sz="1800" kern="1200">
-                <a:solidFill>
-                  <a:schemeClr val="tx1"/>
-                </a:solidFill>
-                <a:latin typeface="+mn-lt"/>
-                <a:ea typeface="+mn-ea"/>
-                <a:cs typeface="+mn-cs"/>
-              </a:defRPr>
-            </a:lvl8pPr>
-            <a:lvl9pPr marL="3886200" indent="-228600" algn="l" defTabSz="914400" rtl="0" eaLnBrk="1" latinLnBrk="0" hangingPunct="1">
-              <a:lnSpc>
-                <a:spcPct val="90000"/>
-              </a:lnSpc>
-              <a:spcBef>
-                <a:spcPts val="500"/>
-              </a:spcBef>
-              <a:buFont typeface="Arial" panose="020B0604020202020204" pitchFamily="34" charset="0"/>
-              <a:buChar char="•"/>
-              <a:defRPr sz="1800" kern="1200">
-                <a:solidFill>
-                  <a:schemeClr val="tx1"/>
-                </a:solidFill>
-                <a:latin typeface="+mn-lt"/>
-                <a:ea typeface="+mn-ea"/>
-                <a:cs typeface="+mn-cs"/>
-              </a:defRPr>
-            </a:lvl9pPr>
-          </a:lstStyle>
-          <a:p>
-            <a:r>
-              <a:rPr lang="pt-BR" dirty="0" smtClean="0"/>
               <a:t>Dados de Y para teste: [662 e 669.3]</a:t>
             </a:r>
           </a:p>
           <a:p>
             <a:r>
-              <a:rPr lang="pt-BR" dirty="0" smtClean="0"/>
+              <a:rPr lang="pt-BR" dirty="0"/>
               <a:t>Dados de Y resultante da predição: [661 e 696.3]</a:t>
             </a:r>
           </a:p>
           <a:p>
             <a:pPr lvl="0"/>
             <a:r>
-              <a:rPr lang="pt-BR" dirty="0" smtClean="0"/>
+              <a:rPr lang="pt-BR" dirty="0"/>
               <a:t>Score: </a:t>
             </a:r>
             <a:r>
@@ -9722,30 +4223,68 @@
             </a:r>
           </a:p>
           <a:p>
-            <a:endParaRPr lang="pt-BR" dirty="0" smtClean="0"/>
-          </a:p>
-          <a:p>
-            <a:endParaRPr lang="pt-BR" dirty="0" smtClean="0"/>
+            <a:endParaRPr lang="pt-BR" dirty="0"/>
+          </a:p>
+        </p:txBody>
+      </p:sp>
+      <p:sp>
+        <p:nvSpPr>
+          <p:cNvPr id="4" name="Título 1"/>
+          <p:cNvSpPr>
+            <a:spLocks noGrp="1"/>
+          </p:cNvSpPr>
+          <p:nvPr>
+            <p:ph type="title"/>
+          </p:nvPr>
+        </p:nvSpPr>
+        <p:spPr>
+          <a:xfrm>
+            <a:off x="838200" y="365125"/>
+            <a:ext cx="11062648" cy="1325563"/>
+          </a:xfrm>
+        </p:spPr>
+        <p:txBody>
+          <a:bodyPr>
+            <a:normAutofit/>
+          </a:bodyPr>
+          <a:lstStyle/>
+          <a:p>
+            <a:r>
+              <a:rPr lang="pt-BR" dirty="0" smtClean="0"/>
+              <a:t>SIMULAÇÃO </a:t>
+            </a:r>
+            <a:r>
+              <a:rPr lang="pt-BR" dirty="0"/>
+              <a:t>DO CÓDIGO </a:t>
+            </a:r>
+            <a:r>
+              <a:rPr lang="pt-BR" dirty="0" smtClean="0"/>
+              <a:t>(</a:t>
+            </a:r>
+            <a:r>
+              <a:rPr lang="pt-BR" dirty="0" smtClean="0">
+                <a:hlinkClick r:id="rId2"/>
+              </a:rPr>
+              <a:t>GIT HUB PARTICULAR</a:t>
+            </a:r>
+            <a:r>
+              <a:rPr lang="pt-BR" dirty="0" smtClean="0"/>
+              <a:t>)</a:t>
+            </a:r>
+            <a:endParaRPr lang="pt-BR" dirty="0"/>
           </a:p>
         </p:txBody>
       </p:sp>
     </p:spTree>
     <p:extLst>
       <p:ext uri="{BB962C8B-B14F-4D97-AF65-F5344CB8AC3E}">
-        <p14:creationId xmlns:p14="http://schemas.microsoft.com/office/powerpoint/2010/main" val="48054408"/>
+        <p14:creationId xmlns:p14="http://schemas.microsoft.com/office/powerpoint/2010/main" val="96971141"/>
       </p:ext>
     </p:extLst>
   </p:cSld>
   <p:clrMapOvr>
     <a:masterClrMapping/>
   </p:clrMapOvr>
-  <p:timing>
-    <p:tnLst>
-      <p:par>
-        <p:cTn id="1" dur="indefinite" restart="never" nodeType="tmRoot"/>
-      </p:par>
-    </p:tnLst>
-  </p:timing>
 </p:sld>
 </file>
 
@@ -9915,45 +4454,28 @@
           <a:p>
             <a:r>
               <a:rPr lang="pt-BR" dirty="0" smtClean="0"/>
-              <a:t>Entender como a </a:t>
-            </a:r>
-            <a:r>
-              <a:rPr lang="pt-BR" dirty="0" smtClean="0"/>
-              <a:t>inteligência artificial e os modelos de aprendizados de máquina podem auxiliar no controle industrial é importantíssimo para o engenheiro de controle e automação.</a:t>
-            </a:r>
+              <a:t>Entender como a inteligência artificial e os modelos de aprendizados de máquina podem auxiliar no controle industrial é importantíssimo para o engenheiro de controle e automação.</a:t>
+            </a:r>
+          </a:p>
+          <a:p>
+            <a:r>
+              <a:rPr lang="pt-BR" dirty="0" smtClean="0"/>
+              <a:t>Os sistemas fabris, com a inserção de tecnologias de informação (conceito de indústria 4.0), podem ser cada vez mais manipulados, controlados e entendidos.</a:t>
+            </a:r>
+          </a:p>
+          <a:p>
+            <a:r>
+              <a:rPr lang="pt-BR" dirty="0" smtClean="0"/>
+              <a:t>A fusão da automação, computação e telecomunicações é o motor propulsor da evolução tecnológica da indústria.</a:t>
+            </a:r>
+          </a:p>
+          <a:p>
             <a:endParaRPr lang="pt-BR" dirty="0" smtClean="0"/>
           </a:p>
           <a:p>
             <a:r>
               <a:rPr lang="pt-BR" dirty="0" smtClean="0"/>
-              <a:t>Os sistemas fabris, com a inserção de tecnologias de informação (conceito de indústria 4.0), podem ser cada vez mais manipulados, controlados e entendidos.</a:t>
-            </a:r>
-          </a:p>
-          <a:p>
-            <a:r>
-              <a:rPr lang="pt-BR" dirty="0" smtClean="0"/>
-              <a:t>A fusã</a:t>
-            </a:r>
-            <a:r>
-              <a:rPr lang="pt-BR" dirty="0" smtClean="0"/>
-              <a:t>o da automação, computação e telecomunicações é o motor propulsor da evolução tecnológica da indústria.</a:t>
-            </a:r>
-          </a:p>
-          <a:p>
-            <a:endParaRPr lang="pt-BR" dirty="0" smtClean="0"/>
-          </a:p>
-          <a:p>
-            <a:r>
-              <a:rPr lang="pt-BR" dirty="0" smtClean="0"/>
-              <a:t>Eu tenho que cursar “</a:t>
-            </a:r>
-            <a:r>
-              <a:rPr lang="pt-BR" dirty="0" smtClean="0"/>
-              <a:t>Introdução as Telecomunicações” e </a:t>
-            </a:r>
-            <a:r>
-              <a:rPr lang="pt-BR" dirty="0" smtClean="0"/>
-              <a:t>desenvolver minhas habilidades em Python HAHA’.</a:t>
+              <a:t>Eu tenho que cursar “Introdução as Telecomunicações” e desenvolver minhas habilidades em Python HAHA’.</a:t>
             </a:r>
             <a:endParaRPr lang="pt-BR" dirty="0"/>
           </a:p>
@@ -11226,11 +5748,7 @@
           <a:p>
             <a:r>
               <a:rPr lang="pt-BR" dirty="0" smtClean="0"/>
-              <a:t>Algoritmos de Clusterização</a:t>
-            </a:r>
-            <a:r>
-              <a:rPr lang="pt-BR" dirty="0" smtClean="0"/>
-              <a:t>:</a:t>
+              <a:t>Algoritmos de Clusterização:</a:t>
             </a:r>
           </a:p>
           <a:p>
